--- a/Präsentation/Sidescroller.pptx
+++ b/Präsentation/Sidescroller.pptx
@@ -5,12 +5,13 @@
     <p:sldMasterId id="2147483648" r:id="rId1"/>
   </p:sldMasterIdLst>
   <p:notesMasterIdLst>
-    <p:notesMasterId r:id="rId5"/>
+    <p:notesMasterId r:id="rId6"/>
   </p:notesMasterIdLst>
   <p:sldIdLst>
     <p:sldId id="256" r:id="rId2"/>
     <p:sldId id="257" r:id="rId3"/>
     <p:sldId id="258" r:id="rId4"/>
+    <p:sldId id="259" r:id="rId5"/>
   </p:sldIdLst>
   <p:sldSz cx="12192000" cy="6858000"/>
   <p:notesSz cx="6858000" cy="9144000"/>
@@ -199,7 +200,7 @@
           <a:p>
             <a:fld id="{31DCBA5F-B46C-4232-B407-FFB66900B6B6}" type="datetimeFigureOut">
               <a:rPr lang="de-DE" smtClean="0"/>
-              <a:t>21.11.2018</a:t>
+              <a:t>26.11.2018</a:t>
             </a:fld>
             <a:endParaRPr lang="de-DE"/>
           </a:p>
@@ -263,38 +264,37 @@
           <a:p>
             <a:pPr lvl="0"/>
             <a:r>
-              <a:rPr lang="de-DE" smtClean="0"/>
+              <a:rPr lang="de-DE"/>
               <a:t>Formatvorlagen des Textmasters bearbeiten</a:t>
             </a:r>
           </a:p>
           <a:p>
             <a:pPr lvl="1"/>
             <a:r>
-              <a:rPr lang="de-DE" smtClean="0"/>
+              <a:rPr lang="de-DE"/>
               <a:t>Zweite Ebene</a:t>
             </a:r>
           </a:p>
           <a:p>
             <a:pPr lvl="2"/>
             <a:r>
-              <a:rPr lang="de-DE" smtClean="0"/>
+              <a:rPr lang="de-DE"/>
               <a:t>Dritte Ebene</a:t>
             </a:r>
           </a:p>
           <a:p>
             <a:pPr lvl="3"/>
             <a:r>
-              <a:rPr lang="de-DE" smtClean="0"/>
+              <a:rPr lang="de-DE"/>
               <a:t>Vierte Ebene</a:t>
             </a:r>
           </a:p>
           <a:p>
             <a:pPr lvl="4"/>
             <a:r>
-              <a:rPr lang="de-DE" smtClean="0"/>
+              <a:rPr lang="de-DE"/>
               <a:t>Fünfte Ebene</a:t>
             </a:r>
-            <a:endParaRPr lang="de-DE"/>
           </a:p>
         </p:txBody>
       </p:sp>
@@ -509,10 +509,9 @@
           </a:lstStyle>
           <a:p>
             <a:r>
-              <a:rPr lang="de-DE" smtClean="0"/>
+              <a:rPr lang="de-DE"/>
               <a:t>Titelmasterformat durch Klicken bearbeiten</a:t>
             </a:r>
-            <a:endParaRPr lang="de-DE"/>
           </a:p>
         </p:txBody>
       </p:sp>
@@ -574,10 +573,9 @@
           </a:lstStyle>
           <a:p>
             <a:r>
-              <a:rPr lang="de-DE" smtClean="0"/>
+              <a:rPr lang="de-DE"/>
               <a:t>Formatvorlage des Untertitelmasters durch Klicken bearbeiten</a:t>
             </a:r>
-            <a:endParaRPr lang="de-DE"/>
           </a:p>
         </p:txBody>
       </p:sp>
@@ -598,7 +596,7 @@
           <a:p>
             <a:fld id="{06D06F5E-9D7A-4DDB-8560-27BA9B505005}" type="datetime1">
               <a:rPr lang="de-DE" smtClean="0"/>
-              <a:t>21.11.2018</a:t>
+              <a:t>26.11.2018</a:t>
             </a:fld>
             <a:endParaRPr lang="de-DE"/>
           </a:p>
@@ -692,10 +690,9 @@
           <a:lstStyle/>
           <a:p>
             <a:r>
-              <a:rPr lang="de-DE" smtClean="0"/>
+              <a:rPr lang="de-DE"/>
               <a:t>Titelmasterformat durch Klicken bearbeiten</a:t>
             </a:r>
-            <a:endParaRPr lang="de-DE"/>
           </a:p>
         </p:txBody>
       </p:sp>
@@ -716,38 +713,37 @@
           <a:p>
             <a:pPr lvl="0"/>
             <a:r>
-              <a:rPr lang="de-DE" smtClean="0"/>
+              <a:rPr lang="de-DE"/>
               <a:t>Formatvorlagen des Textmasters bearbeiten</a:t>
             </a:r>
           </a:p>
           <a:p>
             <a:pPr lvl="1"/>
             <a:r>
-              <a:rPr lang="de-DE" smtClean="0"/>
+              <a:rPr lang="de-DE"/>
               <a:t>Zweite Ebene</a:t>
             </a:r>
           </a:p>
           <a:p>
             <a:pPr lvl="2"/>
             <a:r>
-              <a:rPr lang="de-DE" smtClean="0"/>
+              <a:rPr lang="de-DE"/>
               <a:t>Dritte Ebene</a:t>
             </a:r>
           </a:p>
           <a:p>
             <a:pPr lvl="3"/>
             <a:r>
-              <a:rPr lang="de-DE" smtClean="0"/>
+              <a:rPr lang="de-DE"/>
               <a:t>Vierte Ebene</a:t>
             </a:r>
           </a:p>
           <a:p>
             <a:pPr lvl="4"/>
             <a:r>
-              <a:rPr lang="de-DE" smtClean="0"/>
+              <a:rPr lang="de-DE"/>
               <a:t>Fünfte Ebene</a:t>
             </a:r>
-            <a:endParaRPr lang="de-DE"/>
           </a:p>
         </p:txBody>
       </p:sp>
@@ -768,7 +764,7 @@
           <a:p>
             <a:fld id="{B7C3DDC9-ACC7-4887-92ED-9F6B62F85484}" type="datetime1">
               <a:rPr lang="de-DE" smtClean="0"/>
-              <a:t>21.11.2018</a:t>
+              <a:t>26.11.2018</a:t>
             </a:fld>
             <a:endParaRPr lang="de-DE"/>
           </a:p>
@@ -867,10 +863,9 @@
           <a:lstStyle/>
           <a:p>
             <a:r>
-              <a:rPr lang="de-DE" smtClean="0"/>
+              <a:rPr lang="de-DE"/>
               <a:t>Titelmasterformat durch Klicken bearbeiten</a:t>
             </a:r>
-            <a:endParaRPr lang="de-DE"/>
           </a:p>
         </p:txBody>
       </p:sp>
@@ -896,38 +891,37 @@
           <a:p>
             <a:pPr lvl="0"/>
             <a:r>
-              <a:rPr lang="de-DE" smtClean="0"/>
+              <a:rPr lang="de-DE"/>
               <a:t>Formatvorlagen des Textmasters bearbeiten</a:t>
             </a:r>
           </a:p>
           <a:p>
             <a:pPr lvl="1"/>
             <a:r>
-              <a:rPr lang="de-DE" smtClean="0"/>
+              <a:rPr lang="de-DE"/>
               <a:t>Zweite Ebene</a:t>
             </a:r>
           </a:p>
           <a:p>
             <a:pPr lvl="2"/>
             <a:r>
-              <a:rPr lang="de-DE" smtClean="0"/>
+              <a:rPr lang="de-DE"/>
               <a:t>Dritte Ebene</a:t>
             </a:r>
           </a:p>
           <a:p>
             <a:pPr lvl="3"/>
             <a:r>
-              <a:rPr lang="de-DE" smtClean="0"/>
+              <a:rPr lang="de-DE"/>
               <a:t>Vierte Ebene</a:t>
             </a:r>
           </a:p>
           <a:p>
             <a:pPr lvl="4"/>
             <a:r>
-              <a:rPr lang="de-DE" smtClean="0"/>
+              <a:rPr lang="de-DE"/>
               <a:t>Fünfte Ebene</a:t>
             </a:r>
-            <a:endParaRPr lang="de-DE"/>
           </a:p>
         </p:txBody>
       </p:sp>
@@ -948,7 +942,7 @@
           <a:p>
             <a:fld id="{F9DD9936-7A26-47E4-A3B9-5F7F799ED32A}" type="datetime1">
               <a:rPr lang="de-DE" smtClean="0"/>
-              <a:t>21.11.2018</a:t>
+              <a:t>26.11.2018</a:t>
             </a:fld>
             <a:endParaRPr lang="de-DE"/>
           </a:p>
@@ -1042,10 +1036,9 @@
           <a:lstStyle/>
           <a:p>
             <a:r>
-              <a:rPr lang="de-DE" smtClean="0"/>
+              <a:rPr lang="de-DE"/>
               <a:t>Titelmasterformat durch Klicken bearbeiten</a:t>
             </a:r>
-            <a:endParaRPr lang="de-DE"/>
           </a:p>
         </p:txBody>
       </p:sp>
@@ -1066,38 +1059,37 @@
           <a:p>
             <a:pPr lvl="0"/>
             <a:r>
-              <a:rPr lang="de-DE" smtClean="0"/>
+              <a:rPr lang="de-DE"/>
               <a:t>Formatvorlagen des Textmasters bearbeiten</a:t>
             </a:r>
           </a:p>
           <a:p>
             <a:pPr lvl="1"/>
             <a:r>
-              <a:rPr lang="de-DE" smtClean="0"/>
+              <a:rPr lang="de-DE"/>
               <a:t>Zweite Ebene</a:t>
             </a:r>
           </a:p>
           <a:p>
             <a:pPr lvl="2"/>
             <a:r>
-              <a:rPr lang="de-DE" smtClean="0"/>
+              <a:rPr lang="de-DE"/>
               <a:t>Dritte Ebene</a:t>
             </a:r>
           </a:p>
           <a:p>
             <a:pPr lvl="3"/>
             <a:r>
-              <a:rPr lang="de-DE" smtClean="0"/>
+              <a:rPr lang="de-DE"/>
               <a:t>Vierte Ebene</a:t>
             </a:r>
           </a:p>
           <a:p>
             <a:pPr lvl="4"/>
             <a:r>
-              <a:rPr lang="de-DE" smtClean="0"/>
+              <a:rPr lang="de-DE"/>
               <a:t>Fünfte Ebene</a:t>
             </a:r>
-            <a:endParaRPr lang="de-DE"/>
           </a:p>
         </p:txBody>
       </p:sp>
@@ -1118,7 +1110,7 @@
           <a:p>
             <a:fld id="{560CDA69-B38B-4EA9-8910-05BBEBFC907A}" type="datetime1">
               <a:rPr lang="de-DE" smtClean="0"/>
-              <a:t>21.11.2018</a:t>
+              <a:t>26.11.2018</a:t>
             </a:fld>
             <a:endParaRPr lang="de-DE"/>
           </a:p>
@@ -1221,10 +1213,9 @@
           </a:lstStyle>
           <a:p>
             <a:r>
-              <a:rPr lang="de-DE" smtClean="0"/>
+              <a:rPr lang="de-DE"/>
               <a:t>Titelmasterformat durch Klicken bearbeiten</a:t>
             </a:r>
-            <a:endParaRPr lang="de-DE"/>
           </a:p>
         </p:txBody>
       </p:sp>
@@ -1341,7 +1332,7 @@
           <a:p>
             <a:pPr lvl="0"/>
             <a:r>
-              <a:rPr lang="de-DE" smtClean="0"/>
+              <a:rPr lang="de-DE"/>
               <a:t>Formatvorlagen des Textmasters bearbeiten</a:t>
             </a:r>
           </a:p>
@@ -1364,7 +1355,7 @@
           <a:p>
             <a:fld id="{4D86E3C2-8FEA-49FA-910B-8E4C9B3DD15F}" type="datetime1">
               <a:rPr lang="de-DE" smtClean="0"/>
-              <a:t>21.11.2018</a:t>
+              <a:t>26.11.2018</a:t>
             </a:fld>
             <a:endParaRPr lang="de-DE"/>
           </a:p>
@@ -1458,10 +1449,9 @@
           <a:lstStyle/>
           <a:p>
             <a:r>
-              <a:rPr lang="de-DE" smtClean="0"/>
+              <a:rPr lang="de-DE"/>
               <a:t>Titelmasterformat durch Klicken bearbeiten</a:t>
             </a:r>
-            <a:endParaRPr lang="de-DE"/>
           </a:p>
         </p:txBody>
       </p:sp>
@@ -1487,38 +1477,37 @@
           <a:p>
             <a:pPr lvl="0"/>
             <a:r>
-              <a:rPr lang="de-DE" smtClean="0"/>
+              <a:rPr lang="de-DE"/>
               <a:t>Formatvorlagen des Textmasters bearbeiten</a:t>
             </a:r>
           </a:p>
           <a:p>
             <a:pPr lvl="1"/>
             <a:r>
-              <a:rPr lang="de-DE" smtClean="0"/>
+              <a:rPr lang="de-DE"/>
               <a:t>Zweite Ebene</a:t>
             </a:r>
           </a:p>
           <a:p>
             <a:pPr lvl="2"/>
             <a:r>
-              <a:rPr lang="de-DE" smtClean="0"/>
+              <a:rPr lang="de-DE"/>
               <a:t>Dritte Ebene</a:t>
             </a:r>
           </a:p>
           <a:p>
             <a:pPr lvl="3"/>
             <a:r>
-              <a:rPr lang="de-DE" smtClean="0"/>
+              <a:rPr lang="de-DE"/>
               <a:t>Vierte Ebene</a:t>
             </a:r>
           </a:p>
           <a:p>
             <a:pPr lvl="4"/>
             <a:r>
-              <a:rPr lang="de-DE" smtClean="0"/>
+              <a:rPr lang="de-DE"/>
               <a:t>Fünfte Ebene</a:t>
             </a:r>
-            <a:endParaRPr lang="de-DE"/>
           </a:p>
         </p:txBody>
       </p:sp>
@@ -1544,38 +1533,37 @@
           <a:p>
             <a:pPr lvl="0"/>
             <a:r>
-              <a:rPr lang="de-DE" smtClean="0"/>
+              <a:rPr lang="de-DE"/>
               <a:t>Formatvorlagen des Textmasters bearbeiten</a:t>
             </a:r>
           </a:p>
           <a:p>
             <a:pPr lvl="1"/>
             <a:r>
-              <a:rPr lang="de-DE" smtClean="0"/>
+              <a:rPr lang="de-DE"/>
               <a:t>Zweite Ebene</a:t>
             </a:r>
           </a:p>
           <a:p>
             <a:pPr lvl="2"/>
             <a:r>
-              <a:rPr lang="de-DE" smtClean="0"/>
+              <a:rPr lang="de-DE"/>
               <a:t>Dritte Ebene</a:t>
             </a:r>
           </a:p>
           <a:p>
             <a:pPr lvl="3"/>
             <a:r>
-              <a:rPr lang="de-DE" smtClean="0"/>
+              <a:rPr lang="de-DE"/>
               <a:t>Vierte Ebene</a:t>
             </a:r>
           </a:p>
           <a:p>
             <a:pPr lvl="4"/>
             <a:r>
-              <a:rPr lang="de-DE" smtClean="0"/>
+              <a:rPr lang="de-DE"/>
               <a:t>Fünfte Ebene</a:t>
             </a:r>
-            <a:endParaRPr lang="de-DE"/>
           </a:p>
         </p:txBody>
       </p:sp>
@@ -1596,7 +1584,7 @@
           <a:p>
             <a:fld id="{0E389C10-59CD-4161-BDB4-5B872B347504}" type="datetime1">
               <a:rPr lang="de-DE" smtClean="0"/>
-              <a:t>21.11.2018</a:t>
+              <a:t>26.11.2018</a:t>
             </a:fld>
             <a:endParaRPr lang="de-DE"/>
           </a:p>
@@ -1695,10 +1683,9 @@
           <a:lstStyle/>
           <a:p>
             <a:r>
-              <a:rPr lang="de-DE" smtClean="0"/>
+              <a:rPr lang="de-DE"/>
               <a:t>Titelmasterformat durch Klicken bearbeiten</a:t>
             </a:r>
-            <a:endParaRPr lang="de-DE"/>
           </a:p>
         </p:txBody>
       </p:sp>
@@ -1761,7 +1748,7 @@
           <a:p>
             <a:pPr lvl="0"/>
             <a:r>
-              <a:rPr lang="de-DE" smtClean="0"/>
+              <a:rPr lang="de-DE"/>
               <a:t>Formatvorlagen des Textmasters bearbeiten</a:t>
             </a:r>
           </a:p>
@@ -1789,38 +1776,37 @@
           <a:p>
             <a:pPr lvl="0"/>
             <a:r>
-              <a:rPr lang="de-DE" smtClean="0"/>
+              <a:rPr lang="de-DE"/>
               <a:t>Formatvorlagen des Textmasters bearbeiten</a:t>
             </a:r>
           </a:p>
           <a:p>
             <a:pPr lvl="1"/>
             <a:r>
-              <a:rPr lang="de-DE" smtClean="0"/>
+              <a:rPr lang="de-DE"/>
               <a:t>Zweite Ebene</a:t>
             </a:r>
           </a:p>
           <a:p>
             <a:pPr lvl="2"/>
             <a:r>
-              <a:rPr lang="de-DE" smtClean="0"/>
+              <a:rPr lang="de-DE"/>
               <a:t>Dritte Ebene</a:t>
             </a:r>
           </a:p>
           <a:p>
             <a:pPr lvl="3"/>
             <a:r>
-              <a:rPr lang="de-DE" smtClean="0"/>
+              <a:rPr lang="de-DE"/>
               <a:t>Vierte Ebene</a:t>
             </a:r>
           </a:p>
           <a:p>
             <a:pPr lvl="4"/>
             <a:r>
-              <a:rPr lang="de-DE" smtClean="0"/>
+              <a:rPr lang="de-DE"/>
               <a:t>Fünfte Ebene</a:t>
             </a:r>
-            <a:endParaRPr lang="de-DE"/>
           </a:p>
         </p:txBody>
       </p:sp>
@@ -1883,7 +1869,7 @@
           <a:p>
             <a:pPr lvl="0"/>
             <a:r>
-              <a:rPr lang="de-DE" smtClean="0"/>
+              <a:rPr lang="de-DE"/>
               <a:t>Formatvorlagen des Textmasters bearbeiten</a:t>
             </a:r>
           </a:p>
@@ -1911,38 +1897,37 @@
           <a:p>
             <a:pPr lvl="0"/>
             <a:r>
-              <a:rPr lang="de-DE" smtClean="0"/>
+              <a:rPr lang="de-DE"/>
               <a:t>Formatvorlagen des Textmasters bearbeiten</a:t>
             </a:r>
           </a:p>
           <a:p>
             <a:pPr lvl="1"/>
             <a:r>
-              <a:rPr lang="de-DE" smtClean="0"/>
+              <a:rPr lang="de-DE"/>
               <a:t>Zweite Ebene</a:t>
             </a:r>
           </a:p>
           <a:p>
             <a:pPr lvl="2"/>
             <a:r>
-              <a:rPr lang="de-DE" smtClean="0"/>
+              <a:rPr lang="de-DE"/>
               <a:t>Dritte Ebene</a:t>
             </a:r>
           </a:p>
           <a:p>
             <a:pPr lvl="3"/>
             <a:r>
-              <a:rPr lang="de-DE" smtClean="0"/>
+              <a:rPr lang="de-DE"/>
               <a:t>Vierte Ebene</a:t>
             </a:r>
           </a:p>
           <a:p>
             <a:pPr lvl="4"/>
             <a:r>
-              <a:rPr lang="de-DE" smtClean="0"/>
+              <a:rPr lang="de-DE"/>
               <a:t>Fünfte Ebene</a:t>
             </a:r>
-            <a:endParaRPr lang="de-DE"/>
           </a:p>
         </p:txBody>
       </p:sp>
@@ -1963,7 +1948,7 @@
           <a:p>
             <a:fld id="{CB86023F-85F4-404D-95CB-24127D2E1871}" type="datetime1">
               <a:rPr lang="de-DE" smtClean="0"/>
-              <a:t>21.11.2018</a:t>
+              <a:t>26.11.2018</a:t>
             </a:fld>
             <a:endParaRPr lang="de-DE"/>
           </a:p>
@@ -2057,10 +2042,9 @@
           <a:lstStyle/>
           <a:p>
             <a:r>
-              <a:rPr lang="de-DE" smtClean="0"/>
+              <a:rPr lang="de-DE"/>
               <a:t>Titelmasterformat durch Klicken bearbeiten</a:t>
             </a:r>
-            <a:endParaRPr lang="de-DE"/>
           </a:p>
         </p:txBody>
       </p:sp>
@@ -2081,7 +2065,7 @@
           <a:p>
             <a:fld id="{84297976-540B-41CD-9420-FF9800DADE1E}" type="datetime1">
               <a:rPr lang="de-DE" smtClean="0"/>
-              <a:t>21.11.2018</a:t>
+              <a:t>26.11.2018</a:t>
             </a:fld>
             <a:endParaRPr lang="de-DE"/>
           </a:p>
@@ -2176,7 +2160,7 @@
           <a:p>
             <a:fld id="{C4ED3D54-95CB-4314-85F0-96C00F35C50E}" type="datetime1">
               <a:rPr lang="de-DE" smtClean="0"/>
-              <a:t>21.11.2018</a:t>
+              <a:t>26.11.2018</a:t>
             </a:fld>
             <a:endParaRPr lang="de-DE"/>
           </a:p>
@@ -2279,10 +2263,9 @@
           </a:lstStyle>
           <a:p>
             <a:r>
-              <a:rPr lang="de-DE" smtClean="0"/>
+              <a:rPr lang="de-DE"/>
               <a:t>Titelmasterformat durch Klicken bearbeiten</a:t>
             </a:r>
-            <a:endParaRPr lang="de-DE"/>
           </a:p>
         </p:txBody>
       </p:sp>
@@ -2336,38 +2319,37 @@
           <a:p>
             <a:pPr lvl="0"/>
             <a:r>
-              <a:rPr lang="de-DE" smtClean="0"/>
+              <a:rPr lang="de-DE"/>
               <a:t>Formatvorlagen des Textmasters bearbeiten</a:t>
             </a:r>
           </a:p>
           <a:p>
             <a:pPr lvl="1"/>
             <a:r>
-              <a:rPr lang="de-DE" smtClean="0"/>
+              <a:rPr lang="de-DE"/>
               <a:t>Zweite Ebene</a:t>
             </a:r>
           </a:p>
           <a:p>
             <a:pPr lvl="2"/>
             <a:r>
-              <a:rPr lang="de-DE" smtClean="0"/>
+              <a:rPr lang="de-DE"/>
               <a:t>Dritte Ebene</a:t>
             </a:r>
           </a:p>
           <a:p>
             <a:pPr lvl="3"/>
             <a:r>
-              <a:rPr lang="de-DE" smtClean="0"/>
+              <a:rPr lang="de-DE"/>
               <a:t>Vierte Ebene</a:t>
             </a:r>
           </a:p>
           <a:p>
             <a:pPr lvl="4"/>
             <a:r>
-              <a:rPr lang="de-DE" smtClean="0"/>
+              <a:rPr lang="de-DE"/>
               <a:t>Fünfte Ebene</a:t>
             </a:r>
-            <a:endParaRPr lang="de-DE"/>
           </a:p>
         </p:txBody>
       </p:sp>
@@ -2430,7 +2412,7 @@
           <a:p>
             <a:pPr lvl="0"/>
             <a:r>
-              <a:rPr lang="de-DE" smtClean="0"/>
+              <a:rPr lang="de-DE"/>
               <a:t>Formatvorlagen des Textmasters bearbeiten</a:t>
             </a:r>
           </a:p>
@@ -2453,7 +2435,7 @@
           <a:p>
             <a:fld id="{D272DAB2-BF27-4C66-AABE-E25BDA71F739}" type="datetime1">
               <a:rPr lang="de-DE" smtClean="0"/>
-              <a:t>21.11.2018</a:t>
+              <a:t>26.11.2018</a:t>
             </a:fld>
             <a:endParaRPr lang="de-DE"/>
           </a:p>
@@ -2556,10 +2538,9 @@
           </a:lstStyle>
           <a:p>
             <a:r>
-              <a:rPr lang="de-DE" smtClean="0"/>
+              <a:rPr lang="de-DE"/>
               <a:t>Titelmasterformat durch Klicken bearbeiten</a:t>
             </a:r>
-            <a:endParaRPr lang="de-DE"/>
           </a:p>
         </p:txBody>
       </p:sp>
@@ -2683,7 +2664,7 @@
           <a:p>
             <a:pPr lvl="0"/>
             <a:r>
-              <a:rPr lang="de-DE" smtClean="0"/>
+              <a:rPr lang="de-DE"/>
               <a:t>Formatvorlagen des Textmasters bearbeiten</a:t>
             </a:r>
           </a:p>
@@ -2706,7 +2687,7 @@
           <a:p>
             <a:fld id="{16326C40-DD24-4C15-AB59-41FD4F6939CB}" type="datetime1">
               <a:rPr lang="de-DE" smtClean="0"/>
-              <a:t>21.11.2018</a:t>
+              <a:t>26.11.2018</a:t>
             </a:fld>
             <a:endParaRPr lang="de-DE"/>
           </a:p>
@@ -2815,10 +2796,9 @@
           <a:lstStyle/>
           <a:p>
             <a:r>
-              <a:rPr lang="de-DE" smtClean="0"/>
+              <a:rPr lang="de-DE"/>
               <a:t>Titelmasterformat durch Klicken bearbeiten</a:t>
             </a:r>
-            <a:endParaRPr lang="de-DE"/>
           </a:p>
         </p:txBody>
       </p:sp>
@@ -2849,38 +2829,37 @@
           <a:p>
             <a:pPr lvl="0"/>
             <a:r>
-              <a:rPr lang="de-DE" smtClean="0"/>
+              <a:rPr lang="de-DE"/>
               <a:t>Formatvorlagen des Textmasters bearbeiten</a:t>
             </a:r>
           </a:p>
           <a:p>
             <a:pPr lvl="1"/>
             <a:r>
-              <a:rPr lang="de-DE" smtClean="0"/>
+              <a:rPr lang="de-DE"/>
               <a:t>Zweite Ebene</a:t>
             </a:r>
           </a:p>
           <a:p>
             <a:pPr lvl="2"/>
             <a:r>
-              <a:rPr lang="de-DE" smtClean="0"/>
+              <a:rPr lang="de-DE"/>
               <a:t>Dritte Ebene</a:t>
             </a:r>
           </a:p>
           <a:p>
             <a:pPr lvl="3"/>
             <a:r>
-              <a:rPr lang="de-DE" smtClean="0"/>
+              <a:rPr lang="de-DE"/>
               <a:t>Vierte Ebene</a:t>
             </a:r>
           </a:p>
           <a:p>
             <a:pPr lvl="4"/>
             <a:r>
-              <a:rPr lang="de-DE" smtClean="0"/>
+              <a:rPr lang="de-DE"/>
               <a:t>Fünfte Ebene</a:t>
             </a:r>
-            <a:endParaRPr lang="de-DE"/>
           </a:p>
         </p:txBody>
       </p:sp>
@@ -2919,7 +2898,7 @@
           <a:p>
             <a:fld id="{98B3B9C9-389A-4F2E-AF77-31F8B83DB8C3}" type="datetime1">
               <a:rPr lang="de-DE" smtClean="0"/>
-              <a:t>21.11.2018</a:t>
+              <a:t>26.11.2018</a:t>
             </a:fld>
             <a:endParaRPr lang="de-DE"/>
           </a:p>
@@ -3360,10 +3339,9 @@
           <a:lstStyle/>
           <a:p>
             <a:r>
-              <a:rPr lang="de-DE" dirty="0" smtClean="0"/>
+              <a:rPr lang="de-DE" dirty="0"/>
               <a:t>Der T-Rex Sidescroller</a:t>
             </a:r>
-            <a:endParaRPr lang="de-DE" dirty="0"/>
           </a:p>
         </p:txBody>
       </p:sp>
@@ -3455,10 +3433,9 @@
           <a:lstStyle/>
           <a:p>
             <a:r>
-              <a:rPr lang="de-DE" dirty="0" smtClean="0"/>
+              <a:rPr lang="de-DE" dirty="0"/>
               <a:t>Inhaltsverzeichnis</a:t>
             </a:r>
-            <a:endParaRPr lang="de-DE" dirty="0"/>
           </a:p>
         </p:txBody>
       </p:sp>
@@ -3512,7 +3489,7 @@
               <a:buChar char="•"/>
             </a:pPr>
             <a:r>
-              <a:rPr lang="de-DE" dirty="0" smtClean="0"/>
+              <a:rPr lang="de-DE" dirty="0"/>
               <a:t>Idee</a:t>
             </a:r>
           </a:p>
@@ -3522,7 +3499,7 @@
               <a:buChar char="•"/>
             </a:pPr>
             <a:r>
-              <a:rPr lang="de-DE" dirty="0" smtClean="0"/>
+              <a:rPr lang="de-DE" dirty="0"/>
               <a:t>Datenbank</a:t>
             </a:r>
           </a:p>
@@ -3532,7 +3509,7 @@
               <a:buChar char="•"/>
             </a:pPr>
             <a:r>
-              <a:rPr lang="de-DE" dirty="0" smtClean="0"/>
+              <a:rPr lang="de-DE" dirty="0"/>
               <a:t>Sprungmechanik</a:t>
             </a:r>
           </a:p>
@@ -3542,7 +3519,7 @@
               <a:buChar char="•"/>
             </a:pPr>
             <a:r>
-              <a:rPr lang="de-DE" dirty="0" smtClean="0"/>
+              <a:rPr lang="de-DE" dirty="0"/>
               <a:t>Datenbankanbindung</a:t>
             </a:r>
           </a:p>
@@ -3552,10 +3529,9 @@
               <a:buChar char="•"/>
             </a:pPr>
             <a:r>
-              <a:rPr lang="de-DE" dirty="0" smtClean="0"/>
+              <a:rPr lang="de-DE" dirty="0"/>
               <a:t>Fragen</a:t>
             </a:r>
-            <a:endParaRPr lang="de-DE" dirty="0"/>
           </a:p>
         </p:txBody>
       </p:sp>
@@ -3624,10 +3600,9 @@
           <a:lstStyle/>
           <a:p>
             <a:r>
-              <a:rPr lang="de-DE" dirty="0" smtClean="0"/>
+              <a:rPr lang="de-DE" dirty="0"/>
               <a:t>Idee</a:t>
             </a:r>
-            <a:endParaRPr lang="de-DE" dirty="0"/>
           </a:p>
         </p:txBody>
       </p:sp>
@@ -3737,10 +3712,9 @@
           <a:lstStyle/>
           <a:p>
             <a:r>
-              <a:rPr lang="de-DE" dirty="0" smtClean="0"/>
+              <a:rPr lang="de-DE" dirty="0"/>
               <a:t>Original</a:t>
             </a:r>
-            <a:endParaRPr lang="de-DE" dirty="0"/>
           </a:p>
         </p:txBody>
       </p:sp>
@@ -3753,7 +3727,7 @@
         <p:spPr>
           <a:xfrm>
             <a:off x="8151980" y="1357538"/>
-            <a:ext cx="928203" cy="369332"/>
+            <a:ext cx="1602490" cy="369332"/>
           </a:xfrm>
           <a:prstGeom prst="rect">
             <a:avLst/>
@@ -3767,10 +3741,9 @@
           <a:lstStyle/>
           <a:p>
             <a:r>
-              <a:rPr lang="de-DE" smtClean="0"/>
-              <a:t>Remake</a:t>
-            </a:r>
-            <a:endParaRPr lang="de-DE" dirty="0"/>
+              <a:rPr lang="de-DE" dirty="0"/>
+              <a:t>Unsere Version</a:t>
+            </a:r>
           </a:p>
         </p:txBody>
       </p:sp>
@@ -3784,13 +3757,136 @@
   <p:clrMapOvr>
     <a:masterClrMapping/>
   </p:clrMapOvr>
-  <p:timing>
-    <p:tnLst>
-      <p:par>
-        <p:cTn id="1" dur="indefinite" restart="never" nodeType="tmRoot"/>
-      </p:par>
-    </p:tnLst>
-  </p:timing>
+</p:sld>
+</file>
+
+<file path=ppt/slides/slide4.xml><?xml version="1.0" encoding="utf-8"?>
+<p:sld xmlns:a="http://schemas.openxmlformats.org/drawingml/2006/main" xmlns:r="http://schemas.openxmlformats.org/officeDocument/2006/relationships" xmlns:p="http://schemas.openxmlformats.org/presentationml/2006/main">
+  <p:cSld>
+    <p:bg>
+      <p:bgPr>
+        <a:blipFill dpi="0" rotWithShape="1">
+          <a:blip r:embed="rId2">
+            <a:lum/>
+          </a:blip>
+          <a:srcRect/>
+          <a:stretch>
+            <a:fillRect t="-14000"/>
+          </a:stretch>
+        </a:blipFill>
+        <a:effectLst/>
+      </p:bgPr>
+    </p:bg>
+    <p:spTree>
+      <p:nvGrpSpPr>
+        <p:cNvPr id="1" name=""/>
+        <p:cNvGrpSpPr/>
+        <p:nvPr/>
+      </p:nvGrpSpPr>
+      <p:grpSpPr>
+        <a:xfrm>
+          <a:off x="0" y="0"/>
+          <a:ext cx="0" cy="0"/>
+          <a:chOff x="0" y="0"/>
+          <a:chExt cx="0" cy="0"/>
+        </a:xfrm>
+      </p:grpSpPr>
+      <p:sp>
+        <p:nvSpPr>
+          <p:cNvPr id="2" name="Titel 1"/>
+          <p:cNvSpPr>
+            <a:spLocks noGrp="1"/>
+          </p:cNvSpPr>
+          <p:nvPr>
+            <p:ph type="ctrTitle"/>
+          </p:nvPr>
+        </p:nvSpPr>
+        <p:spPr>
+          <a:xfrm>
+            <a:off x="1542472" y="203201"/>
+            <a:ext cx="9144000" cy="969818"/>
+          </a:xfrm>
+        </p:spPr>
+        <p:txBody>
+          <a:bodyPr/>
+          <a:lstStyle/>
+          <a:p>
+            <a:r>
+              <a:rPr lang="de-DE" dirty="0"/>
+              <a:t>Struktur der Datenbank</a:t>
+            </a:r>
+          </a:p>
+        </p:txBody>
+      </p:sp>
+      <p:sp>
+        <p:nvSpPr>
+          <p:cNvPr id="4" name="Foliennummernplatzhalter 3"/>
+          <p:cNvSpPr>
+            <a:spLocks noGrp="1"/>
+          </p:cNvSpPr>
+          <p:nvPr>
+            <p:ph type="sldNum" sz="quarter" idx="12"/>
+          </p:nvPr>
+        </p:nvSpPr>
+        <p:spPr/>
+        <p:txBody>
+          <a:bodyPr/>
+          <a:lstStyle/>
+          <a:p>
+            <a:fld id="{60077C08-9AF0-4CAF-A8DA-D4C332AEC690}" type="slidenum">
+              <a:rPr lang="de-DE" smtClean="0"/>
+              <a:t>4</a:t>
+            </a:fld>
+            <a:endParaRPr lang="de-DE" dirty="0"/>
+          </a:p>
+        </p:txBody>
+      </p:sp>
+      <p:pic>
+        <p:nvPicPr>
+          <p:cNvPr id="5" name="Grafik 4">
+            <a:extLst>
+              <a:ext uri="{FF2B5EF4-FFF2-40B4-BE49-F238E27FC236}">
+                <a16:creationId xmlns:a16="http://schemas.microsoft.com/office/drawing/2014/main" id="{80086CF1-557C-4F65-A129-22EE619C95E9}"/>
+              </a:ext>
+            </a:extLst>
+          </p:cNvPr>
+          <p:cNvPicPr>
+            <a:picLocks noChangeAspect="1"/>
+          </p:cNvPicPr>
+          <p:nvPr/>
+        </p:nvPicPr>
+        <p:blipFill>
+          <a:blip r:embed="rId3">
+            <a:extLst>
+              <a:ext uri="{28A0092B-C50C-407E-A947-70E740481C1C}">
+                <a14:useLocalDpi xmlns:a14="http://schemas.microsoft.com/office/drawing/2010/main" val="0"/>
+              </a:ext>
+            </a:extLst>
+          </a:blip>
+          <a:stretch>
+            <a:fillRect/>
+          </a:stretch>
+        </p:blipFill>
+        <p:spPr>
+          <a:xfrm>
+            <a:off x="3170487" y="1173019"/>
+            <a:ext cx="5440113" cy="4722480"/>
+          </a:xfrm>
+          <a:prstGeom prst="rect">
+            <a:avLst/>
+          </a:prstGeom>
+        </p:spPr>
+      </p:pic>
+    </p:spTree>
+    <p:extLst>
+      <p:ext uri="{BB962C8B-B14F-4D97-AF65-F5344CB8AC3E}">
+        <p14:creationId xmlns:p14="http://schemas.microsoft.com/office/powerpoint/2010/main" val="126916168"/>
+      </p:ext>
+    </p:extLst>
+  </p:cSld>
+  <p:clrMapOvr>
+    <a:masterClrMapping/>
+  </p:clrMapOvr>
 </p:sld>
 </file>
 

--- a/Präsentation/Sidescroller.pptx
+++ b/Präsentation/Sidescroller.pptx
@@ -5,13 +5,12 @@
     <p:sldMasterId id="2147483648" r:id="rId1"/>
   </p:sldMasterIdLst>
   <p:notesMasterIdLst>
-    <p:notesMasterId r:id="rId6"/>
+    <p:notesMasterId r:id="rId5"/>
   </p:notesMasterIdLst>
   <p:sldIdLst>
     <p:sldId id="256" r:id="rId2"/>
     <p:sldId id="257" r:id="rId3"/>
     <p:sldId id="258" r:id="rId4"/>
-    <p:sldId id="259" r:id="rId5"/>
   </p:sldIdLst>
   <p:sldSz cx="12192000" cy="6858000"/>
   <p:notesSz cx="6858000" cy="9144000"/>
@@ -200,7 +199,7 @@
           <a:p>
             <a:fld id="{31DCBA5F-B46C-4232-B407-FFB66900B6B6}" type="datetimeFigureOut">
               <a:rPr lang="de-DE" smtClean="0"/>
-              <a:t>26.11.2018</a:t>
+              <a:t>21.11.2018</a:t>
             </a:fld>
             <a:endParaRPr lang="de-DE"/>
           </a:p>
@@ -264,37 +263,38 @@
           <a:p>
             <a:pPr lvl="0"/>
             <a:r>
-              <a:rPr lang="de-DE"/>
+              <a:rPr lang="de-DE" smtClean="0"/>
               <a:t>Formatvorlagen des Textmasters bearbeiten</a:t>
             </a:r>
           </a:p>
           <a:p>
             <a:pPr lvl="1"/>
             <a:r>
-              <a:rPr lang="de-DE"/>
+              <a:rPr lang="de-DE" smtClean="0"/>
               <a:t>Zweite Ebene</a:t>
             </a:r>
           </a:p>
           <a:p>
             <a:pPr lvl="2"/>
             <a:r>
-              <a:rPr lang="de-DE"/>
+              <a:rPr lang="de-DE" smtClean="0"/>
               <a:t>Dritte Ebene</a:t>
             </a:r>
           </a:p>
           <a:p>
             <a:pPr lvl="3"/>
             <a:r>
-              <a:rPr lang="de-DE"/>
+              <a:rPr lang="de-DE" smtClean="0"/>
               <a:t>Vierte Ebene</a:t>
             </a:r>
           </a:p>
           <a:p>
             <a:pPr lvl="4"/>
             <a:r>
-              <a:rPr lang="de-DE"/>
+              <a:rPr lang="de-DE" smtClean="0"/>
               <a:t>Fünfte Ebene</a:t>
             </a:r>
+            <a:endParaRPr lang="de-DE"/>
           </a:p>
         </p:txBody>
       </p:sp>
@@ -509,9 +509,10 @@
           </a:lstStyle>
           <a:p>
             <a:r>
-              <a:rPr lang="de-DE"/>
+              <a:rPr lang="de-DE" smtClean="0"/>
               <a:t>Titelmasterformat durch Klicken bearbeiten</a:t>
             </a:r>
+            <a:endParaRPr lang="de-DE"/>
           </a:p>
         </p:txBody>
       </p:sp>
@@ -573,9 +574,10 @@
           </a:lstStyle>
           <a:p>
             <a:r>
-              <a:rPr lang="de-DE"/>
+              <a:rPr lang="de-DE" smtClean="0"/>
               <a:t>Formatvorlage des Untertitelmasters durch Klicken bearbeiten</a:t>
             </a:r>
+            <a:endParaRPr lang="de-DE"/>
           </a:p>
         </p:txBody>
       </p:sp>
@@ -596,7 +598,7 @@
           <a:p>
             <a:fld id="{06D06F5E-9D7A-4DDB-8560-27BA9B505005}" type="datetime1">
               <a:rPr lang="de-DE" smtClean="0"/>
-              <a:t>26.11.2018</a:t>
+              <a:t>21.11.2018</a:t>
             </a:fld>
             <a:endParaRPr lang="de-DE"/>
           </a:p>
@@ -690,9 +692,10 @@
           <a:lstStyle/>
           <a:p>
             <a:r>
-              <a:rPr lang="de-DE"/>
+              <a:rPr lang="de-DE" smtClean="0"/>
               <a:t>Titelmasterformat durch Klicken bearbeiten</a:t>
             </a:r>
+            <a:endParaRPr lang="de-DE"/>
           </a:p>
         </p:txBody>
       </p:sp>
@@ -713,37 +716,38 @@
           <a:p>
             <a:pPr lvl="0"/>
             <a:r>
-              <a:rPr lang="de-DE"/>
+              <a:rPr lang="de-DE" smtClean="0"/>
               <a:t>Formatvorlagen des Textmasters bearbeiten</a:t>
             </a:r>
           </a:p>
           <a:p>
             <a:pPr lvl="1"/>
             <a:r>
-              <a:rPr lang="de-DE"/>
+              <a:rPr lang="de-DE" smtClean="0"/>
               <a:t>Zweite Ebene</a:t>
             </a:r>
           </a:p>
           <a:p>
             <a:pPr lvl="2"/>
             <a:r>
-              <a:rPr lang="de-DE"/>
+              <a:rPr lang="de-DE" smtClean="0"/>
               <a:t>Dritte Ebene</a:t>
             </a:r>
           </a:p>
           <a:p>
             <a:pPr lvl="3"/>
             <a:r>
-              <a:rPr lang="de-DE"/>
+              <a:rPr lang="de-DE" smtClean="0"/>
               <a:t>Vierte Ebene</a:t>
             </a:r>
           </a:p>
           <a:p>
             <a:pPr lvl="4"/>
             <a:r>
-              <a:rPr lang="de-DE"/>
+              <a:rPr lang="de-DE" smtClean="0"/>
               <a:t>Fünfte Ebene</a:t>
             </a:r>
+            <a:endParaRPr lang="de-DE"/>
           </a:p>
         </p:txBody>
       </p:sp>
@@ -764,7 +768,7 @@
           <a:p>
             <a:fld id="{B7C3DDC9-ACC7-4887-92ED-9F6B62F85484}" type="datetime1">
               <a:rPr lang="de-DE" smtClean="0"/>
-              <a:t>26.11.2018</a:t>
+              <a:t>21.11.2018</a:t>
             </a:fld>
             <a:endParaRPr lang="de-DE"/>
           </a:p>
@@ -863,9 +867,10 @@
           <a:lstStyle/>
           <a:p>
             <a:r>
-              <a:rPr lang="de-DE"/>
+              <a:rPr lang="de-DE" smtClean="0"/>
               <a:t>Titelmasterformat durch Klicken bearbeiten</a:t>
             </a:r>
+            <a:endParaRPr lang="de-DE"/>
           </a:p>
         </p:txBody>
       </p:sp>
@@ -891,37 +896,38 @@
           <a:p>
             <a:pPr lvl="0"/>
             <a:r>
-              <a:rPr lang="de-DE"/>
+              <a:rPr lang="de-DE" smtClean="0"/>
               <a:t>Formatvorlagen des Textmasters bearbeiten</a:t>
             </a:r>
           </a:p>
           <a:p>
             <a:pPr lvl="1"/>
             <a:r>
-              <a:rPr lang="de-DE"/>
+              <a:rPr lang="de-DE" smtClean="0"/>
               <a:t>Zweite Ebene</a:t>
             </a:r>
           </a:p>
           <a:p>
             <a:pPr lvl="2"/>
             <a:r>
-              <a:rPr lang="de-DE"/>
+              <a:rPr lang="de-DE" smtClean="0"/>
               <a:t>Dritte Ebene</a:t>
             </a:r>
           </a:p>
           <a:p>
             <a:pPr lvl="3"/>
             <a:r>
-              <a:rPr lang="de-DE"/>
+              <a:rPr lang="de-DE" smtClean="0"/>
               <a:t>Vierte Ebene</a:t>
             </a:r>
           </a:p>
           <a:p>
             <a:pPr lvl="4"/>
             <a:r>
-              <a:rPr lang="de-DE"/>
+              <a:rPr lang="de-DE" smtClean="0"/>
               <a:t>Fünfte Ebene</a:t>
             </a:r>
+            <a:endParaRPr lang="de-DE"/>
           </a:p>
         </p:txBody>
       </p:sp>
@@ -942,7 +948,7 @@
           <a:p>
             <a:fld id="{F9DD9936-7A26-47E4-A3B9-5F7F799ED32A}" type="datetime1">
               <a:rPr lang="de-DE" smtClean="0"/>
-              <a:t>26.11.2018</a:t>
+              <a:t>21.11.2018</a:t>
             </a:fld>
             <a:endParaRPr lang="de-DE"/>
           </a:p>
@@ -1036,9 +1042,10 @@
           <a:lstStyle/>
           <a:p>
             <a:r>
-              <a:rPr lang="de-DE"/>
+              <a:rPr lang="de-DE" smtClean="0"/>
               <a:t>Titelmasterformat durch Klicken bearbeiten</a:t>
             </a:r>
+            <a:endParaRPr lang="de-DE"/>
           </a:p>
         </p:txBody>
       </p:sp>
@@ -1059,37 +1066,38 @@
           <a:p>
             <a:pPr lvl="0"/>
             <a:r>
-              <a:rPr lang="de-DE"/>
+              <a:rPr lang="de-DE" smtClean="0"/>
               <a:t>Formatvorlagen des Textmasters bearbeiten</a:t>
             </a:r>
           </a:p>
           <a:p>
             <a:pPr lvl="1"/>
             <a:r>
-              <a:rPr lang="de-DE"/>
+              <a:rPr lang="de-DE" smtClean="0"/>
               <a:t>Zweite Ebene</a:t>
             </a:r>
           </a:p>
           <a:p>
             <a:pPr lvl="2"/>
             <a:r>
-              <a:rPr lang="de-DE"/>
+              <a:rPr lang="de-DE" smtClean="0"/>
               <a:t>Dritte Ebene</a:t>
             </a:r>
           </a:p>
           <a:p>
             <a:pPr lvl="3"/>
             <a:r>
-              <a:rPr lang="de-DE"/>
+              <a:rPr lang="de-DE" smtClean="0"/>
               <a:t>Vierte Ebene</a:t>
             </a:r>
           </a:p>
           <a:p>
             <a:pPr lvl="4"/>
             <a:r>
-              <a:rPr lang="de-DE"/>
+              <a:rPr lang="de-DE" smtClean="0"/>
               <a:t>Fünfte Ebene</a:t>
             </a:r>
+            <a:endParaRPr lang="de-DE"/>
           </a:p>
         </p:txBody>
       </p:sp>
@@ -1110,7 +1118,7 @@
           <a:p>
             <a:fld id="{560CDA69-B38B-4EA9-8910-05BBEBFC907A}" type="datetime1">
               <a:rPr lang="de-DE" smtClean="0"/>
-              <a:t>26.11.2018</a:t>
+              <a:t>21.11.2018</a:t>
             </a:fld>
             <a:endParaRPr lang="de-DE"/>
           </a:p>
@@ -1213,9 +1221,10 @@
           </a:lstStyle>
           <a:p>
             <a:r>
-              <a:rPr lang="de-DE"/>
+              <a:rPr lang="de-DE" smtClean="0"/>
               <a:t>Titelmasterformat durch Klicken bearbeiten</a:t>
             </a:r>
+            <a:endParaRPr lang="de-DE"/>
           </a:p>
         </p:txBody>
       </p:sp>
@@ -1332,7 +1341,7 @@
           <a:p>
             <a:pPr lvl="0"/>
             <a:r>
-              <a:rPr lang="de-DE"/>
+              <a:rPr lang="de-DE" smtClean="0"/>
               <a:t>Formatvorlagen des Textmasters bearbeiten</a:t>
             </a:r>
           </a:p>
@@ -1355,7 +1364,7 @@
           <a:p>
             <a:fld id="{4D86E3C2-8FEA-49FA-910B-8E4C9B3DD15F}" type="datetime1">
               <a:rPr lang="de-DE" smtClean="0"/>
-              <a:t>26.11.2018</a:t>
+              <a:t>21.11.2018</a:t>
             </a:fld>
             <a:endParaRPr lang="de-DE"/>
           </a:p>
@@ -1449,9 +1458,10 @@
           <a:lstStyle/>
           <a:p>
             <a:r>
-              <a:rPr lang="de-DE"/>
+              <a:rPr lang="de-DE" smtClean="0"/>
               <a:t>Titelmasterformat durch Klicken bearbeiten</a:t>
             </a:r>
+            <a:endParaRPr lang="de-DE"/>
           </a:p>
         </p:txBody>
       </p:sp>
@@ -1477,37 +1487,38 @@
           <a:p>
             <a:pPr lvl="0"/>
             <a:r>
-              <a:rPr lang="de-DE"/>
+              <a:rPr lang="de-DE" smtClean="0"/>
               <a:t>Formatvorlagen des Textmasters bearbeiten</a:t>
             </a:r>
           </a:p>
           <a:p>
             <a:pPr lvl="1"/>
             <a:r>
-              <a:rPr lang="de-DE"/>
+              <a:rPr lang="de-DE" smtClean="0"/>
               <a:t>Zweite Ebene</a:t>
             </a:r>
           </a:p>
           <a:p>
             <a:pPr lvl="2"/>
             <a:r>
-              <a:rPr lang="de-DE"/>
+              <a:rPr lang="de-DE" smtClean="0"/>
               <a:t>Dritte Ebene</a:t>
             </a:r>
           </a:p>
           <a:p>
             <a:pPr lvl="3"/>
             <a:r>
-              <a:rPr lang="de-DE"/>
+              <a:rPr lang="de-DE" smtClean="0"/>
               <a:t>Vierte Ebene</a:t>
             </a:r>
           </a:p>
           <a:p>
             <a:pPr lvl="4"/>
             <a:r>
-              <a:rPr lang="de-DE"/>
+              <a:rPr lang="de-DE" smtClean="0"/>
               <a:t>Fünfte Ebene</a:t>
             </a:r>
+            <a:endParaRPr lang="de-DE"/>
           </a:p>
         </p:txBody>
       </p:sp>
@@ -1533,37 +1544,38 @@
           <a:p>
             <a:pPr lvl="0"/>
             <a:r>
-              <a:rPr lang="de-DE"/>
+              <a:rPr lang="de-DE" smtClean="0"/>
               <a:t>Formatvorlagen des Textmasters bearbeiten</a:t>
             </a:r>
           </a:p>
           <a:p>
             <a:pPr lvl="1"/>
             <a:r>
-              <a:rPr lang="de-DE"/>
+              <a:rPr lang="de-DE" smtClean="0"/>
               <a:t>Zweite Ebene</a:t>
             </a:r>
           </a:p>
           <a:p>
             <a:pPr lvl="2"/>
             <a:r>
-              <a:rPr lang="de-DE"/>
+              <a:rPr lang="de-DE" smtClean="0"/>
               <a:t>Dritte Ebene</a:t>
             </a:r>
           </a:p>
           <a:p>
             <a:pPr lvl="3"/>
             <a:r>
-              <a:rPr lang="de-DE"/>
+              <a:rPr lang="de-DE" smtClean="0"/>
               <a:t>Vierte Ebene</a:t>
             </a:r>
           </a:p>
           <a:p>
             <a:pPr lvl="4"/>
             <a:r>
-              <a:rPr lang="de-DE"/>
+              <a:rPr lang="de-DE" smtClean="0"/>
               <a:t>Fünfte Ebene</a:t>
             </a:r>
+            <a:endParaRPr lang="de-DE"/>
           </a:p>
         </p:txBody>
       </p:sp>
@@ -1584,7 +1596,7 @@
           <a:p>
             <a:fld id="{0E389C10-59CD-4161-BDB4-5B872B347504}" type="datetime1">
               <a:rPr lang="de-DE" smtClean="0"/>
-              <a:t>26.11.2018</a:t>
+              <a:t>21.11.2018</a:t>
             </a:fld>
             <a:endParaRPr lang="de-DE"/>
           </a:p>
@@ -1683,9 +1695,10 @@
           <a:lstStyle/>
           <a:p>
             <a:r>
-              <a:rPr lang="de-DE"/>
+              <a:rPr lang="de-DE" smtClean="0"/>
               <a:t>Titelmasterformat durch Klicken bearbeiten</a:t>
             </a:r>
+            <a:endParaRPr lang="de-DE"/>
           </a:p>
         </p:txBody>
       </p:sp>
@@ -1748,7 +1761,7 @@
           <a:p>
             <a:pPr lvl="0"/>
             <a:r>
-              <a:rPr lang="de-DE"/>
+              <a:rPr lang="de-DE" smtClean="0"/>
               <a:t>Formatvorlagen des Textmasters bearbeiten</a:t>
             </a:r>
           </a:p>
@@ -1776,37 +1789,38 @@
           <a:p>
             <a:pPr lvl="0"/>
             <a:r>
-              <a:rPr lang="de-DE"/>
+              <a:rPr lang="de-DE" smtClean="0"/>
               <a:t>Formatvorlagen des Textmasters bearbeiten</a:t>
             </a:r>
           </a:p>
           <a:p>
             <a:pPr lvl="1"/>
             <a:r>
-              <a:rPr lang="de-DE"/>
+              <a:rPr lang="de-DE" smtClean="0"/>
               <a:t>Zweite Ebene</a:t>
             </a:r>
           </a:p>
           <a:p>
             <a:pPr lvl="2"/>
             <a:r>
-              <a:rPr lang="de-DE"/>
+              <a:rPr lang="de-DE" smtClean="0"/>
               <a:t>Dritte Ebene</a:t>
             </a:r>
           </a:p>
           <a:p>
             <a:pPr lvl="3"/>
             <a:r>
-              <a:rPr lang="de-DE"/>
+              <a:rPr lang="de-DE" smtClean="0"/>
               <a:t>Vierte Ebene</a:t>
             </a:r>
           </a:p>
           <a:p>
             <a:pPr lvl="4"/>
             <a:r>
-              <a:rPr lang="de-DE"/>
+              <a:rPr lang="de-DE" smtClean="0"/>
               <a:t>Fünfte Ebene</a:t>
             </a:r>
+            <a:endParaRPr lang="de-DE"/>
           </a:p>
         </p:txBody>
       </p:sp>
@@ -1869,7 +1883,7 @@
           <a:p>
             <a:pPr lvl="0"/>
             <a:r>
-              <a:rPr lang="de-DE"/>
+              <a:rPr lang="de-DE" smtClean="0"/>
               <a:t>Formatvorlagen des Textmasters bearbeiten</a:t>
             </a:r>
           </a:p>
@@ -1897,37 +1911,38 @@
           <a:p>
             <a:pPr lvl="0"/>
             <a:r>
-              <a:rPr lang="de-DE"/>
+              <a:rPr lang="de-DE" smtClean="0"/>
               <a:t>Formatvorlagen des Textmasters bearbeiten</a:t>
             </a:r>
           </a:p>
           <a:p>
             <a:pPr lvl="1"/>
             <a:r>
-              <a:rPr lang="de-DE"/>
+              <a:rPr lang="de-DE" smtClean="0"/>
               <a:t>Zweite Ebene</a:t>
             </a:r>
           </a:p>
           <a:p>
             <a:pPr lvl="2"/>
             <a:r>
-              <a:rPr lang="de-DE"/>
+              <a:rPr lang="de-DE" smtClean="0"/>
               <a:t>Dritte Ebene</a:t>
             </a:r>
           </a:p>
           <a:p>
             <a:pPr lvl="3"/>
             <a:r>
-              <a:rPr lang="de-DE"/>
+              <a:rPr lang="de-DE" smtClean="0"/>
               <a:t>Vierte Ebene</a:t>
             </a:r>
           </a:p>
           <a:p>
             <a:pPr lvl="4"/>
             <a:r>
-              <a:rPr lang="de-DE"/>
+              <a:rPr lang="de-DE" smtClean="0"/>
               <a:t>Fünfte Ebene</a:t>
             </a:r>
+            <a:endParaRPr lang="de-DE"/>
           </a:p>
         </p:txBody>
       </p:sp>
@@ -1948,7 +1963,7 @@
           <a:p>
             <a:fld id="{CB86023F-85F4-404D-95CB-24127D2E1871}" type="datetime1">
               <a:rPr lang="de-DE" smtClean="0"/>
-              <a:t>26.11.2018</a:t>
+              <a:t>21.11.2018</a:t>
             </a:fld>
             <a:endParaRPr lang="de-DE"/>
           </a:p>
@@ -2042,9 +2057,10 @@
           <a:lstStyle/>
           <a:p>
             <a:r>
-              <a:rPr lang="de-DE"/>
+              <a:rPr lang="de-DE" smtClean="0"/>
               <a:t>Titelmasterformat durch Klicken bearbeiten</a:t>
             </a:r>
+            <a:endParaRPr lang="de-DE"/>
           </a:p>
         </p:txBody>
       </p:sp>
@@ -2065,7 +2081,7 @@
           <a:p>
             <a:fld id="{84297976-540B-41CD-9420-FF9800DADE1E}" type="datetime1">
               <a:rPr lang="de-DE" smtClean="0"/>
-              <a:t>26.11.2018</a:t>
+              <a:t>21.11.2018</a:t>
             </a:fld>
             <a:endParaRPr lang="de-DE"/>
           </a:p>
@@ -2160,7 +2176,7 @@
           <a:p>
             <a:fld id="{C4ED3D54-95CB-4314-85F0-96C00F35C50E}" type="datetime1">
               <a:rPr lang="de-DE" smtClean="0"/>
-              <a:t>26.11.2018</a:t>
+              <a:t>21.11.2018</a:t>
             </a:fld>
             <a:endParaRPr lang="de-DE"/>
           </a:p>
@@ -2263,9 +2279,10 @@
           </a:lstStyle>
           <a:p>
             <a:r>
-              <a:rPr lang="de-DE"/>
+              <a:rPr lang="de-DE" smtClean="0"/>
               <a:t>Titelmasterformat durch Klicken bearbeiten</a:t>
             </a:r>
+            <a:endParaRPr lang="de-DE"/>
           </a:p>
         </p:txBody>
       </p:sp>
@@ -2319,37 +2336,38 @@
           <a:p>
             <a:pPr lvl="0"/>
             <a:r>
-              <a:rPr lang="de-DE"/>
+              <a:rPr lang="de-DE" smtClean="0"/>
               <a:t>Formatvorlagen des Textmasters bearbeiten</a:t>
             </a:r>
           </a:p>
           <a:p>
             <a:pPr lvl="1"/>
             <a:r>
-              <a:rPr lang="de-DE"/>
+              <a:rPr lang="de-DE" smtClean="0"/>
               <a:t>Zweite Ebene</a:t>
             </a:r>
           </a:p>
           <a:p>
             <a:pPr lvl="2"/>
             <a:r>
-              <a:rPr lang="de-DE"/>
+              <a:rPr lang="de-DE" smtClean="0"/>
               <a:t>Dritte Ebene</a:t>
             </a:r>
           </a:p>
           <a:p>
             <a:pPr lvl="3"/>
             <a:r>
-              <a:rPr lang="de-DE"/>
+              <a:rPr lang="de-DE" smtClean="0"/>
               <a:t>Vierte Ebene</a:t>
             </a:r>
           </a:p>
           <a:p>
             <a:pPr lvl="4"/>
             <a:r>
-              <a:rPr lang="de-DE"/>
+              <a:rPr lang="de-DE" smtClean="0"/>
               <a:t>Fünfte Ebene</a:t>
             </a:r>
+            <a:endParaRPr lang="de-DE"/>
           </a:p>
         </p:txBody>
       </p:sp>
@@ -2412,7 +2430,7 @@
           <a:p>
             <a:pPr lvl="0"/>
             <a:r>
-              <a:rPr lang="de-DE"/>
+              <a:rPr lang="de-DE" smtClean="0"/>
               <a:t>Formatvorlagen des Textmasters bearbeiten</a:t>
             </a:r>
           </a:p>
@@ -2435,7 +2453,7 @@
           <a:p>
             <a:fld id="{D272DAB2-BF27-4C66-AABE-E25BDA71F739}" type="datetime1">
               <a:rPr lang="de-DE" smtClean="0"/>
-              <a:t>26.11.2018</a:t>
+              <a:t>21.11.2018</a:t>
             </a:fld>
             <a:endParaRPr lang="de-DE"/>
           </a:p>
@@ -2538,9 +2556,10 @@
           </a:lstStyle>
           <a:p>
             <a:r>
-              <a:rPr lang="de-DE"/>
+              <a:rPr lang="de-DE" smtClean="0"/>
               <a:t>Titelmasterformat durch Klicken bearbeiten</a:t>
             </a:r>
+            <a:endParaRPr lang="de-DE"/>
           </a:p>
         </p:txBody>
       </p:sp>
@@ -2664,7 +2683,7 @@
           <a:p>
             <a:pPr lvl="0"/>
             <a:r>
-              <a:rPr lang="de-DE"/>
+              <a:rPr lang="de-DE" smtClean="0"/>
               <a:t>Formatvorlagen des Textmasters bearbeiten</a:t>
             </a:r>
           </a:p>
@@ -2687,7 +2706,7 @@
           <a:p>
             <a:fld id="{16326C40-DD24-4C15-AB59-41FD4F6939CB}" type="datetime1">
               <a:rPr lang="de-DE" smtClean="0"/>
-              <a:t>26.11.2018</a:t>
+              <a:t>21.11.2018</a:t>
             </a:fld>
             <a:endParaRPr lang="de-DE"/>
           </a:p>
@@ -2796,9 +2815,10 @@
           <a:lstStyle/>
           <a:p>
             <a:r>
-              <a:rPr lang="de-DE"/>
+              <a:rPr lang="de-DE" smtClean="0"/>
               <a:t>Titelmasterformat durch Klicken bearbeiten</a:t>
             </a:r>
+            <a:endParaRPr lang="de-DE"/>
           </a:p>
         </p:txBody>
       </p:sp>
@@ -2829,37 +2849,38 @@
           <a:p>
             <a:pPr lvl="0"/>
             <a:r>
-              <a:rPr lang="de-DE"/>
+              <a:rPr lang="de-DE" smtClean="0"/>
               <a:t>Formatvorlagen des Textmasters bearbeiten</a:t>
             </a:r>
           </a:p>
           <a:p>
             <a:pPr lvl="1"/>
             <a:r>
-              <a:rPr lang="de-DE"/>
+              <a:rPr lang="de-DE" smtClean="0"/>
               <a:t>Zweite Ebene</a:t>
             </a:r>
           </a:p>
           <a:p>
             <a:pPr lvl="2"/>
             <a:r>
-              <a:rPr lang="de-DE"/>
+              <a:rPr lang="de-DE" smtClean="0"/>
               <a:t>Dritte Ebene</a:t>
             </a:r>
           </a:p>
           <a:p>
             <a:pPr lvl="3"/>
             <a:r>
-              <a:rPr lang="de-DE"/>
+              <a:rPr lang="de-DE" smtClean="0"/>
               <a:t>Vierte Ebene</a:t>
             </a:r>
           </a:p>
           <a:p>
             <a:pPr lvl="4"/>
             <a:r>
-              <a:rPr lang="de-DE"/>
+              <a:rPr lang="de-DE" smtClean="0"/>
               <a:t>Fünfte Ebene</a:t>
             </a:r>
+            <a:endParaRPr lang="de-DE"/>
           </a:p>
         </p:txBody>
       </p:sp>
@@ -2898,7 +2919,7 @@
           <a:p>
             <a:fld id="{98B3B9C9-389A-4F2E-AF77-31F8B83DB8C3}" type="datetime1">
               <a:rPr lang="de-DE" smtClean="0"/>
-              <a:t>26.11.2018</a:t>
+              <a:t>21.11.2018</a:t>
             </a:fld>
             <a:endParaRPr lang="de-DE"/>
           </a:p>
@@ -3339,9 +3360,10 @@
           <a:lstStyle/>
           <a:p>
             <a:r>
-              <a:rPr lang="de-DE" dirty="0"/>
+              <a:rPr lang="de-DE" dirty="0" smtClean="0"/>
               <a:t>Der T-Rex Sidescroller</a:t>
             </a:r>
+            <a:endParaRPr lang="de-DE" dirty="0"/>
           </a:p>
         </p:txBody>
       </p:sp>
@@ -3433,9 +3455,10 @@
           <a:lstStyle/>
           <a:p>
             <a:r>
-              <a:rPr lang="de-DE" dirty="0"/>
+              <a:rPr lang="de-DE" dirty="0" smtClean="0"/>
               <a:t>Inhaltsverzeichnis</a:t>
             </a:r>
+            <a:endParaRPr lang="de-DE" dirty="0"/>
           </a:p>
         </p:txBody>
       </p:sp>
@@ -3489,7 +3512,7 @@
               <a:buChar char="•"/>
             </a:pPr>
             <a:r>
-              <a:rPr lang="de-DE" dirty="0"/>
+              <a:rPr lang="de-DE" dirty="0" smtClean="0"/>
               <a:t>Idee</a:t>
             </a:r>
           </a:p>
@@ -3499,7 +3522,7 @@
               <a:buChar char="•"/>
             </a:pPr>
             <a:r>
-              <a:rPr lang="de-DE" dirty="0"/>
+              <a:rPr lang="de-DE" dirty="0" smtClean="0"/>
               <a:t>Datenbank</a:t>
             </a:r>
           </a:p>
@@ -3509,7 +3532,7 @@
               <a:buChar char="•"/>
             </a:pPr>
             <a:r>
-              <a:rPr lang="de-DE" dirty="0"/>
+              <a:rPr lang="de-DE" dirty="0" smtClean="0"/>
               <a:t>Sprungmechanik</a:t>
             </a:r>
           </a:p>
@@ -3519,7 +3542,7 @@
               <a:buChar char="•"/>
             </a:pPr>
             <a:r>
-              <a:rPr lang="de-DE" dirty="0"/>
+              <a:rPr lang="de-DE" dirty="0" smtClean="0"/>
               <a:t>Datenbankanbindung</a:t>
             </a:r>
           </a:p>
@@ -3529,9 +3552,10 @@
               <a:buChar char="•"/>
             </a:pPr>
             <a:r>
-              <a:rPr lang="de-DE" dirty="0"/>
+              <a:rPr lang="de-DE" dirty="0" smtClean="0"/>
               <a:t>Fragen</a:t>
             </a:r>
+            <a:endParaRPr lang="de-DE" dirty="0"/>
           </a:p>
         </p:txBody>
       </p:sp>
@@ -3600,9 +3624,10 @@
           <a:lstStyle/>
           <a:p>
             <a:r>
-              <a:rPr lang="de-DE" dirty="0"/>
+              <a:rPr lang="de-DE" dirty="0" smtClean="0"/>
               <a:t>Idee</a:t>
             </a:r>
+            <a:endParaRPr lang="de-DE" dirty="0"/>
           </a:p>
         </p:txBody>
       </p:sp>
@@ -3712,9 +3737,10 @@
           <a:lstStyle/>
           <a:p>
             <a:r>
-              <a:rPr lang="de-DE" dirty="0"/>
+              <a:rPr lang="de-DE" dirty="0" smtClean="0"/>
               <a:t>Original</a:t>
             </a:r>
+            <a:endParaRPr lang="de-DE" dirty="0"/>
           </a:p>
         </p:txBody>
       </p:sp>
@@ -3727,7 +3753,7 @@
         <p:spPr>
           <a:xfrm>
             <a:off x="8151980" y="1357538"/>
-            <a:ext cx="1602490" cy="369332"/>
+            <a:ext cx="928203" cy="369332"/>
           </a:xfrm>
           <a:prstGeom prst="rect">
             <a:avLst/>
@@ -3741,9 +3767,10 @@
           <a:lstStyle/>
           <a:p>
             <a:r>
-              <a:rPr lang="de-DE" dirty="0"/>
-              <a:t>Unsere Version</a:t>
-            </a:r>
+              <a:rPr lang="de-DE" smtClean="0"/>
+              <a:t>Remake</a:t>
+            </a:r>
+            <a:endParaRPr lang="de-DE" dirty="0"/>
           </a:p>
         </p:txBody>
       </p:sp>
@@ -3757,136 +3784,13 @@
   <p:clrMapOvr>
     <a:masterClrMapping/>
   </p:clrMapOvr>
-</p:sld>
-</file>
-
-<file path=ppt/slides/slide4.xml><?xml version="1.0" encoding="utf-8"?>
-<p:sld xmlns:a="http://schemas.openxmlformats.org/drawingml/2006/main" xmlns:r="http://schemas.openxmlformats.org/officeDocument/2006/relationships" xmlns:p="http://schemas.openxmlformats.org/presentationml/2006/main">
-  <p:cSld>
-    <p:bg>
-      <p:bgPr>
-        <a:blipFill dpi="0" rotWithShape="1">
-          <a:blip r:embed="rId2">
-            <a:lum/>
-          </a:blip>
-          <a:srcRect/>
-          <a:stretch>
-            <a:fillRect t="-14000"/>
-          </a:stretch>
-        </a:blipFill>
-        <a:effectLst/>
-      </p:bgPr>
-    </p:bg>
-    <p:spTree>
-      <p:nvGrpSpPr>
-        <p:cNvPr id="1" name=""/>
-        <p:cNvGrpSpPr/>
-        <p:nvPr/>
-      </p:nvGrpSpPr>
-      <p:grpSpPr>
-        <a:xfrm>
-          <a:off x="0" y="0"/>
-          <a:ext cx="0" cy="0"/>
-          <a:chOff x="0" y="0"/>
-          <a:chExt cx="0" cy="0"/>
-        </a:xfrm>
-      </p:grpSpPr>
-      <p:sp>
-        <p:nvSpPr>
-          <p:cNvPr id="2" name="Titel 1"/>
-          <p:cNvSpPr>
-            <a:spLocks noGrp="1"/>
-          </p:cNvSpPr>
-          <p:nvPr>
-            <p:ph type="ctrTitle"/>
-          </p:nvPr>
-        </p:nvSpPr>
-        <p:spPr>
-          <a:xfrm>
-            <a:off x="1542472" y="203201"/>
-            <a:ext cx="9144000" cy="969818"/>
-          </a:xfrm>
-        </p:spPr>
-        <p:txBody>
-          <a:bodyPr/>
-          <a:lstStyle/>
-          <a:p>
-            <a:r>
-              <a:rPr lang="de-DE" dirty="0"/>
-              <a:t>Struktur der Datenbank</a:t>
-            </a:r>
-          </a:p>
-        </p:txBody>
-      </p:sp>
-      <p:sp>
-        <p:nvSpPr>
-          <p:cNvPr id="4" name="Foliennummernplatzhalter 3"/>
-          <p:cNvSpPr>
-            <a:spLocks noGrp="1"/>
-          </p:cNvSpPr>
-          <p:nvPr>
-            <p:ph type="sldNum" sz="quarter" idx="12"/>
-          </p:nvPr>
-        </p:nvSpPr>
-        <p:spPr/>
-        <p:txBody>
-          <a:bodyPr/>
-          <a:lstStyle/>
-          <a:p>
-            <a:fld id="{60077C08-9AF0-4CAF-A8DA-D4C332AEC690}" type="slidenum">
-              <a:rPr lang="de-DE" smtClean="0"/>
-              <a:t>4</a:t>
-            </a:fld>
-            <a:endParaRPr lang="de-DE" dirty="0"/>
-          </a:p>
-        </p:txBody>
-      </p:sp>
-      <p:pic>
-        <p:nvPicPr>
-          <p:cNvPr id="5" name="Grafik 4">
-            <a:extLst>
-              <a:ext uri="{FF2B5EF4-FFF2-40B4-BE49-F238E27FC236}">
-                <a16:creationId xmlns:a16="http://schemas.microsoft.com/office/drawing/2014/main" id="{80086CF1-557C-4F65-A129-22EE619C95E9}"/>
-              </a:ext>
-            </a:extLst>
-          </p:cNvPr>
-          <p:cNvPicPr>
-            <a:picLocks noChangeAspect="1"/>
-          </p:cNvPicPr>
-          <p:nvPr/>
-        </p:nvPicPr>
-        <p:blipFill>
-          <a:blip r:embed="rId3">
-            <a:extLst>
-              <a:ext uri="{28A0092B-C50C-407E-A947-70E740481C1C}">
-                <a14:useLocalDpi xmlns:a14="http://schemas.microsoft.com/office/drawing/2010/main" val="0"/>
-              </a:ext>
-            </a:extLst>
-          </a:blip>
-          <a:stretch>
-            <a:fillRect/>
-          </a:stretch>
-        </p:blipFill>
-        <p:spPr>
-          <a:xfrm>
-            <a:off x="3170487" y="1173019"/>
-            <a:ext cx="5440113" cy="4722480"/>
-          </a:xfrm>
-          <a:prstGeom prst="rect">
-            <a:avLst/>
-          </a:prstGeom>
-        </p:spPr>
-      </p:pic>
-    </p:spTree>
-    <p:extLst>
-      <p:ext uri="{BB962C8B-B14F-4D97-AF65-F5344CB8AC3E}">
-        <p14:creationId xmlns:p14="http://schemas.microsoft.com/office/powerpoint/2010/main" val="126916168"/>
-      </p:ext>
-    </p:extLst>
-  </p:cSld>
-  <p:clrMapOvr>
-    <a:masterClrMapping/>
-  </p:clrMapOvr>
+  <p:timing>
+    <p:tnLst>
+      <p:par>
+        <p:cTn id="1" dur="indefinite" restart="never" nodeType="tmRoot"/>
+      </p:par>
+    </p:tnLst>
+  </p:timing>
 </p:sld>
 </file>
 

--- a/Präsentation/Sidescroller.pptx
+++ b/Präsentation/Sidescroller.pptx
@@ -200,7 +200,7 @@
           <a:p>
             <a:fld id="{31DCBA5F-B46C-4232-B407-FFB66900B6B6}" type="datetimeFigureOut">
               <a:rPr lang="de-DE" smtClean="0"/>
-              <a:t>26.11.2018</a:t>
+              <a:t>28.11.2018</a:t>
             </a:fld>
             <a:endParaRPr lang="de-DE"/>
           </a:p>
@@ -596,7 +596,7 @@
           <a:p>
             <a:fld id="{06D06F5E-9D7A-4DDB-8560-27BA9B505005}" type="datetime1">
               <a:rPr lang="de-DE" smtClean="0"/>
-              <a:t>26.11.2018</a:t>
+              <a:t>28.11.2018</a:t>
             </a:fld>
             <a:endParaRPr lang="de-DE"/>
           </a:p>
@@ -764,7 +764,7 @@
           <a:p>
             <a:fld id="{B7C3DDC9-ACC7-4887-92ED-9F6B62F85484}" type="datetime1">
               <a:rPr lang="de-DE" smtClean="0"/>
-              <a:t>26.11.2018</a:t>
+              <a:t>28.11.2018</a:t>
             </a:fld>
             <a:endParaRPr lang="de-DE"/>
           </a:p>
@@ -942,7 +942,7 @@
           <a:p>
             <a:fld id="{F9DD9936-7A26-47E4-A3B9-5F7F799ED32A}" type="datetime1">
               <a:rPr lang="de-DE" smtClean="0"/>
-              <a:t>26.11.2018</a:t>
+              <a:t>28.11.2018</a:t>
             </a:fld>
             <a:endParaRPr lang="de-DE"/>
           </a:p>
@@ -1110,7 +1110,7 @@
           <a:p>
             <a:fld id="{560CDA69-B38B-4EA9-8910-05BBEBFC907A}" type="datetime1">
               <a:rPr lang="de-DE" smtClean="0"/>
-              <a:t>26.11.2018</a:t>
+              <a:t>28.11.2018</a:t>
             </a:fld>
             <a:endParaRPr lang="de-DE"/>
           </a:p>
@@ -1355,7 +1355,7 @@
           <a:p>
             <a:fld id="{4D86E3C2-8FEA-49FA-910B-8E4C9B3DD15F}" type="datetime1">
               <a:rPr lang="de-DE" smtClean="0"/>
-              <a:t>26.11.2018</a:t>
+              <a:t>28.11.2018</a:t>
             </a:fld>
             <a:endParaRPr lang="de-DE"/>
           </a:p>
@@ -1584,7 +1584,7 @@
           <a:p>
             <a:fld id="{0E389C10-59CD-4161-BDB4-5B872B347504}" type="datetime1">
               <a:rPr lang="de-DE" smtClean="0"/>
-              <a:t>26.11.2018</a:t>
+              <a:t>28.11.2018</a:t>
             </a:fld>
             <a:endParaRPr lang="de-DE"/>
           </a:p>
@@ -1948,7 +1948,7 @@
           <a:p>
             <a:fld id="{CB86023F-85F4-404D-95CB-24127D2E1871}" type="datetime1">
               <a:rPr lang="de-DE" smtClean="0"/>
-              <a:t>26.11.2018</a:t>
+              <a:t>28.11.2018</a:t>
             </a:fld>
             <a:endParaRPr lang="de-DE"/>
           </a:p>
@@ -2065,7 +2065,7 @@
           <a:p>
             <a:fld id="{84297976-540B-41CD-9420-FF9800DADE1E}" type="datetime1">
               <a:rPr lang="de-DE" smtClean="0"/>
-              <a:t>26.11.2018</a:t>
+              <a:t>28.11.2018</a:t>
             </a:fld>
             <a:endParaRPr lang="de-DE"/>
           </a:p>
@@ -2160,7 +2160,7 @@
           <a:p>
             <a:fld id="{C4ED3D54-95CB-4314-85F0-96C00F35C50E}" type="datetime1">
               <a:rPr lang="de-DE" smtClean="0"/>
-              <a:t>26.11.2018</a:t>
+              <a:t>28.11.2018</a:t>
             </a:fld>
             <a:endParaRPr lang="de-DE"/>
           </a:p>
@@ -2435,7 +2435,7 @@
           <a:p>
             <a:fld id="{D272DAB2-BF27-4C66-AABE-E25BDA71F739}" type="datetime1">
               <a:rPr lang="de-DE" smtClean="0"/>
-              <a:t>26.11.2018</a:t>
+              <a:t>28.11.2018</a:t>
             </a:fld>
             <a:endParaRPr lang="de-DE"/>
           </a:p>
@@ -2687,7 +2687,7 @@
           <a:p>
             <a:fld id="{16326C40-DD24-4C15-AB59-41FD4F6939CB}" type="datetime1">
               <a:rPr lang="de-DE" smtClean="0"/>
-              <a:t>26.11.2018</a:t>
+              <a:t>28.11.2018</a:t>
             </a:fld>
             <a:endParaRPr lang="de-DE"/>
           </a:p>
@@ -2898,7 +2898,7 @@
           <a:p>
             <a:fld id="{98B3B9C9-389A-4F2E-AF77-31F8B83DB8C3}" type="datetime1">
               <a:rPr lang="de-DE" smtClean="0"/>
-              <a:t>26.11.2018</a:t>
+              <a:t>28.11.2018</a:t>
             </a:fld>
             <a:endParaRPr lang="de-DE"/>
           </a:p>
@@ -3470,8 +3470,8 @@
         </p:nvSpPr>
         <p:spPr>
           <a:xfrm>
-            <a:off x="2161309" y="2124364"/>
-            <a:ext cx="2551724" cy="1477328"/>
+            <a:off x="2143724" y="2089195"/>
+            <a:ext cx="2619628" cy="1938992"/>
           </a:xfrm>
           <a:prstGeom prst="rect">
             <a:avLst/>
@@ -3489,7 +3489,7 @@
               <a:buChar char="•"/>
             </a:pPr>
             <a:r>
-              <a:rPr lang="de-DE" dirty="0"/>
+              <a:rPr lang="de-DE" sz="2400" dirty="0"/>
               <a:t>Idee</a:t>
             </a:r>
           </a:p>
@@ -3499,7 +3499,7 @@
               <a:buChar char="•"/>
             </a:pPr>
             <a:r>
-              <a:rPr lang="de-DE" dirty="0"/>
+              <a:rPr lang="de-DE" sz="2400" dirty="0"/>
               <a:t>Datenbank</a:t>
             </a:r>
           </a:p>
@@ -3509,7 +3509,7 @@
               <a:buChar char="•"/>
             </a:pPr>
             <a:r>
-              <a:rPr lang="de-DE" dirty="0"/>
+              <a:rPr lang="de-DE" sz="2400" dirty="0"/>
               <a:t>Sprungmechanik</a:t>
             </a:r>
           </a:p>
@@ -3519,9 +3519,10 @@
               <a:buChar char="•"/>
             </a:pPr>
             <a:r>
-              <a:rPr lang="de-DE" dirty="0"/>
-              <a:t>Datenbankanbindung</a:t>
-            </a:r>
+              <a:rPr lang="de-DE" sz="2400" smtClean="0"/>
+              <a:t>SQL-Manager</a:t>
+            </a:r>
+            <a:endParaRPr lang="de-DE" sz="2400" dirty="0"/>
           </a:p>
           <a:p>
             <a:pPr marL="342900" indent="-342900">
@@ -3529,7 +3530,7 @@
               <a:buChar char="•"/>
             </a:pPr>
             <a:r>
-              <a:rPr lang="de-DE" dirty="0"/>
+              <a:rPr lang="de-DE" sz="2400" dirty="0"/>
               <a:t>Fragen</a:t>
             </a:r>
           </a:p>
@@ -3697,7 +3698,7 @@
         </p:nvSpPr>
         <p:spPr>
           <a:xfrm>
-            <a:off x="2401455" y="1791855"/>
+            <a:off x="2924776" y="1357538"/>
             <a:ext cx="917239" cy="369332"/>
           </a:xfrm>
           <a:prstGeom prst="rect">
@@ -3727,7 +3728,7 @@
         <p:spPr>
           <a:xfrm>
             <a:off x="8151980" y="1357538"/>
-            <a:ext cx="1602490" cy="369332"/>
+            <a:ext cx="1437188" cy="369332"/>
           </a:xfrm>
           <a:prstGeom prst="rect">
             <a:avLst/>
@@ -3741,8 +3742,12 @@
           <a:lstStyle/>
           <a:p>
             <a:r>
+              <a:rPr lang="de-DE" dirty="0" smtClean="0"/>
+              <a:t>Neue </a:t>
+            </a:r>
+            <a:r>
               <a:rPr lang="de-DE" dirty="0"/>
-              <a:t>Unsere Version</a:t>
+              <a:t>Version</a:t>
             </a:r>
           </a:p>
         </p:txBody>
@@ -3812,9 +3817,10 @@
           <a:lstStyle/>
           <a:p>
             <a:r>
-              <a:rPr lang="de-DE" dirty="0"/>
-              <a:t>Struktur der Datenbank</a:t>
-            </a:r>
+              <a:rPr lang="de-DE" dirty="0" smtClean="0"/>
+              <a:t>Datenbank</a:t>
+            </a:r>
+            <a:endParaRPr lang="de-DE" dirty="0"/>
           </a:p>
         </p:txBody>
       </p:sp>

--- a/Präsentation/Sidescroller.pptx
+++ b/Präsentation/Sidescroller.pptx
@@ -5,13 +5,15 @@
     <p:sldMasterId id="2147483648" r:id="rId1"/>
   </p:sldMasterIdLst>
   <p:notesMasterIdLst>
-    <p:notesMasterId r:id="rId6"/>
+    <p:notesMasterId r:id="rId8"/>
   </p:notesMasterIdLst>
   <p:sldIdLst>
     <p:sldId id="256" r:id="rId2"/>
     <p:sldId id="257" r:id="rId3"/>
     <p:sldId id="258" r:id="rId4"/>
     <p:sldId id="259" r:id="rId5"/>
+    <p:sldId id="260" r:id="rId6"/>
+    <p:sldId id="261" r:id="rId7"/>
   </p:sldIdLst>
   <p:sldSz cx="12192000" cy="6858000"/>
   <p:notesSz cx="6858000" cy="9144000"/>
@@ -200,7 +202,7 @@
           <a:p>
             <a:fld id="{31DCBA5F-B46C-4232-B407-FFB66900B6B6}" type="datetimeFigureOut">
               <a:rPr lang="de-DE" smtClean="0"/>
-              <a:t>28.11.2018</a:t>
+              <a:t>03.12.2018</a:t>
             </a:fld>
             <a:endParaRPr lang="de-DE"/>
           </a:p>
@@ -596,7 +598,7 @@
           <a:p>
             <a:fld id="{06D06F5E-9D7A-4DDB-8560-27BA9B505005}" type="datetime1">
               <a:rPr lang="de-DE" smtClean="0"/>
-              <a:t>28.11.2018</a:t>
+              <a:t>03.12.2018</a:t>
             </a:fld>
             <a:endParaRPr lang="de-DE"/>
           </a:p>
@@ -764,7 +766,7 @@
           <a:p>
             <a:fld id="{B7C3DDC9-ACC7-4887-92ED-9F6B62F85484}" type="datetime1">
               <a:rPr lang="de-DE" smtClean="0"/>
-              <a:t>28.11.2018</a:t>
+              <a:t>03.12.2018</a:t>
             </a:fld>
             <a:endParaRPr lang="de-DE"/>
           </a:p>
@@ -942,7 +944,7 @@
           <a:p>
             <a:fld id="{F9DD9936-7A26-47E4-A3B9-5F7F799ED32A}" type="datetime1">
               <a:rPr lang="de-DE" smtClean="0"/>
-              <a:t>28.11.2018</a:t>
+              <a:t>03.12.2018</a:t>
             </a:fld>
             <a:endParaRPr lang="de-DE"/>
           </a:p>
@@ -1110,7 +1112,7 @@
           <a:p>
             <a:fld id="{560CDA69-B38B-4EA9-8910-05BBEBFC907A}" type="datetime1">
               <a:rPr lang="de-DE" smtClean="0"/>
-              <a:t>28.11.2018</a:t>
+              <a:t>03.12.2018</a:t>
             </a:fld>
             <a:endParaRPr lang="de-DE"/>
           </a:p>
@@ -1355,7 +1357,7 @@
           <a:p>
             <a:fld id="{4D86E3C2-8FEA-49FA-910B-8E4C9B3DD15F}" type="datetime1">
               <a:rPr lang="de-DE" smtClean="0"/>
-              <a:t>28.11.2018</a:t>
+              <a:t>03.12.2018</a:t>
             </a:fld>
             <a:endParaRPr lang="de-DE"/>
           </a:p>
@@ -1584,7 +1586,7 @@
           <a:p>
             <a:fld id="{0E389C10-59CD-4161-BDB4-5B872B347504}" type="datetime1">
               <a:rPr lang="de-DE" smtClean="0"/>
-              <a:t>28.11.2018</a:t>
+              <a:t>03.12.2018</a:t>
             </a:fld>
             <a:endParaRPr lang="de-DE"/>
           </a:p>
@@ -1948,7 +1950,7 @@
           <a:p>
             <a:fld id="{CB86023F-85F4-404D-95CB-24127D2E1871}" type="datetime1">
               <a:rPr lang="de-DE" smtClean="0"/>
-              <a:t>28.11.2018</a:t>
+              <a:t>03.12.2018</a:t>
             </a:fld>
             <a:endParaRPr lang="de-DE"/>
           </a:p>
@@ -2065,7 +2067,7 @@
           <a:p>
             <a:fld id="{84297976-540B-41CD-9420-FF9800DADE1E}" type="datetime1">
               <a:rPr lang="de-DE" smtClean="0"/>
-              <a:t>28.11.2018</a:t>
+              <a:t>03.12.2018</a:t>
             </a:fld>
             <a:endParaRPr lang="de-DE"/>
           </a:p>
@@ -2160,7 +2162,7 @@
           <a:p>
             <a:fld id="{C4ED3D54-95CB-4314-85F0-96C00F35C50E}" type="datetime1">
               <a:rPr lang="de-DE" smtClean="0"/>
-              <a:t>28.11.2018</a:t>
+              <a:t>03.12.2018</a:t>
             </a:fld>
             <a:endParaRPr lang="de-DE"/>
           </a:p>
@@ -2435,7 +2437,7 @@
           <a:p>
             <a:fld id="{D272DAB2-BF27-4C66-AABE-E25BDA71F739}" type="datetime1">
               <a:rPr lang="de-DE" smtClean="0"/>
-              <a:t>28.11.2018</a:t>
+              <a:t>03.12.2018</a:t>
             </a:fld>
             <a:endParaRPr lang="de-DE"/>
           </a:p>
@@ -2687,7 +2689,7 @@
           <a:p>
             <a:fld id="{16326C40-DD24-4C15-AB59-41FD4F6939CB}" type="datetime1">
               <a:rPr lang="de-DE" smtClean="0"/>
-              <a:t>28.11.2018</a:t>
+              <a:t>03.12.2018</a:t>
             </a:fld>
             <a:endParaRPr lang="de-DE"/>
           </a:p>
@@ -2898,7 +2900,7 @@
           <a:p>
             <a:fld id="{98B3B9C9-389A-4F2E-AF77-31F8B83DB8C3}" type="datetime1">
               <a:rPr lang="de-DE" smtClean="0"/>
-              <a:t>28.11.2018</a:t>
+              <a:t>03.12.2018</a:t>
             </a:fld>
             <a:endParaRPr lang="de-DE"/>
           </a:p>
@@ -3471,7 +3473,7 @@
         <p:spPr>
           <a:xfrm>
             <a:off x="2143724" y="2089195"/>
-            <a:ext cx="2619628" cy="1938992"/>
+            <a:ext cx="3661580" cy="2308324"/>
           </a:xfrm>
           <a:prstGeom prst="rect">
             <a:avLst/>
@@ -3489,7 +3491,7 @@
               <a:buChar char="•"/>
             </a:pPr>
             <a:r>
-              <a:rPr lang="de-DE" sz="2400" dirty="0"/>
+              <a:rPr lang="de-DE" sz="3600" dirty="0"/>
               <a:t>Idee</a:t>
             </a:r>
           </a:p>
@@ -3499,7 +3501,7 @@
               <a:buChar char="•"/>
             </a:pPr>
             <a:r>
-              <a:rPr lang="de-DE" sz="2400" dirty="0"/>
+              <a:rPr lang="de-DE" sz="3600" dirty="0"/>
               <a:t>Datenbank</a:t>
             </a:r>
           </a:p>
@@ -3509,7 +3511,7 @@
               <a:buChar char="•"/>
             </a:pPr>
             <a:r>
-              <a:rPr lang="de-DE" sz="2400" dirty="0"/>
+              <a:rPr lang="de-DE" sz="3600" dirty="0"/>
               <a:t>Sprungmechanik</a:t>
             </a:r>
           </a:p>
@@ -3519,18 +3521,7 @@
               <a:buChar char="•"/>
             </a:pPr>
             <a:r>
-              <a:rPr lang="de-DE" sz="2400" smtClean="0"/>
-              <a:t>SQL-Manager</a:t>
-            </a:r>
-            <a:endParaRPr lang="de-DE" sz="2400" dirty="0"/>
-          </a:p>
-          <a:p>
-            <a:pPr marL="342900" indent="-342900">
-              <a:buFont typeface="Arial" panose="020B0604020202020204" pitchFamily="34" charset="0"/>
-              <a:buChar char="•"/>
-            </a:pPr>
-            <a:r>
-              <a:rPr lang="de-DE" sz="2400" dirty="0"/>
+              <a:rPr lang="de-DE" sz="3600" dirty="0"/>
               <a:t>Fragen</a:t>
             </a:r>
           </a:p>
@@ -3699,7 +3690,7 @@
         <p:spPr>
           <a:xfrm>
             <a:off x="2924776" y="1357538"/>
-            <a:ext cx="917239" cy="369332"/>
+            <a:ext cx="1274131" cy="369332"/>
           </a:xfrm>
           <a:prstGeom prst="rect">
             <a:avLst/>
@@ -3714,7 +3705,7 @@
           <a:p>
             <a:r>
               <a:rPr lang="de-DE" dirty="0"/>
-              <a:t>Original</a:t>
+              <a:t>IST-Zustand</a:t>
             </a:r>
           </a:p>
         </p:txBody>
@@ -3728,7 +3719,7 @@
         <p:spPr>
           <a:xfrm>
             <a:off x="8151980" y="1357538"/>
-            <a:ext cx="1437188" cy="369332"/>
+            <a:ext cx="1453668" cy="369332"/>
           </a:xfrm>
           <a:prstGeom prst="rect">
             <a:avLst/>
@@ -3742,12 +3733,8 @@
           <a:lstStyle/>
           <a:p>
             <a:r>
-              <a:rPr lang="de-DE" dirty="0" smtClean="0"/>
-              <a:t>Neue </a:t>
-            </a:r>
-            <a:r>
               <a:rPr lang="de-DE" dirty="0"/>
-              <a:t>Version</a:t>
+              <a:t>SOLL-Zustand</a:t>
             </a:r>
           </a:p>
         </p:txBody>
@@ -3817,10 +3804,9 @@
           <a:lstStyle/>
           <a:p>
             <a:r>
-              <a:rPr lang="de-DE" dirty="0" smtClean="0"/>
+              <a:rPr lang="de-DE" dirty="0"/>
               <a:t>Datenbank</a:t>
             </a:r>
-            <a:endParaRPr lang="de-DE" dirty="0"/>
           </a:p>
         </p:txBody>
       </p:sp>
@@ -3887,6 +3873,818 @@
     <p:extLst>
       <p:ext uri="{BB962C8B-B14F-4D97-AF65-F5344CB8AC3E}">
         <p14:creationId xmlns:p14="http://schemas.microsoft.com/office/powerpoint/2010/main" val="126916168"/>
+      </p:ext>
+    </p:extLst>
+  </p:cSld>
+  <p:clrMapOvr>
+    <a:masterClrMapping/>
+  </p:clrMapOvr>
+</p:sld>
+</file>
+
+<file path=ppt/slides/slide5.xml><?xml version="1.0" encoding="utf-8"?>
+<p:sld xmlns:a="http://schemas.openxmlformats.org/drawingml/2006/main" xmlns:r="http://schemas.openxmlformats.org/officeDocument/2006/relationships" xmlns:p="http://schemas.openxmlformats.org/presentationml/2006/main">
+  <p:cSld>
+    <p:bg>
+      <p:bgPr>
+        <a:blipFill dpi="0" rotWithShape="1">
+          <a:blip r:embed="rId2">
+            <a:lum/>
+          </a:blip>
+          <a:srcRect/>
+          <a:stretch>
+            <a:fillRect t="-14000"/>
+          </a:stretch>
+        </a:blipFill>
+        <a:effectLst/>
+      </p:bgPr>
+    </p:bg>
+    <p:spTree>
+      <p:nvGrpSpPr>
+        <p:cNvPr id="1" name=""/>
+        <p:cNvGrpSpPr/>
+        <p:nvPr/>
+      </p:nvGrpSpPr>
+      <p:grpSpPr>
+        <a:xfrm>
+          <a:off x="0" y="0"/>
+          <a:ext cx="0" cy="0"/>
+          <a:chOff x="0" y="0"/>
+          <a:chExt cx="0" cy="0"/>
+        </a:xfrm>
+      </p:grpSpPr>
+      <p:sp>
+        <p:nvSpPr>
+          <p:cNvPr id="2" name="Titel 1"/>
+          <p:cNvSpPr>
+            <a:spLocks noGrp="1"/>
+          </p:cNvSpPr>
+          <p:nvPr>
+            <p:ph type="ctrTitle"/>
+          </p:nvPr>
+        </p:nvSpPr>
+        <p:spPr>
+          <a:xfrm>
+            <a:off x="1542472" y="203201"/>
+            <a:ext cx="9144000" cy="969818"/>
+          </a:xfrm>
+        </p:spPr>
+        <p:txBody>
+          <a:bodyPr/>
+          <a:lstStyle/>
+          <a:p>
+            <a:r>
+              <a:rPr lang="de-DE" dirty="0"/>
+              <a:t>Problem: Sprungmechanik</a:t>
+            </a:r>
+          </a:p>
+        </p:txBody>
+      </p:sp>
+      <p:sp>
+        <p:nvSpPr>
+          <p:cNvPr id="4" name="Foliennummernplatzhalter 3"/>
+          <p:cNvSpPr>
+            <a:spLocks noGrp="1"/>
+          </p:cNvSpPr>
+          <p:nvPr>
+            <p:ph type="sldNum" sz="quarter" idx="12"/>
+          </p:nvPr>
+        </p:nvSpPr>
+        <p:spPr/>
+        <p:txBody>
+          <a:bodyPr/>
+          <a:lstStyle/>
+          <a:p>
+            <a:fld id="{60077C08-9AF0-4CAF-A8DA-D4C332AEC690}" type="slidenum">
+              <a:rPr lang="de-DE" smtClean="0"/>
+              <a:t>5</a:t>
+            </a:fld>
+            <a:endParaRPr lang="de-DE" dirty="0"/>
+          </a:p>
+        </p:txBody>
+      </p:sp>
+      <p:sp>
+        <p:nvSpPr>
+          <p:cNvPr id="3" name="Rechteck 2">
+            <a:extLst>
+              <a:ext uri="{FF2B5EF4-FFF2-40B4-BE49-F238E27FC236}">
+                <a16:creationId xmlns:a16="http://schemas.microsoft.com/office/drawing/2014/main" id="{65524189-88E3-42B0-BC04-28EEA1DDF51A}"/>
+              </a:ext>
+            </a:extLst>
+          </p:cNvPr>
+          <p:cNvSpPr/>
+          <p:nvPr/>
+        </p:nvSpPr>
+        <p:spPr>
+          <a:xfrm>
+            <a:off x="551872" y="1173019"/>
+            <a:ext cx="5562600" cy="4031873"/>
+          </a:xfrm>
+          <a:prstGeom prst="rect">
+            <a:avLst/>
+          </a:prstGeom>
+        </p:spPr>
+        <p:txBody>
+          <a:bodyPr wrap="square">
+            <a:spAutoFit/>
+          </a:bodyPr>
+          <a:lstStyle/>
+          <a:p>
+            <a:r>
+              <a:rPr lang="de-DE" sz="1600" dirty="0"/>
+              <a:t>public </a:t>
+            </a:r>
+            <a:r>
+              <a:rPr lang="de-DE" sz="1600" dirty="0" err="1"/>
+              <a:t>void</a:t>
+            </a:r>
+            <a:r>
+              <a:rPr lang="de-DE" sz="1600" dirty="0"/>
+              <a:t> </a:t>
+            </a:r>
+            <a:r>
+              <a:rPr lang="de-DE" sz="1600" dirty="0" err="1"/>
+              <a:t>gameEvent</a:t>
+            </a:r>
+            <a:r>
+              <a:rPr lang="de-DE" sz="1600" dirty="0"/>
+              <a:t>(</a:t>
+            </a:r>
+            <a:r>
+              <a:rPr lang="de-DE" sz="1600" dirty="0" err="1"/>
+              <a:t>object</a:t>
+            </a:r>
+            <a:r>
+              <a:rPr lang="de-DE" sz="1600" dirty="0"/>
+              <a:t> </a:t>
+            </a:r>
+            <a:r>
+              <a:rPr lang="de-DE" sz="1600" dirty="0" err="1"/>
+              <a:t>sender</a:t>
+            </a:r>
+            <a:r>
+              <a:rPr lang="de-DE" sz="1600" dirty="0"/>
+              <a:t>, </a:t>
+            </a:r>
+            <a:r>
+              <a:rPr lang="de-DE" sz="1600" dirty="0" err="1"/>
+              <a:t>EventArgs</a:t>
+            </a:r>
+            <a:r>
+              <a:rPr lang="de-DE" sz="1600" dirty="0"/>
+              <a:t> e)</a:t>
+            </a:r>
+          </a:p>
+          <a:p>
+            <a:r>
+              <a:rPr lang="de-DE" sz="1600" dirty="0"/>
+              <a:t>    {</a:t>
+            </a:r>
+          </a:p>
+          <a:p>
+            <a:r>
+              <a:rPr lang="de-DE" sz="1600" dirty="0"/>
+              <a:t>        </a:t>
+            </a:r>
+            <a:r>
+              <a:rPr lang="de-DE" sz="1600" dirty="0" err="1"/>
+              <a:t>if</a:t>
+            </a:r>
+            <a:r>
+              <a:rPr lang="de-DE" sz="1600" dirty="0"/>
+              <a:t> (</a:t>
+            </a:r>
+            <a:r>
+              <a:rPr lang="de-DE" sz="1600" dirty="0" err="1"/>
+              <a:t>jumping</a:t>
+            </a:r>
+            <a:r>
+              <a:rPr lang="de-DE" sz="1600" dirty="0"/>
+              <a:t>)</a:t>
+            </a:r>
+          </a:p>
+          <a:p>
+            <a:r>
+              <a:rPr lang="de-DE" sz="1600" dirty="0"/>
+              <a:t>        {</a:t>
+            </a:r>
+          </a:p>
+          <a:p>
+            <a:r>
+              <a:rPr lang="de-DE" sz="1600" dirty="0"/>
+              <a:t>            </a:t>
+            </a:r>
+            <a:r>
+              <a:rPr lang="de-DE" sz="1600" dirty="0" err="1"/>
+              <a:t>trex.Top</a:t>
+            </a:r>
+            <a:r>
+              <a:rPr lang="de-DE" sz="1600" dirty="0"/>
+              <a:t> += </a:t>
+            </a:r>
+            <a:r>
+              <a:rPr lang="de-DE" sz="1600" dirty="0" err="1"/>
+              <a:t>currJumpSpeed</a:t>
+            </a:r>
+            <a:r>
+              <a:rPr lang="de-DE" sz="1600" dirty="0"/>
+              <a:t>;</a:t>
+            </a:r>
+          </a:p>
+          <a:p>
+            <a:r>
+              <a:rPr lang="de-DE" sz="1600" dirty="0"/>
+              <a:t>            </a:t>
+            </a:r>
+            <a:r>
+              <a:rPr lang="de-DE" sz="1600" dirty="0" err="1"/>
+              <a:t>currJumpSpeed</a:t>
+            </a:r>
+            <a:r>
+              <a:rPr lang="de-DE" sz="1600" dirty="0"/>
+              <a:t> += GRAVITY;</a:t>
+            </a:r>
+          </a:p>
+          <a:p>
+            <a:endParaRPr lang="de-DE" sz="1600" dirty="0"/>
+          </a:p>
+          <a:p>
+            <a:r>
+              <a:rPr lang="de-DE" sz="1600" dirty="0"/>
+              <a:t>            </a:t>
+            </a:r>
+            <a:r>
+              <a:rPr lang="de-DE" sz="1600" dirty="0" err="1"/>
+              <a:t>if</a:t>
+            </a:r>
+            <a:r>
+              <a:rPr lang="de-DE" sz="1600" dirty="0"/>
+              <a:t> (</a:t>
+            </a:r>
+            <a:r>
+              <a:rPr lang="de-DE" sz="1600" dirty="0" err="1"/>
+              <a:t>trex.Top</a:t>
+            </a:r>
+            <a:r>
+              <a:rPr lang="de-DE" sz="1600" dirty="0"/>
+              <a:t> &gt;= 380)</a:t>
+            </a:r>
+          </a:p>
+          <a:p>
+            <a:r>
+              <a:rPr lang="de-DE" sz="1600" dirty="0"/>
+              <a:t>            {</a:t>
+            </a:r>
+          </a:p>
+          <a:p>
+            <a:r>
+              <a:rPr lang="de-DE" sz="1600" dirty="0"/>
+              <a:t>                </a:t>
+            </a:r>
+            <a:r>
+              <a:rPr lang="de-DE" sz="1600" dirty="0" err="1"/>
+              <a:t>trex.Top</a:t>
+            </a:r>
+            <a:r>
+              <a:rPr lang="de-DE" sz="1600" dirty="0"/>
+              <a:t> = </a:t>
+            </a:r>
+            <a:r>
+              <a:rPr lang="de-DE" sz="1600" dirty="0" err="1"/>
+              <a:t>view.getFloor</a:t>
+            </a:r>
+            <a:r>
+              <a:rPr lang="de-DE" sz="1600" dirty="0"/>
+              <a:t>().Top - </a:t>
+            </a:r>
+            <a:r>
+              <a:rPr lang="de-DE" sz="1600" dirty="0" err="1"/>
+              <a:t>trex.Height</a:t>
+            </a:r>
+            <a:r>
+              <a:rPr lang="de-DE" sz="1600" dirty="0"/>
+              <a:t>;</a:t>
+            </a:r>
+          </a:p>
+          <a:p>
+            <a:r>
+              <a:rPr lang="de-DE" sz="1600" dirty="0"/>
+              <a:t>                </a:t>
+            </a:r>
+            <a:r>
+              <a:rPr lang="de-DE" sz="1600" dirty="0" err="1"/>
+              <a:t>currJumpSpeed</a:t>
+            </a:r>
+            <a:r>
+              <a:rPr lang="de-DE" sz="1600" dirty="0"/>
+              <a:t> = 0;</a:t>
+            </a:r>
+          </a:p>
+          <a:p>
+            <a:r>
+              <a:rPr lang="de-DE" sz="1600" dirty="0"/>
+              <a:t>                </a:t>
+            </a:r>
+            <a:r>
+              <a:rPr lang="de-DE" sz="1600" dirty="0" err="1"/>
+              <a:t>jumping</a:t>
+            </a:r>
+            <a:r>
+              <a:rPr lang="de-DE" sz="1600" dirty="0"/>
+              <a:t> = </a:t>
+            </a:r>
+            <a:r>
+              <a:rPr lang="de-DE" sz="1600" dirty="0" err="1"/>
+              <a:t>false</a:t>
+            </a:r>
+            <a:r>
+              <a:rPr lang="de-DE" sz="1600" dirty="0"/>
+              <a:t>;</a:t>
+            </a:r>
+          </a:p>
+          <a:p>
+            <a:r>
+              <a:rPr lang="de-DE" sz="1600" dirty="0"/>
+              <a:t>                </a:t>
+            </a:r>
+            <a:r>
+              <a:rPr lang="de-DE" sz="1600" dirty="0" err="1"/>
+              <a:t>doubleJumping</a:t>
+            </a:r>
+            <a:r>
+              <a:rPr lang="de-DE" sz="1600" dirty="0"/>
+              <a:t> = </a:t>
+            </a:r>
+            <a:r>
+              <a:rPr lang="de-DE" sz="1600" dirty="0" err="1"/>
+              <a:t>false</a:t>
+            </a:r>
+            <a:r>
+              <a:rPr lang="de-DE" sz="1600" dirty="0"/>
+              <a:t>;</a:t>
+            </a:r>
+          </a:p>
+          <a:p>
+            <a:r>
+              <a:rPr lang="de-DE" sz="1600" dirty="0"/>
+              <a:t>            }</a:t>
+            </a:r>
+          </a:p>
+          <a:p>
+            <a:r>
+              <a:rPr lang="de-DE" sz="1600" dirty="0"/>
+              <a:t>        }</a:t>
+            </a:r>
+          </a:p>
+          <a:p>
+            <a:r>
+              <a:rPr lang="de-DE" sz="1600" dirty="0"/>
+              <a:t>    }</a:t>
+            </a:r>
+          </a:p>
+        </p:txBody>
+      </p:sp>
+      <p:sp>
+        <p:nvSpPr>
+          <p:cNvPr id="6" name="Rechteck 5">
+            <a:extLst>
+              <a:ext uri="{FF2B5EF4-FFF2-40B4-BE49-F238E27FC236}">
+                <a16:creationId xmlns:a16="http://schemas.microsoft.com/office/drawing/2014/main" id="{5721C408-A20E-4479-BAD2-9CF1410FAA3B}"/>
+              </a:ext>
+            </a:extLst>
+          </p:cNvPr>
+          <p:cNvSpPr/>
+          <p:nvPr/>
+        </p:nvSpPr>
+        <p:spPr>
+          <a:xfrm>
+            <a:off x="6096000" y="1133195"/>
+            <a:ext cx="6096000" cy="5262979"/>
+          </a:xfrm>
+          <a:prstGeom prst="rect">
+            <a:avLst/>
+          </a:prstGeom>
+        </p:spPr>
+        <p:txBody>
+          <a:bodyPr>
+            <a:spAutoFit/>
+          </a:bodyPr>
+          <a:lstStyle/>
+          <a:p>
+            <a:r>
+              <a:rPr lang="de-DE" sz="1600" dirty="0"/>
+              <a:t> public </a:t>
+            </a:r>
+            <a:r>
+              <a:rPr lang="de-DE" sz="1600" dirty="0" err="1"/>
+              <a:t>void</a:t>
+            </a:r>
+            <a:r>
+              <a:rPr lang="de-DE" sz="1600" dirty="0"/>
+              <a:t> </a:t>
+            </a:r>
+            <a:r>
+              <a:rPr lang="de-DE" sz="1600" dirty="0" err="1"/>
+              <a:t>keyisdown</a:t>
+            </a:r>
+            <a:r>
+              <a:rPr lang="de-DE" sz="1600" dirty="0"/>
+              <a:t>(</a:t>
+            </a:r>
+            <a:r>
+              <a:rPr lang="de-DE" sz="1600" dirty="0" err="1"/>
+              <a:t>object</a:t>
+            </a:r>
+            <a:r>
+              <a:rPr lang="de-DE" sz="1600" dirty="0"/>
+              <a:t> </a:t>
+            </a:r>
+            <a:r>
+              <a:rPr lang="de-DE" sz="1600" dirty="0" err="1"/>
+              <a:t>sender</a:t>
+            </a:r>
+            <a:r>
+              <a:rPr lang="de-DE" sz="1600" dirty="0"/>
+              <a:t>, </a:t>
+            </a:r>
+            <a:r>
+              <a:rPr lang="de-DE" sz="1600" dirty="0" err="1"/>
+              <a:t>KeyEventArgs</a:t>
+            </a:r>
+            <a:r>
+              <a:rPr lang="de-DE" sz="1600" dirty="0"/>
+              <a:t> e)</a:t>
+            </a:r>
+          </a:p>
+          <a:p>
+            <a:r>
+              <a:rPr lang="de-DE" sz="1600" dirty="0"/>
+              <a:t>    {</a:t>
+            </a:r>
+          </a:p>
+          <a:p>
+            <a:r>
+              <a:rPr lang="de-DE" sz="1600" dirty="0"/>
+              <a:t>        </a:t>
+            </a:r>
+            <a:r>
+              <a:rPr lang="de-DE" sz="1600" dirty="0" err="1"/>
+              <a:t>if</a:t>
+            </a:r>
+            <a:r>
+              <a:rPr lang="de-DE" sz="1600" dirty="0"/>
+              <a:t> (State == </a:t>
+            </a:r>
+            <a:r>
+              <a:rPr lang="de-DE" sz="1600" dirty="0" err="1"/>
+              <a:t>GameState.STARTED</a:t>
+            </a:r>
+            <a:r>
+              <a:rPr lang="de-DE" sz="1600" dirty="0"/>
+              <a:t>)</a:t>
+            </a:r>
+          </a:p>
+          <a:p>
+            <a:r>
+              <a:rPr lang="de-DE" sz="1600" dirty="0"/>
+              <a:t>        {</a:t>
+            </a:r>
+          </a:p>
+          <a:p>
+            <a:r>
+              <a:rPr lang="de-DE" sz="1600" dirty="0"/>
+              <a:t>            </a:t>
+            </a:r>
+            <a:r>
+              <a:rPr lang="de-DE" sz="1600" dirty="0" err="1"/>
+              <a:t>if</a:t>
+            </a:r>
+            <a:r>
+              <a:rPr lang="de-DE" sz="1600" dirty="0"/>
+              <a:t> (</a:t>
+            </a:r>
+            <a:r>
+              <a:rPr lang="de-DE" sz="1600" dirty="0" err="1"/>
+              <a:t>e.KeyCode</a:t>
+            </a:r>
+            <a:r>
+              <a:rPr lang="de-DE" sz="1600" dirty="0"/>
+              <a:t> == </a:t>
+            </a:r>
+            <a:r>
+              <a:rPr lang="de-DE" sz="1600" dirty="0" err="1"/>
+              <a:t>Keys.Space</a:t>
+            </a:r>
+            <a:r>
+              <a:rPr lang="de-DE" sz="1600" dirty="0"/>
+              <a:t>)</a:t>
+            </a:r>
+          </a:p>
+          <a:p>
+            <a:r>
+              <a:rPr lang="de-DE" sz="1600" dirty="0"/>
+              <a:t>            {</a:t>
+            </a:r>
+          </a:p>
+          <a:p>
+            <a:r>
+              <a:rPr lang="de-DE" sz="1600" dirty="0"/>
+              <a:t>                </a:t>
+            </a:r>
+            <a:r>
+              <a:rPr lang="de-DE" sz="1600" dirty="0" err="1"/>
+              <a:t>if</a:t>
+            </a:r>
+            <a:r>
+              <a:rPr lang="de-DE" sz="1600" dirty="0"/>
+              <a:t> (!</a:t>
+            </a:r>
+            <a:r>
+              <a:rPr lang="de-DE" sz="1600" dirty="0" err="1"/>
+              <a:t>jumping</a:t>
+            </a:r>
+            <a:r>
+              <a:rPr lang="de-DE" sz="1600" dirty="0"/>
+              <a:t>)</a:t>
+            </a:r>
+          </a:p>
+          <a:p>
+            <a:r>
+              <a:rPr lang="de-DE" sz="1600" dirty="0"/>
+              <a:t>                {</a:t>
+            </a:r>
+          </a:p>
+          <a:p>
+            <a:r>
+              <a:rPr lang="de-DE" sz="1600" dirty="0"/>
+              <a:t>                    </a:t>
+            </a:r>
+            <a:r>
+              <a:rPr lang="de-DE" sz="1600" dirty="0" err="1"/>
+              <a:t>jumping</a:t>
+            </a:r>
+            <a:r>
+              <a:rPr lang="de-DE" sz="1600" dirty="0"/>
+              <a:t> = </a:t>
+            </a:r>
+            <a:r>
+              <a:rPr lang="de-DE" sz="1600" dirty="0" err="1"/>
+              <a:t>true</a:t>
+            </a:r>
+            <a:r>
+              <a:rPr lang="de-DE" sz="1600" dirty="0"/>
+              <a:t>;</a:t>
+            </a:r>
+          </a:p>
+          <a:p>
+            <a:r>
+              <a:rPr lang="de-DE" sz="1600" dirty="0"/>
+              <a:t>                    </a:t>
+            </a:r>
+            <a:r>
+              <a:rPr lang="de-DE" sz="1600" dirty="0" err="1"/>
+              <a:t>currJumpSpeed</a:t>
+            </a:r>
+            <a:r>
+              <a:rPr lang="de-DE" sz="1600" dirty="0"/>
+              <a:t> = JUMP_SPEED;</a:t>
+            </a:r>
+          </a:p>
+          <a:p>
+            <a:r>
+              <a:rPr lang="de-DE" sz="1600" dirty="0"/>
+              <a:t>                    </a:t>
+            </a:r>
+            <a:r>
+              <a:rPr lang="de-DE" sz="1600" dirty="0" err="1"/>
+              <a:t>spaceLetGo</a:t>
+            </a:r>
+            <a:r>
+              <a:rPr lang="de-DE" sz="1600" dirty="0"/>
+              <a:t> = </a:t>
+            </a:r>
+            <a:r>
+              <a:rPr lang="de-DE" sz="1600" dirty="0" err="1"/>
+              <a:t>false</a:t>
+            </a:r>
+            <a:r>
+              <a:rPr lang="de-DE" sz="1600" dirty="0"/>
+              <a:t>;</a:t>
+            </a:r>
+          </a:p>
+          <a:p>
+            <a:r>
+              <a:rPr lang="de-DE" sz="1600" dirty="0"/>
+              <a:t>                }</a:t>
+            </a:r>
+          </a:p>
+          <a:p>
+            <a:endParaRPr lang="de-DE" sz="1600" dirty="0"/>
+          </a:p>
+          <a:p>
+            <a:r>
+              <a:rPr lang="de-DE" sz="1600" dirty="0"/>
+              <a:t>                </a:t>
+            </a:r>
+            <a:r>
+              <a:rPr lang="de-DE" sz="1600" dirty="0" err="1"/>
+              <a:t>if</a:t>
+            </a:r>
+            <a:r>
+              <a:rPr lang="de-DE" sz="1600" dirty="0"/>
+              <a:t> (</a:t>
+            </a:r>
+            <a:r>
+              <a:rPr lang="de-DE" sz="1600" dirty="0" err="1"/>
+              <a:t>doubleJumpUnlocked</a:t>
+            </a:r>
+            <a:r>
+              <a:rPr lang="de-DE" sz="1600" dirty="0"/>
+              <a:t> &amp;&amp; !</a:t>
+            </a:r>
+            <a:r>
+              <a:rPr lang="de-DE" sz="1600" dirty="0" err="1"/>
+              <a:t>doubleJumping</a:t>
+            </a:r>
+            <a:r>
+              <a:rPr lang="de-DE" sz="1600" dirty="0"/>
+              <a:t> &amp;&amp; </a:t>
+            </a:r>
+            <a:r>
+              <a:rPr lang="de-DE" sz="1600" dirty="0" err="1"/>
+              <a:t>spaceLetGo</a:t>
+            </a:r>
+            <a:r>
+              <a:rPr lang="de-DE" sz="1600" dirty="0"/>
+              <a:t>)</a:t>
+            </a:r>
+          </a:p>
+          <a:p>
+            <a:r>
+              <a:rPr lang="de-DE" sz="1600" dirty="0"/>
+              <a:t>                {</a:t>
+            </a:r>
+          </a:p>
+          <a:p>
+            <a:r>
+              <a:rPr lang="de-DE" sz="1600" dirty="0"/>
+              <a:t>                    </a:t>
+            </a:r>
+            <a:r>
+              <a:rPr lang="de-DE" sz="1600" dirty="0" err="1"/>
+              <a:t>currJumpSpeed</a:t>
+            </a:r>
+            <a:r>
+              <a:rPr lang="de-DE" sz="1600" dirty="0"/>
+              <a:t> = JUMP_SPEED;</a:t>
+            </a:r>
+          </a:p>
+          <a:p>
+            <a:r>
+              <a:rPr lang="de-DE" sz="1600" dirty="0"/>
+              <a:t>                    </a:t>
+            </a:r>
+            <a:r>
+              <a:rPr lang="de-DE" sz="1600" dirty="0" err="1"/>
+              <a:t>doubleJumping</a:t>
+            </a:r>
+            <a:r>
+              <a:rPr lang="de-DE" sz="1600" dirty="0"/>
+              <a:t> = </a:t>
+            </a:r>
+            <a:r>
+              <a:rPr lang="de-DE" sz="1600" dirty="0" err="1"/>
+              <a:t>true</a:t>
+            </a:r>
+            <a:r>
+              <a:rPr lang="de-DE" sz="1600" dirty="0"/>
+              <a:t>;</a:t>
+            </a:r>
+          </a:p>
+          <a:p>
+            <a:r>
+              <a:rPr lang="de-DE" sz="1600" dirty="0"/>
+              <a:t>                }</a:t>
+            </a:r>
+          </a:p>
+          <a:p>
+            <a:r>
+              <a:rPr lang="de-DE" sz="1600" dirty="0"/>
+              <a:t>            }</a:t>
+            </a:r>
+          </a:p>
+          <a:p>
+            <a:r>
+              <a:rPr lang="de-DE" sz="1600" dirty="0"/>
+              <a:t>        }</a:t>
+            </a:r>
+          </a:p>
+          <a:p>
+            <a:r>
+              <a:rPr lang="de-DE" sz="1600" dirty="0"/>
+              <a:t>    }</a:t>
+            </a:r>
+          </a:p>
+        </p:txBody>
+      </p:sp>
+    </p:spTree>
+    <p:extLst>
+      <p:ext uri="{BB962C8B-B14F-4D97-AF65-F5344CB8AC3E}">
+        <p14:creationId xmlns:p14="http://schemas.microsoft.com/office/powerpoint/2010/main" val="3548726729"/>
+      </p:ext>
+    </p:extLst>
+  </p:cSld>
+  <p:clrMapOvr>
+    <a:masterClrMapping/>
+  </p:clrMapOvr>
+</p:sld>
+</file>
+
+<file path=ppt/slides/slide6.xml><?xml version="1.0" encoding="utf-8"?>
+<p:sld xmlns:a="http://schemas.openxmlformats.org/drawingml/2006/main" xmlns:r="http://schemas.openxmlformats.org/officeDocument/2006/relationships" xmlns:p="http://schemas.openxmlformats.org/presentationml/2006/main">
+  <p:cSld>
+    <p:bg>
+      <p:bgPr>
+        <a:blipFill dpi="0" rotWithShape="1">
+          <a:blip r:embed="rId2">
+            <a:lum/>
+          </a:blip>
+          <a:srcRect/>
+          <a:stretch>
+            <a:fillRect t="-14000"/>
+          </a:stretch>
+        </a:blipFill>
+        <a:effectLst/>
+      </p:bgPr>
+    </p:bg>
+    <p:spTree>
+      <p:nvGrpSpPr>
+        <p:cNvPr id="1" name=""/>
+        <p:cNvGrpSpPr/>
+        <p:nvPr/>
+      </p:nvGrpSpPr>
+      <p:grpSpPr>
+        <a:xfrm>
+          <a:off x="0" y="0"/>
+          <a:ext cx="0" cy="0"/>
+          <a:chOff x="0" y="0"/>
+          <a:chExt cx="0" cy="0"/>
+        </a:xfrm>
+      </p:grpSpPr>
+      <p:sp>
+        <p:nvSpPr>
+          <p:cNvPr id="2" name="Titel 1"/>
+          <p:cNvSpPr>
+            <a:spLocks noGrp="1"/>
+          </p:cNvSpPr>
+          <p:nvPr>
+            <p:ph type="ctrTitle"/>
+          </p:nvPr>
+        </p:nvSpPr>
+        <p:spPr>
+          <a:xfrm>
+            <a:off x="1524000" y="2459182"/>
+            <a:ext cx="9144000" cy="969818"/>
+          </a:xfrm>
+        </p:spPr>
+        <p:txBody>
+          <a:bodyPr/>
+          <a:lstStyle/>
+          <a:p>
+            <a:r>
+              <a:rPr lang="de-DE" dirty="0"/>
+              <a:t>Gibt es Fragen?</a:t>
+            </a:r>
+          </a:p>
+        </p:txBody>
+      </p:sp>
+      <p:sp>
+        <p:nvSpPr>
+          <p:cNvPr id="4" name="Foliennummernplatzhalter 3"/>
+          <p:cNvSpPr>
+            <a:spLocks noGrp="1"/>
+          </p:cNvSpPr>
+          <p:nvPr>
+            <p:ph type="sldNum" sz="quarter" idx="12"/>
+          </p:nvPr>
+        </p:nvSpPr>
+        <p:spPr/>
+        <p:txBody>
+          <a:bodyPr/>
+          <a:lstStyle/>
+          <a:p>
+            <a:fld id="{60077C08-9AF0-4CAF-A8DA-D4C332AEC690}" type="slidenum">
+              <a:rPr lang="de-DE" smtClean="0"/>
+              <a:t>6</a:t>
+            </a:fld>
+            <a:endParaRPr lang="de-DE" dirty="0"/>
+          </a:p>
+        </p:txBody>
+      </p:sp>
+    </p:spTree>
+    <p:extLst>
+      <p:ext uri="{BB962C8B-B14F-4D97-AF65-F5344CB8AC3E}">
+        <p14:creationId xmlns:p14="http://schemas.microsoft.com/office/powerpoint/2010/main" val="4025435876"/>
       </p:ext>
     </p:extLst>
   </p:cSld>

--- a/Präsentation/Sidescroller.pptx
+++ b/Präsentation/Sidescroller.pptx
@@ -2402,18 +2402,13 @@
         <a:lstStyle/>
         <a:p>
           <a:r>
-            <a:rPr lang="de-DE" sz="2400" b="1" dirty="0" smtClean="0">
+            <a:rPr lang="de-DE" sz="2400" b="1" dirty="0">
               <a:solidFill>
                 <a:schemeClr val="bg1"/>
               </a:solidFill>
             </a:rPr>
             <a:t>Entwicklungsprozess</a:t>
           </a:r>
-          <a:endParaRPr lang="de-DE" sz="2400" b="1" dirty="0">
-            <a:solidFill>
-              <a:schemeClr val="bg1"/>
-            </a:solidFill>
-          </a:endParaRPr>
         </a:p>
       </dgm:t>
     </dgm:pt>
@@ -2451,26 +2446,13 @@
         <a:lstStyle/>
         <a:p>
           <a:r>
-            <a:rPr lang="de-DE" sz="2400" b="1" dirty="0" smtClean="0">
+            <a:rPr lang="de-DE" sz="2400" b="1" dirty="0">
               <a:solidFill>
                 <a:schemeClr val="bg1"/>
               </a:solidFill>
             </a:rPr>
-            <a:t>Implementierung in </a:t>
+            <a:t>Implementierung in C#</a:t>
           </a:r>
-          <a:r>
-            <a:rPr lang="de-DE" sz="2400" b="1" dirty="0" smtClean="0">
-              <a:solidFill>
-                <a:schemeClr val="bg1"/>
-              </a:solidFill>
-            </a:rPr>
-            <a:t>C#</a:t>
-          </a:r>
-          <a:endParaRPr lang="de-DE" sz="2400" b="1" dirty="0">
-            <a:solidFill>
-              <a:schemeClr val="bg1"/>
-            </a:solidFill>
-          </a:endParaRPr>
         </a:p>
       </dgm:t>
     </dgm:pt>
@@ -2508,18 +2490,13 @@
         <a:lstStyle/>
         <a:p>
           <a:r>
-            <a:rPr lang="de-DE" sz="2400" b="1" dirty="0" smtClean="0">
+            <a:rPr lang="de-DE" sz="2400" b="1" dirty="0">
               <a:solidFill>
                 <a:schemeClr val="bg1"/>
               </a:solidFill>
             </a:rPr>
             <a:t>Entwicklungsumgebung</a:t>
           </a:r>
-          <a:endParaRPr lang="de-DE" sz="2400" b="1" dirty="0">
-            <a:solidFill>
-              <a:schemeClr val="bg1"/>
-            </a:solidFill>
-          </a:endParaRPr>
         </a:p>
       </dgm:t>
     </dgm:pt>
@@ -2554,13 +2531,6 @@
         </dgm:presLayoutVars>
       </dgm:prSet>
       <dgm:spPr/>
-      <dgm:t>
-        <a:bodyPr/>
-        <a:lstStyle/>
-        <a:p>
-          <a:endParaRPr lang="de-DE"/>
-        </a:p>
-      </dgm:t>
     </dgm:pt>
     <dgm:pt modelId="{AE7DAF14-F56E-4CEA-BADB-156E9938BE68}" type="pres">
       <dgm:prSet presAssocID="{5CC1B69E-4F16-479E-84BC-AF788FB37962}" presName="Name1" presStyleCnt="0"/>
@@ -2577,13 +2547,6 @@
     <dgm:pt modelId="{2E9BC171-7AAE-4743-AF4A-083952ECC0B6}" type="pres">
       <dgm:prSet presAssocID="{5CC1B69E-4F16-479E-84BC-AF788FB37962}" presName="conn" presStyleLbl="parChTrans1D2" presStyleIdx="0" presStyleCnt="1"/>
       <dgm:spPr/>
-      <dgm:t>
-        <a:bodyPr/>
-        <a:lstStyle/>
-        <a:p>
-          <a:endParaRPr lang="de-DE"/>
-        </a:p>
-      </dgm:t>
     </dgm:pt>
     <dgm:pt modelId="{743E80F3-0350-42CE-ABA1-BC9DFFB83DEA}" type="pres">
       <dgm:prSet presAssocID="{5CC1B69E-4F16-479E-84BC-AF788FB37962}" presName="extraNode" presStyleLbl="node1" presStyleIdx="0" presStyleCnt="3"/>
@@ -2600,13 +2563,6 @@
         </dgm:presLayoutVars>
       </dgm:prSet>
       <dgm:spPr/>
-      <dgm:t>
-        <a:bodyPr/>
-        <a:lstStyle/>
-        <a:p>
-          <a:endParaRPr lang="de-DE"/>
-        </a:p>
-      </dgm:t>
     </dgm:pt>
     <dgm:pt modelId="{D623EC62-DAD8-4524-907A-4721101DB41A}" type="pres">
       <dgm:prSet presAssocID="{C576B1CE-6421-459B-A22B-6D69970B9315}" presName="accent_1" presStyleCnt="0"/>
@@ -2615,13 +2571,6 @@
     <dgm:pt modelId="{0472ECC7-B32A-43A2-90CF-7128DD1B676C}" type="pres">
       <dgm:prSet presAssocID="{C576B1CE-6421-459B-A22B-6D69970B9315}" presName="accentRepeatNode" presStyleLbl="solidFgAcc1" presStyleIdx="0" presStyleCnt="3"/>
       <dgm:spPr/>
-      <dgm:t>
-        <a:bodyPr/>
-        <a:lstStyle/>
-        <a:p>
-          <a:endParaRPr lang="de-DE"/>
-        </a:p>
-      </dgm:t>
     </dgm:pt>
     <dgm:pt modelId="{48B4BA41-0BE5-4C01-8F80-FC654B37FDA8}" type="pres">
       <dgm:prSet presAssocID="{B1B30D3E-C25E-42B8-A5BF-25DDE1C52916}" presName="text_2" presStyleLbl="node1" presStyleIdx="1" presStyleCnt="3">
@@ -2630,13 +2579,6 @@
         </dgm:presLayoutVars>
       </dgm:prSet>
       <dgm:spPr/>
-      <dgm:t>
-        <a:bodyPr/>
-        <a:lstStyle/>
-        <a:p>
-          <a:endParaRPr lang="de-DE"/>
-        </a:p>
-      </dgm:t>
     </dgm:pt>
     <dgm:pt modelId="{D15D3D1A-0A2C-48A9-91DE-BEDEADCAF34F}" type="pres">
       <dgm:prSet presAssocID="{B1B30D3E-C25E-42B8-A5BF-25DDE1C52916}" presName="accent_2" presStyleCnt="0"/>
@@ -2653,13 +2595,6 @@
         </dgm:presLayoutVars>
       </dgm:prSet>
       <dgm:spPr/>
-      <dgm:t>
-        <a:bodyPr/>
-        <a:lstStyle/>
-        <a:p>
-          <a:endParaRPr lang="de-DE"/>
-        </a:p>
-      </dgm:t>
     </dgm:pt>
     <dgm:pt modelId="{6D20D07B-BF49-4873-9B9C-60FD83DA9BDB}" type="pres">
       <dgm:prSet presAssocID="{E94DA527-B7E2-4A88-AA8D-F540B743905D}" presName="accent_3" presStyleCnt="0"/>
@@ -2671,14 +2606,14 @@
     </dgm:pt>
   </dgm:ptLst>
   <dgm:cxnLst>
+    <dgm:cxn modelId="{49034606-0FE2-441B-9F8F-59FCE044B48C}" srcId="{5CC1B69E-4F16-479E-84BC-AF788FB37962}" destId="{B1B30D3E-C25E-42B8-A5BF-25DDE1C52916}" srcOrd="1" destOrd="0" parTransId="{6B25F54D-9A5D-4E04-BD9C-9D400DB668BE}" sibTransId="{373FF386-0FF2-4E61-83D4-9C6193665C52}"/>
+    <dgm:cxn modelId="{29F5227A-D71E-4578-A239-917AE23F9B57}" type="presOf" srcId="{5CC1B69E-4F16-479E-84BC-AF788FB37962}" destId="{7AC1346D-575C-4890-9FCC-645B6CDACC00}" srcOrd="0" destOrd="0" presId="urn:microsoft.com/office/officeart/2008/layout/VerticalCurvedList"/>
+    <dgm:cxn modelId="{03BF8F8C-D38A-4A47-B9FB-D4875E4E51DD}" type="presOf" srcId="{B1B30D3E-C25E-42B8-A5BF-25DDE1C52916}" destId="{48B4BA41-0BE5-4C01-8F80-FC654B37FDA8}" srcOrd="0" destOrd="0" presId="urn:microsoft.com/office/officeart/2008/layout/VerticalCurvedList"/>
+    <dgm:cxn modelId="{ACF8AA8E-3E88-4107-82E4-17406B4387AF}" type="presOf" srcId="{D4083B52-DD41-4B25-9F49-282E785CF4C4}" destId="{2E9BC171-7AAE-4743-AF4A-083952ECC0B6}" srcOrd="0" destOrd="0" presId="urn:microsoft.com/office/officeart/2008/layout/VerticalCurvedList"/>
+    <dgm:cxn modelId="{B7ACA4AC-0E69-40CF-B4C5-6F13D37A2EE3}" srcId="{5CC1B69E-4F16-479E-84BC-AF788FB37962}" destId="{C576B1CE-6421-459B-A22B-6D69970B9315}" srcOrd="0" destOrd="0" parTransId="{72B972E8-1F06-46A2-94B4-982385D08174}" sibTransId="{D4083B52-DD41-4B25-9F49-282E785CF4C4}"/>
+    <dgm:cxn modelId="{045414B7-A08F-4E77-B223-6554CFCD3AA2}" type="presOf" srcId="{C576B1CE-6421-459B-A22B-6D69970B9315}" destId="{CBC69281-A7B1-4035-8CFD-18B6C64DD14B}" srcOrd="0" destOrd="0" presId="urn:microsoft.com/office/officeart/2008/layout/VerticalCurvedList"/>
     <dgm:cxn modelId="{8E6184F2-5D04-4206-88F7-05846C88BE15}" type="presOf" srcId="{E94DA527-B7E2-4A88-AA8D-F540B743905D}" destId="{677013B0-BA02-47E2-914A-E01B5487F8F0}" srcOrd="0" destOrd="0" presId="urn:microsoft.com/office/officeart/2008/layout/VerticalCurvedList"/>
     <dgm:cxn modelId="{5A9D09F7-80F4-43F4-B74A-E4FB0B22AFB7}" srcId="{5CC1B69E-4F16-479E-84BC-AF788FB37962}" destId="{E94DA527-B7E2-4A88-AA8D-F540B743905D}" srcOrd="2" destOrd="0" parTransId="{0B44B4F7-E48E-42FA-B5E1-42E40C94EF34}" sibTransId="{F2678996-1A9A-499A-86DE-726482F55C4A}"/>
-    <dgm:cxn modelId="{B7ACA4AC-0E69-40CF-B4C5-6F13D37A2EE3}" srcId="{5CC1B69E-4F16-479E-84BC-AF788FB37962}" destId="{C576B1CE-6421-459B-A22B-6D69970B9315}" srcOrd="0" destOrd="0" parTransId="{72B972E8-1F06-46A2-94B4-982385D08174}" sibTransId="{D4083B52-DD41-4B25-9F49-282E785CF4C4}"/>
-    <dgm:cxn modelId="{045414B7-A08F-4E77-B223-6554CFCD3AA2}" type="presOf" srcId="{C576B1CE-6421-459B-A22B-6D69970B9315}" destId="{CBC69281-A7B1-4035-8CFD-18B6C64DD14B}" srcOrd="0" destOrd="0" presId="urn:microsoft.com/office/officeart/2008/layout/VerticalCurvedList"/>
-    <dgm:cxn modelId="{29F5227A-D71E-4578-A239-917AE23F9B57}" type="presOf" srcId="{5CC1B69E-4F16-479E-84BC-AF788FB37962}" destId="{7AC1346D-575C-4890-9FCC-645B6CDACC00}" srcOrd="0" destOrd="0" presId="urn:microsoft.com/office/officeart/2008/layout/VerticalCurvedList"/>
-    <dgm:cxn modelId="{ACF8AA8E-3E88-4107-82E4-17406B4387AF}" type="presOf" srcId="{D4083B52-DD41-4B25-9F49-282E785CF4C4}" destId="{2E9BC171-7AAE-4743-AF4A-083952ECC0B6}" srcOrd="0" destOrd="0" presId="urn:microsoft.com/office/officeart/2008/layout/VerticalCurvedList"/>
-    <dgm:cxn modelId="{49034606-0FE2-441B-9F8F-59FCE044B48C}" srcId="{5CC1B69E-4F16-479E-84BC-AF788FB37962}" destId="{B1B30D3E-C25E-42B8-A5BF-25DDE1C52916}" srcOrd="1" destOrd="0" parTransId="{6B25F54D-9A5D-4E04-BD9C-9D400DB668BE}" sibTransId="{373FF386-0FF2-4E61-83D4-9C6193665C52}"/>
-    <dgm:cxn modelId="{03BF8F8C-D38A-4A47-B9FB-D4875E4E51DD}" type="presOf" srcId="{B1B30D3E-C25E-42B8-A5BF-25DDE1C52916}" destId="{48B4BA41-0BE5-4C01-8F80-FC654B37FDA8}" srcOrd="0" destOrd="0" presId="urn:microsoft.com/office/officeart/2008/layout/VerticalCurvedList"/>
     <dgm:cxn modelId="{2A534975-474E-455F-A651-759C3976B785}" type="presParOf" srcId="{7AC1346D-575C-4890-9FCC-645B6CDACC00}" destId="{AE7DAF14-F56E-4CEA-BADB-156E9938BE68}" srcOrd="0" destOrd="0" presId="urn:microsoft.com/office/officeart/2008/layout/VerticalCurvedList"/>
     <dgm:cxn modelId="{2F3C4647-BD00-4CF2-9398-7FBC50DA9A12}" type="presParOf" srcId="{AE7DAF14-F56E-4CEA-BADB-156E9938BE68}" destId="{65650B64-1957-48A4-99C8-D4C8D341F895}" srcOrd="0" destOrd="0" presId="urn:microsoft.com/office/officeart/2008/layout/VerticalCurvedList"/>
     <dgm:cxn modelId="{C09665FE-0B5F-448D-A516-0461714E4A06}" type="presParOf" srcId="{65650B64-1957-48A4-99C8-D4C8D341F895}" destId="{1E3525EF-605F-4C48-BB3E-E232AC047A0D}" srcOrd="0" destOrd="0" presId="urn:microsoft.com/office/officeart/2008/layout/VerticalCurvedList"/>
@@ -2731,10 +2666,9 @@
         <a:lstStyle/>
         <a:p>
           <a:r>
-            <a:rPr lang="de-DE" dirty="0" smtClean="0"/>
+            <a:rPr lang="de-DE" dirty="0"/>
             <a:t>Daten erfassen</a:t>
           </a:r>
-          <a:endParaRPr lang="de-DE" dirty="0"/>
         </a:p>
       </dgm:t>
     </dgm:pt>
@@ -2772,10 +2706,9 @@
         <a:lstStyle/>
         <a:p>
           <a:r>
-            <a:rPr lang="de-DE" dirty="0" smtClean="0"/>
+            <a:rPr lang="de-DE" dirty="0"/>
             <a:t>Passwort auslesen</a:t>
           </a:r>
-          <a:endParaRPr lang="de-DE" dirty="0"/>
         </a:p>
       </dgm:t>
     </dgm:pt>
@@ -2813,10 +2746,9 @@
         <a:lstStyle/>
         <a:p>
           <a:r>
-            <a:rPr lang="de-DE" dirty="0" smtClean="0"/>
+            <a:rPr lang="de-DE" dirty="0"/>
             <a:t>Passwort hashen und vergleichen</a:t>
           </a:r>
-          <a:endParaRPr lang="de-DE" dirty="0"/>
         </a:p>
       </dgm:t>
     </dgm:pt>
@@ -2854,10 +2786,9 @@
         <a:lstStyle/>
         <a:p>
           <a:r>
-            <a:rPr lang="de-DE" dirty="0" smtClean="0"/>
+            <a:rPr lang="de-DE" dirty="0"/>
             <a:t>Zugang gewähren oder verwehren</a:t>
           </a:r>
-          <a:endParaRPr lang="de-DE" dirty="0"/>
         </a:p>
       </dgm:t>
     </dgm:pt>
@@ -2946,15 +2877,15 @@
     </dgm:pt>
   </dgm:ptLst>
   <dgm:cxnLst>
+    <dgm:cxn modelId="{4893F449-EB0F-4E50-A59E-8C3C7E4D3987}" type="presOf" srcId="{068F6676-04C7-417B-8F52-DC3ABAD213D1}" destId="{ADB459C0-CCF5-4A7F-BDD4-B94C785CD615}" srcOrd="0" destOrd="0" presId="urn:microsoft.com/office/officeart/2005/8/layout/hProcess9"/>
+    <dgm:cxn modelId="{4C55C04B-0659-4A36-ADEC-ED74B19C919E}" srcId="{0CC092F3-6009-4538-9410-5022128A5BC9}" destId="{7954049F-E719-4AD7-AAA4-6C79F1B8C974}" srcOrd="1" destOrd="0" parTransId="{30FBA8D2-DEAA-45E8-81AA-AF598AAB4DF4}" sibTransId="{F0B4F523-5167-4F1A-AF26-372AEBB2CD4D}"/>
     <dgm:cxn modelId="{988D9788-C464-4F17-8FF7-10C70F677E35}" type="presOf" srcId="{7954049F-E719-4AD7-AAA4-6C79F1B8C974}" destId="{2BDA5983-60F2-477B-A7C3-5178748E1657}" srcOrd="0" destOrd="0" presId="urn:microsoft.com/office/officeart/2005/8/layout/hProcess9"/>
-    <dgm:cxn modelId="{4C55C04B-0659-4A36-ADEC-ED74B19C919E}" srcId="{0CC092F3-6009-4538-9410-5022128A5BC9}" destId="{7954049F-E719-4AD7-AAA4-6C79F1B8C974}" srcOrd="1" destOrd="0" parTransId="{30FBA8D2-DEAA-45E8-81AA-AF598AAB4DF4}" sibTransId="{F0B4F523-5167-4F1A-AF26-372AEBB2CD4D}"/>
+    <dgm:cxn modelId="{9DFD0498-D8DB-434B-8B1D-F3B83F4BF397}" type="presOf" srcId="{0CC092F3-6009-4538-9410-5022128A5BC9}" destId="{C5FFB6BD-3F5A-43FA-B4E0-4DAB418DFADE}" srcOrd="0" destOrd="0" presId="urn:microsoft.com/office/officeart/2005/8/layout/hProcess9"/>
+    <dgm:cxn modelId="{7E241DC6-1775-4613-84FC-8D8D41B9D682}" type="presOf" srcId="{257E75A0-B7FA-44B4-A759-C57441E8F9D5}" destId="{EF1FABFE-13BF-4CA8-BDB9-AF36B7717C3A}" srcOrd="0" destOrd="0" presId="urn:microsoft.com/office/officeart/2005/8/layout/hProcess9"/>
     <dgm:cxn modelId="{7BA229C6-5299-4388-B634-ED3DB7FF451F}" type="presOf" srcId="{28806DAC-D74B-4536-9680-79478E00A803}" destId="{4A7BEA49-4BF2-4803-AF39-EBBD5EBB9406}" srcOrd="0" destOrd="0" presId="urn:microsoft.com/office/officeart/2005/8/layout/hProcess9"/>
     <dgm:cxn modelId="{03E399CC-2662-4401-B889-7A979E1A381C}" srcId="{0CC092F3-6009-4538-9410-5022128A5BC9}" destId="{28806DAC-D74B-4536-9680-79478E00A803}" srcOrd="2" destOrd="0" parTransId="{F4B45780-1AED-4D76-A63B-C746EB9D8824}" sibTransId="{708FB43A-2CCC-499B-A227-4FC8CF8F670B}"/>
     <dgm:cxn modelId="{1B57B0D6-FA3C-4B90-9888-16CDE880C8DE}" srcId="{0CC092F3-6009-4538-9410-5022128A5BC9}" destId="{068F6676-04C7-417B-8F52-DC3ABAD213D1}" srcOrd="3" destOrd="0" parTransId="{ECC5AB4E-1C4E-4208-B076-C4FC41AA8E89}" sibTransId="{8018082F-0244-47F9-9570-A5CD8085A4D7}"/>
     <dgm:cxn modelId="{7E99EDFF-644B-407C-BBDD-29DB3409C06F}" srcId="{0CC092F3-6009-4538-9410-5022128A5BC9}" destId="{257E75A0-B7FA-44B4-A759-C57441E8F9D5}" srcOrd="0" destOrd="0" parTransId="{4FE9442A-4DF9-4E0D-A96D-2712645428B0}" sibTransId="{FC2977B7-4834-4E4F-9653-D0D169578C24}"/>
-    <dgm:cxn modelId="{7E241DC6-1775-4613-84FC-8D8D41B9D682}" type="presOf" srcId="{257E75A0-B7FA-44B4-A759-C57441E8F9D5}" destId="{EF1FABFE-13BF-4CA8-BDB9-AF36B7717C3A}" srcOrd="0" destOrd="0" presId="urn:microsoft.com/office/officeart/2005/8/layout/hProcess9"/>
-    <dgm:cxn modelId="{4893F449-EB0F-4E50-A59E-8C3C7E4D3987}" type="presOf" srcId="{068F6676-04C7-417B-8F52-DC3ABAD213D1}" destId="{ADB459C0-CCF5-4A7F-BDD4-B94C785CD615}" srcOrd="0" destOrd="0" presId="urn:microsoft.com/office/officeart/2005/8/layout/hProcess9"/>
-    <dgm:cxn modelId="{9DFD0498-D8DB-434B-8B1D-F3B83F4BF397}" type="presOf" srcId="{0CC092F3-6009-4538-9410-5022128A5BC9}" destId="{C5FFB6BD-3F5A-43FA-B4E0-4DAB418DFADE}" srcOrd="0" destOrd="0" presId="urn:microsoft.com/office/officeart/2005/8/layout/hProcess9"/>
     <dgm:cxn modelId="{0E115CE2-9696-4F71-B6A4-1DCD549EC527}" type="presParOf" srcId="{C5FFB6BD-3F5A-43FA-B4E0-4DAB418DFADE}" destId="{1F17CEFC-7D84-4D47-9E5C-261C7C6F85B7}" srcOrd="0" destOrd="0" presId="urn:microsoft.com/office/officeart/2005/8/layout/hProcess9"/>
     <dgm:cxn modelId="{A89D74C4-68C5-409E-AD42-3C80092B4B6E}" type="presParOf" srcId="{C5FFB6BD-3F5A-43FA-B4E0-4DAB418DFADE}" destId="{AED2F3EA-992F-4449-BBAE-F48E1BA59DC2}" srcOrd="1" destOrd="0" presId="urn:microsoft.com/office/officeart/2005/8/layout/hProcess9"/>
     <dgm:cxn modelId="{D51F732A-D118-4BD7-B841-52D7C6D009A3}" type="presParOf" srcId="{AED2F3EA-992F-4449-BBAE-F48E1BA59DC2}" destId="{EF1FABFE-13BF-4CA8-BDB9-AF36B7717C3A}" srcOrd="0" destOrd="0" presId="urn:microsoft.com/office/officeart/2005/8/layout/hProcess9"/>
@@ -3003,29 +2934,24 @@
         <a:lstStyle/>
         <a:p>
           <a:r>
-            <a:rPr lang="de-DE" sz="3200" dirty="0" err="1" smtClean="0"/>
+            <a:rPr lang="de-DE" sz="3200" dirty="0" err="1"/>
             <a:t>Gameloop</a:t>
           </a:r>
-          <a:r>
-            <a:rPr lang="de-DE" sz="3200" dirty="0" smtClean="0"/>
-            <a:t/>
-          </a:r>
           <a:br>
-            <a:rPr lang="de-DE" sz="3200" dirty="0" smtClean="0"/>
+            <a:rPr lang="de-DE" sz="3200" dirty="0"/>
           </a:br>
           <a:r>
-            <a:rPr lang="de-DE" sz="1800" dirty="0" smtClean="0"/>
+            <a:rPr lang="de-DE" sz="1800" dirty="0"/>
             <a:t>(tick/</a:t>
           </a:r>
           <a:r>
-            <a:rPr lang="de-DE" sz="1800" dirty="0" err="1" smtClean="0"/>
+            <a:rPr lang="de-DE" sz="1800" dirty="0" err="1"/>
             <a:t>frame</a:t>
           </a:r>
           <a:r>
-            <a:rPr lang="de-DE" sz="1800" dirty="0" smtClean="0"/>
+            <a:rPr lang="de-DE" sz="1800" dirty="0"/>
             <a:t>)</a:t>
           </a:r>
-          <a:endParaRPr lang="de-DE" sz="1800" dirty="0"/>
         </a:p>
       </dgm:t>
     </dgm:pt>
@@ -3065,10 +2991,9 @@
         <a:lstStyle/>
         <a:p>
           <a:r>
-            <a:rPr lang="de-DE" dirty="0" smtClean="0"/>
+            <a:rPr lang="de-DE" dirty="0"/>
             <a:t>Input</a:t>
           </a:r>
-          <a:endParaRPr lang="de-DE" dirty="0"/>
         </a:p>
       </dgm:t>
     </dgm:pt>
@@ -3108,10 +3033,9 @@
         <a:lstStyle/>
         <a:p>
           <a:r>
-            <a:rPr lang="de-DE" dirty="0" smtClean="0"/>
+            <a:rPr lang="de-DE" dirty="0"/>
             <a:t>Update</a:t>
           </a:r>
-          <a:endParaRPr lang="de-DE" dirty="0"/>
         </a:p>
       </dgm:t>
     </dgm:pt>
@@ -3151,10 +3075,9 @@
         <a:lstStyle/>
         <a:p>
           <a:r>
-            <a:rPr lang="de-DE" dirty="0" smtClean="0"/>
+            <a:rPr lang="de-DE" dirty="0"/>
             <a:t>Rendern</a:t>
           </a:r>
-          <a:endParaRPr lang="de-DE" dirty="0"/>
         </a:p>
       </dgm:t>
     </dgm:pt>
@@ -3201,13 +3124,6 @@
     <dgm:pt modelId="{BE0B73FF-D730-4CB3-B30A-A6FE913038AA}" type="pres">
       <dgm:prSet presAssocID="{BAEF9D0A-6AB7-44AC-AB4A-5EC5D26CB2F7}" presName="centerShape" presStyleLbl="vennNode1" presStyleIdx="0" presStyleCnt="4"/>
       <dgm:spPr/>
-      <dgm:t>
-        <a:bodyPr/>
-        <a:lstStyle/>
-        <a:p>
-          <a:endParaRPr lang="de-DE"/>
-        </a:p>
-      </dgm:t>
     </dgm:pt>
     <dgm:pt modelId="{F5146444-4898-47F1-968E-FB214428988A}" type="pres">
       <dgm:prSet presAssocID="{27D2CA34-D75F-4262-8978-9DE08DDFDB1F}" presName="node" presStyleLbl="vennNode1" presStyleIdx="1" presStyleCnt="4">
@@ -3216,13 +3132,6 @@
         </dgm:presLayoutVars>
       </dgm:prSet>
       <dgm:spPr/>
-      <dgm:t>
-        <a:bodyPr/>
-        <a:lstStyle/>
-        <a:p>
-          <a:endParaRPr lang="de-DE"/>
-        </a:p>
-      </dgm:t>
     </dgm:pt>
     <dgm:pt modelId="{A9622A0C-D2BD-4E6A-86E3-02BC86554229}" type="pres">
       <dgm:prSet presAssocID="{5372A58F-BF1C-42F8-8EC2-CF85E98AAB7F}" presName="node" presStyleLbl="vennNode1" presStyleIdx="2" presStyleCnt="4">
@@ -3242,14 +3151,14 @@
     </dgm:pt>
   </dgm:ptLst>
   <dgm:cxnLst>
+    <dgm:cxn modelId="{8F428C23-1821-404C-AA45-4E8475519340}" srcId="{BAEF9D0A-6AB7-44AC-AB4A-5EC5D26CB2F7}" destId="{BA19E96E-E59C-44DE-A14A-9A15D86729C7}" srcOrd="2" destOrd="0" parTransId="{58CB5026-B272-4AFB-8CEC-E7E93635820A}" sibTransId="{E838E551-1180-4020-BFF5-012F28757CF5}"/>
+    <dgm:cxn modelId="{86A4FD26-58BA-44D5-8668-F3BD655B29C9}" srcId="{C0DA5B16-DB0C-43BE-992E-0625225EA775}" destId="{BAEF9D0A-6AB7-44AC-AB4A-5EC5D26CB2F7}" srcOrd="0" destOrd="0" parTransId="{0CA4C72C-E570-448A-AFC5-9BED95694129}" sibTransId="{EDE3A4E1-05E1-42FF-98AF-0E1C1F59B917}"/>
     <dgm:cxn modelId="{05DAD449-F340-48AD-96F5-4E851554E338}" srcId="{BAEF9D0A-6AB7-44AC-AB4A-5EC5D26CB2F7}" destId="{5372A58F-BF1C-42F8-8EC2-CF85E98AAB7F}" srcOrd="1" destOrd="0" parTransId="{C625C8D8-EA0C-4185-958A-4B536BC32793}" sibTransId="{2EDCAD5B-2511-4D51-A53A-3B6FA6642E02}"/>
-    <dgm:cxn modelId="{4D1986C8-A662-461B-90E8-590745B35F6E}" type="presOf" srcId="{5372A58F-BF1C-42F8-8EC2-CF85E98AAB7F}" destId="{A9622A0C-D2BD-4E6A-86E3-02BC86554229}" srcOrd="0" destOrd="0" presId="urn:microsoft.com/office/officeart/2005/8/layout/radial3"/>
-    <dgm:cxn modelId="{86A4FD26-58BA-44D5-8668-F3BD655B29C9}" srcId="{C0DA5B16-DB0C-43BE-992E-0625225EA775}" destId="{BAEF9D0A-6AB7-44AC-AB4A-5EC5D26CB2F7}" srcOrd="0" destOrd="0" parTransId="{0CA4C72C-E570-448A-AFC5-9BED95694129}" sibTransId="{EDE3A4E1-05E1-42FF-98AF-0E1C1F59B917}"/>
     <dgm:cxn modelId="{010D464D-21A9-4F08-BC7D-DFD66FD05342}" type="presOf" srcId="{BAEF9D0A-6AB7-44AC-AB4A-5EC5D26CB2F7}" destId="{BE0B73FF-D730-4CB3-B30A-A6FE913038AA}" srcOrd="0" destOrd="0" presId="urn:microsoft.com/office/officeart/2005/8/layout/radial3"/>
-    <dgm:cxn modelId="{8F428C23-1821-404C-AA45-4E8475519340}" srcId="{BAEF9D0A-6AB7-44AC-AB4A-5EC5D26CB2F7}" destId="{BA19E96E-E59C-44DE-A14A-9A15D86729C7}" srcOrd="2" destOrd="0" parTransId="{58CB5026-B272-4AFB-8CEC-E7E93635820A}" sibTransId="{E838E551-1180-4020-BFF5-012F28757CF5}"/>
     <dgm:cxn modelId="{2242E655-F159-4EEF-A4D1-867237AB9117}" type="presOf" srcId="{C0DA5B16-DB0C-43BE-992E-0625225EA775}" destId="{0CA0551B-11A8-4B3E-A764-E7D712090A8B}" srcOrd="0" destOrd="0" presId="urn:microsoft.com/office/officeart/2005/8/layout/radial3"/>
     <dgm:cxn modelId="{03D84F58-2B52-4124-A909-3E81AC29116E}" type="presOf" srcId="{BA19E96E-E59C-44DE-A14A-9A15D86729C7}" destId="{3DC4985D-62B2-4FCA-978E-64617CA051C9}" srcOrd="0" destOrd="0" presId="urn:microsoft.com/office/officeart/2005/8/layout/radial3"/>
     <dgm:cxn modelId="{8E87C0A4-CE52-4F5C-A370-11366AAC74B9}" type="presOf" srcId="{27D2CA34-D75F-4262-8978-9DE08DDFDB1F}" destId="{F5146444-4898-47F1-968E-FB214428988A}" srcOrd="0" destOrd="0" presId="urn:microsoft.com/office/officeart/2005/8/layout/radial3"/>
+    <dgm:cxn modelId="{4D1986C8-A662-461B-90E8-590745B35F6E}" type="presOf" srcId="{5372A58F-BF1C-42F8-8EC2-CF85E98AAB7F}" destId="{A9622A0C-D2BD-4E6A-86E3-02BC86554229}" srcOrd="0" destOrd="0" presId="urn:microsoft.com/office/officeart/2005/8/layout/radial3"/>
     <dgm:cxn modelId="{209358EF-0CFE-4B06-92F0-82941B963362}" srcId="{BAEF9D0A-6AB7-44AC-AB4A-5EC5D26CB2F7}" destId="{27D2CA34-D75F-4262-8978-9DE08DDFDB1F}" srcOrd="0" destOrd="0" parTransId="{97F3C1C1-00BE-4F43-A233-523B5F33CF71}" sibTransId="{3F67B3BF-B5CF-46DC-B07D-C6F500A3AD43}"/>
     <dgm:cxn modelId="{CDFC737A-D924-4292-A53F-59F0103F5DBB}" type="presParOf" srcId="{0CA0551B-11A8-4B3E-A764-E7D712090A8B}" destId="{99B1CF15-AECA-4DC4-BBFB-6C36EBE6A5D7}" srcOrd="0" destOrd="0" presId="urn:microsoft.com/office/officeart/2005/8/layout/radial3"/>
     <dgm:cxn modelId="{F1BB55E2-93F0-4A9A-A701-5152423F6CB8}" type="presParOf" srcId="{99B1CF15-AECA-4DC4-BBFB-6C36EBE6A5D7}" destId="{BE0B73FF-D730-4CB3-B30A-A6FE913038AA}" srcOrd="0" destOrd="0" presId="urn:microsoft.com/office/officeart/2005/8/layout/radial3"/>
@@ -3371,7 +3280,7 @@
         </a:bodyPr>
         <a:lstStyle/>
         <a:p>
-          <a:pPr lvl="0" algn="l" defTabSz="1066800">
+          <a:pPr marL="0" lvl="0" indent="0" algn="l" defTabSz="1066800">
             <a:lnSpc>
               <a:spcPct val="90000"/>
             </a:lnSpc>
@@ -3381,20 +3290,16 @@
             <a:spcAft>
               <a:spcPct val="35000"/>
             </a:spcAft>
+            <a:buNone/>
           </a:pPr>
           <a:r>
-            <a:rPr lang="de-DE" sz="2400" b="1" kern="1200" dirty="0" smtClean="0">
+            <a:rPr lang="de-DE" sz="2400" b="1" kern="1200" dirty="0">
               <a:solidFill>
                 <a:schemeClr val="bg1"/>
               </a:solidFill>
             </a:rPr>
             <a:t>Entwicklungsprozess</a:t>
           </a:r>
-          <a:endParaRPr lang="de-DE" sz="2400" b="1" kern="1200" dirty="0">
-            <a:solidFill>
-              <a:schemeClr val="bg1"/>
-            </a:solidFill>
-          </a:endParaRPr>
         </a:p>
       </dsp:txBody>
       <dsp:txXfrm>
@@ -3500,7 +3405,7 @@
         </a:bodyPr>
         <a:lstStyle/>
         <a:p>
-          <a:pPr lvl="0" algn="l" defTabSz="1066800">
+          <a:pPr marL="0" lvl="0" indent="0" algn="l" defTabSz="1066800">
             <a:lnSpc>
               <a:spcPct val="90000"/>
             </a:lnSpc>
@@ -3510,28 +3415,16 @@
             <a:spcAft>
               <a:spcPct val="35000"/>
             </a:spcAft>
+            <a:buNone/>
           </a:pPr>
           <a:r>
-            <a:rPr lang="de-DE" sz="2400" b="1" kern="1200" dirty="0" smtClean="0">
+            <a:rPr lang="de-DE" sz="2400" b="1" kern="1200" dirty="0">
               <a:solidFill>
                 <a:schemeClr val="bg1"/>
               </a:solidFill>
             </a:rPr>
-            <a:t>Implementierung in </a:t>
+            <a:t>Implementierung in C#</a:t>
           </a:r>
-          <a:r>
-            <a:rPr lang="de-DE" sz="2400" b="1" kern="1200" dirty="0" smtClean="0">
-              <a:solidFill>
-                <a:schemeClr val="bg1"/>
-              </a:solidFill>
-            </a:rPr>
-            <a:t>C#</a:t>
-          </a:r>
-          <a:endParaRPr lang="de-DE" sz="2400" b="1" kern="1200" dirty="0">
-            <a:solidFill>
-              <a:schemeClr val="bg1"/>
-            </a:solidFill>
-          </a:endParaRPr>
         </a:p>
       </dsp:txBody>
       <dsp:txXfrm>
@@ -3637,7 +3530,7 @@
         </a:bodyPr>
         <a:lstStyle/>
         <a:p>
-          <a:pPr lvl="0" algn="l" defTabSz="1066800">
+          <a:pPr marL="0" lvl="0" indent="0" algn="l" defTabSz="1066800">
             <a:lnSpc>
               <a:spcPct val="90000"/>
             </a:lnSpc>
@@ -3647,20 +3540,16 @@
             <a:spcAft>
               <a:spcPct val="35000"/>
             </a:spcAft>
+            <a:buNone/>
           </a:pPr>
           <a:r>
-            <a:rPr lang="de-DE" sz="2400" b="1" kern="1200" dirty="0" smtClean="0">
+            <a:rPr lang="de-DE" sz="2400" b="1" kern="1200" dirty="0">
               <a:solidFill>
                 <a:schemeClr val="bg1"/>
               </a:solidFill>
             </a:rPr>
             <a:t>Entwicklungsumgebung</a:t>
           </a:r>
-          <a:endParaRPr lang="de-DE" sz="2400" b="1" kern="1200" dirty="0">
-            <a:solidFill>
-              <a:schemeClr val="bg1"/>
-            </a:solidFill>
-          </a:endParaRPr>
         </a:p>
       </dsp:txBody>
       <dsp:txXfrm>
@@ -3818,7 +3707,7 @@
         </a:bodyPr>
         <a:lstStyle/>
         <a:p>
-          <a:pPr lvl="0" algn="ctr" defTabSz="844550">
+          <a:pPr marL="0" lvl="0" indent="0" algn="ctr" defTabSz="844550">
             <a:lnSpc>
               <a:spcPct val="90000"/>
             </a:lnSpc>
@@ -3828,12 +3717,12 @@
             <a:spcAft>
               <a:spcPct val="35000"/>
             </a:spcAft>
+            <a:buNone/>
           </a:pPr>
           <a:r>
-            <a:rPr lang="de-DE" sz="1900" kern="1200" dirty="0" smtClean="0"/>
+            <a:rPr lang="de-DE" sz="1900" kern="1200" dirty="0"/>
             <a:t>Daten erfassen</a:t>
           </a:r>
-          <a:endParaRPr lang="de-DE" sz="1900" kern="1200" dirty="0"/>
         </a:p>
       </dsp:txBody>
       <dsp:txXfrm>
@@ -3891,7 +3780,7 @@
         </a:bodyPr>
         <a:lstStyle/>
         <a:p>
-          <a:pPr lvl="0" algn="ctr" defTabSz="844550">
+          <a:pPr marL="0" lvl="0" indent="0" algn="ctr" defTabSz="844550">
             <a:lnSpc>
               <a:spcPct val="90000"/>
             </a:lnSpc>
@@ -3901,12 +3790,12 @@
             <a:spcAft>
               <a:spcPct val="35000"/>
             </a:spcAft>
+            <a:buNone/>
           </a:pPr>
           <a:r>
-            <a:rPr lang="de-DE" sz="1900" kern="1200" dirty="0" smtClean="0"/>
+            <a:rPr lang="de-DE" sz="1900" kern="1200" dirty="0"/>
             <a:t>Passwort auslesen</a:t>
           </a:r>
-          <a:endParaRPr lang="de-DE" sz="1900" kern="1200" dirty="0"/>
         </a:p>
       </dsp:txBody>
       <dsp:txXfrm>
@@ -3964,7 +3853,7 @@
         </a:bodyPr>
         <a:lstStyle/>
         <a:p>
-          <a:pPr lvl="0" algn="ctr" defTabSz="844550">
+          <a:pPr marL="0" lvl="0" indent="0" algn="ctr" defTabSz="844550">
             <a:lnSpc>
               <a:spcPct val="90000"/>
             </a:lnSpc>
@@ -3974,12 +3863,12 @@
             <a:spcAft>
               <a:spcPct val="35000"/>
             </a:spcAft>
+            <a:buNone/>
           </a:pPr>
           <a:r>
-            <a:rPr lang="de-DE" sz="1900" kern="1200" dirty="0" smtClean="0"/>
+            <a:rPr lang="de-DE" sz="1900" kern="1200" dirty="0"/>
             <a:t>Passwort hashen und vergleichen</a:t>
           </a:r>
-          <a:endParaRPr lang="de-DE" sz="1900" kern="1200" dirty="0"/>
         </a:p>
       </dsp:txBody>
       <dsp:txXfrm>
@@ -4037,7 +3926,7 @@
         </a:bodyPr>
         <a:lstStyle/>
         <a:p>
-          <a:pPr lvl="0" algn="ctr" defTabSz="844550">
+          <a:pPr marL="0" lvl="0" indent="0" algn="ctr" defTabSz="844550">
             <a:lnSpc>
               <a:spcPct val="90000"/>
             </a:lnSpc>
@@ -4047,12 +3936,12 @@
             <a:spcAft>
               <a:spcPct val="35000"/>
             </a:spcAft>
+            <a:buNone/>
           </a:pPr>
           <a:r>
-            <a:rPr lang="de-DE" sz="1900" kern="1200" dirty="0" smtClean="0"/>
+            <a:rPr lang="de-DE" sz="1900" kern="1200" dirty="0"/>
             <a:t>Zugang gewähren oder verwehren</a:t>
           </a:r>
-          <a:endParaRPr lang="de-DE" sz="1900" kern="1200" dirty="0"/>
         </a:p>
       </dsp:txBody>
       <dsp:txXfrm>
@@ -4124,7 +4013,7 @@
         </a:bodyPr>
         <a:lstStyle/>
         <a:p>
-          <a:pPr lvl="0" algn="ctr" defTabSz="1422400">
+          <a:pPr marL="0" lvl="0" indent="0" algn="ctr" defTabSz="1422400">
             <a:lnSpc>
               <a:spcPct val="90000"/>
             </a:lnSpc>
@@ -4134,31 +4023,27 @@
             <a:spcAft>
               <a:spcPct val="35000"/>
             </a:spcAft>
+            <a:buNone/>
           </a:pPr>
           <a:r>
-            <a:rPr lang="de-DE" sz="3200" kern="1200" dirty="0" err="1" smtClean="0"/>
+            <a:rPr lang="de-DE" sz="3200" kern="1200" dirty="0" err="1"/>
             <a:t>Gameloop</a:t>
           </a:r>
-          <a:r>
-            <a:rPr lang="de-DE" sz="3200" kern="1200" dirty="0" smtClean="0"/>
-            <a:t/>
-          </a:r>
           <a:br>
-            <a:rPr lang="de-DE" sz="3200" kern="1200" dirty="0" smtClean="0"/>
+            <a:rPr lang="de-DE" sz="3200" kern="1200" dirty="0"/>
           </a:br>
           <a:r>
-            <a:rPr lang="de-DE" sz="1800" kern="1200" dirty="0" smtClean="0"/>
+            <a:rPr lang="de-DE" sz="1800" kern="1200" dirty="0"/>
             <a:t>(tick/</a:t>
           </a:r>
           <a:r>
-            <a:rPr lang="de-DE" sz="1800" kern="1200" dirty="0" err="1" smtClean="0"/>
+            <a:rPr lang="de-DE" sz="1800" kern="1200" dirty="0" err="1"/>
             <a:t>frame</a:t>
           </a:r>
           <a:r>
-            <a:rPr lang="de-DE" sz="1800" kern="1200" dirty="0" smtClean="0"/>
+            <a:rPr lang="de-DE" sz="1800" kern="1200" dirty="0"/>
             <a:t>)</a:t>
           </a:r>
-          <a:endParaRPr lang="de-DE" sz="1800" kern="1200" dirty="0"/>
         </a:p>
       </dsp:txBody>
       <dsp:txXfrm>
@@ -4218,7 +4103,7 @@
         </a:bodyPr>
         <a:lstStyle/>
         <a:p>
-          <a:pPr lvl="0" algn="ctr" defTabSz="977900">
+          <a:pPr marL="0" lvl="0" indent="0" algn="ctr" defTabSz="977900">
             <a:lnSpc>
               <a:spcPct val="90000"/>
             </a:lnSpc>
@@ -4228,12 +4113,12 @@
             <a:spcAft>
               <a:spcPct val="35000"/>
             </a:spcAft>
+            <a:buNone/>
           </a:pPr>
           <a:r>
-            <a:rPr lang="de-DE" sz="2200" kern="1200" dirty="0" smtClean="0"/>
+            <a:rPr lang="de-DE" sz="2200" kern="1200" dirty="0"/>
             <a:t>Input</a:t>
           </a:r>
-          <a:endParaRPr lang="de-DE" sz="2200" kern="1200" dirty="0"/>
         </a:p>
       </dsp:txBody>
       <dsp:txXfrm>
@@ -4293,7 +4178,7 @@
         </a:bodyPr>
         <a:lstStyle/>
         <a:p>
-          <a:pPr lvl="0" algn="ctr" defTabSz="977900">
+          <a:pPr marL="0" lvl="0" indent="0" algn="ctr" defTabSz="977900">
             <a:lnSpc>
               <a:spcPct val="90000"/>
             </a:lnSpc>
@@ -4303,12 +4188,12 @@
             <a:spcAft>
               <a:spcPct val="35000"/>
             </a:spcAft>
+            <a:buNone/>
           </a:pPr>
           <a:r>
-            <a:rPr lang="de-DE" sz="2200" kern="1200" dirty="0" smtClean="0"/>
+            <a:rPr lang="de-DE" sz="2200" kern="1200" dirty="0"/>
             <a:t>Update</a:t>
           </a:r>
-          <a:endParaRPr lang="de-DE" sz="2200" kern="1200" dirty="0"/>
         </a:p>
       </dsp:txBody>
       <dsp:txXfrm>
@@ -4368,7 +4253,7 @@
         </a:bodyPr>
         <a:lstStyle/>
         <a:p>
-          <a:pPr lvl="0" algn="ctr" defTabSz="977900">
+          <a:pPr marL="0" lvl="0" indent="0" algn="ctr" defTabSz="977900">
             <a:lnSpc>
               <a:spcPct val="90000"/>
             </a:lnSpc>
@@ -4378,12 +4263,12 @@
             <a:spcAft>
               <a:spcPct val="35000"/>
             </a:spcAft>
+            <a:buNone/>
           </a:pPr>
           <a:r>
-            <a:rPr lang="de-DE" sz="2200" kern="1200" dirty="0" smtClean="0"/>
+            <a:rPr lang="de-DE" sz="2200" kern="1200" dirty="0"/>
             <a:t>Rendern</a:t>
           </a:r>
-          <a:endParaRPr lang="de-DE" sz="2200" kern="1200" dirty="0"/>
         </a:p>
       </dsp:txBody>
       <dsp:txXfrm>
@@ -9591,10 +9476,9 @@
           <a:lstStyle/>
           <a:p>
             <a:r>
-              <a:rPr lang="de-DE" smtClean="0"/>
+              <a:rPr lang="de-DE"/>
               <a:t>Titelmasterformat durch Klicken bearbeiten</a:t>
             </a:r>
-            <a:endParaRPr lang="de-DE"/>
           </a:p>
         </p:txBody>
       </p:sp>
@@ -9871,10 +9755,9 @@
               <a:t>‹Nr.›</a:t>
             </a:fld>
             <a:r>
-              <a:rPr lang="de-DE" dirty="0" smtClean="0"/>
+              <a:rPr lang="de-DE" dirty="0"/>
               <a:t>/20</a:t>
             </a:r>
-            <a:endParaRPr lang="de-DE" dirty="0"/>
           </a:p>
         </p:txBody>
       </p:sp>
@@ -10128,10 +10011,9 @@
               <a:t>‹Nr.›</a:t>
             </a:fld>
             <a:r>
-              <a:rPr lang="de-DE" dirty="0" smtClean="0"/>
+              <a:rPr lang="de-DE" dirty="0"/>
               <a:t>/20</a:t>
             </a:r>
-            <a:endParaRPr lang="de-DE" dirty="0"/>
           </a:p>
         </p:txBody>
       </p:sp>
@@ -10697,10 +10579,9 @@
               <a:t>‹Nr.›</a:t>
             </a:fld>
             <a:r>
-              <a:rPr lang="de-DE" dirty="0" smtClean="0"/>
+              <a:rPr lang="de-DE" dirty="0"/>
               <a:t>/20</a:t>
             </a:r>
-            <a:endParaRPr lang="de-DE" dirty="0"/>
           </a:p>
         </p:txBody>
       </p:sp>
@@ -10889,10 +10770,9 @@
               <a:t>‹Nr.›</a:t>
             </a:fld>
             <a:r>
-              <a:rPr lang="de-DE" dirty="0" smtClean="0"/>
+              <a:rPr lang="de-DE" dirty="0"/>
               <a:t>/20</a:t>
             </a:r>
-            <a:endParaRPr lang="de-DE" dirty="0"/>
           </a:p>
         </p:txBody>
       </p:sp>
@@ -10947,10 +10827,9 @@
           <a:lstStyle/>
           <a:p>
             <a:r>
-              <a:rPr lang="de-DE" dirty="0" smtClean="0"/>
+              <a:rPr lang="de-DE" dirty="0"/>
               <a:t>Titelmasterformat durch Klicken bearbeiten</a:t>
             </a:r>
-            <a:endParaRPr lang="de-DE" dirty="0"/>
           </a:p>
         </p:txBody>
       </p:sp>
@@ -11017,10 +10896,9 @@
               <a:t>‹Nr.›</a:t>
             </a:fld>
             <a:r>
-              <a:rPr lang="de-DE" dirty="0" smtClean="0"/>
+              <a:rPr lang="de-DE" dirty="0"/>
               <a:t>/20</a:t>
             </a:r>
-            <a:endParaRPr lang="de-DE" dirty="0"/>
           </a:p>
         </p:txBody>
       </p:sp>
@@ -11267,7 +11145,7 @@
               <a:t>‹Nr.›</a:t>
             </a:fld>
             <a:r>
-              <a:rPr lang="de-DE" dirty="0" smtClean="0"/>
+              <a:rPr lang="de-DE" dirty="0"/>
               <a:t>/20</a:t>
             </a:r>
           </a:p>
@@ -11505,10 +11383,9 @@
               <a:t>‹Nr.›</a:t>
             </a:fld>
             <a:r>
-              <a:rPr lang="de-DE" dirty="0" smtClean="0"/>
+              <a:rPr lang="de-DE" dirty="0"/>
               <a:t>/20</a:t>
             </a:r>
-            <a:endParaRPr lang="de-DE" dirty="0"/>
           </a:p>
         </p:txBody>
       </p:sp>
@@ -11874,10 +11751,9 @@
               <a:t>‹Nr.›</a:t>
             </a:fld>
             <a:r>
-              <a:rPr lang="de-DE" dirty="0" smtClean="0"/>
+              <a:rPr lang="de-DE" dirty="0"/>
               <a:t>/20</a:t>
             </a:r>
-            <a:endParaRPr lang="de-DE" dirty="0"/>
           </a:p>
         </p:txBody>
       </p:sp>
@@ -12001,10 +11877,9 @@
               <a:t>‹Nr.›</a:t>
             </a:fld>
             <a:r>
-              <a:rPr lang="de-DE" dirty="0" smtClean="0"/>
+              <a:rPr lang="de-DE" dirty="0"/>
               <a:t>/20</a:t>
             </a:r>
-            <a:endParaRPr lang="de-DE" dirty="0"/>
           </a:p>
         </p:txBody>
       </p:sp>
@@ -12101,10 +11976,9 @@
               <a:t>‹Nr.›</a:t>
             </a:fld>
             <a:r>
-              <a:rPr lang="de-DE" dirty="0" smtClean="0"/>
+              <a:rPr lang="de-DE" dirty="0"/>
               <a:t>/20</a:t>
             </a:r>
-            <a:endParaRPr lang="de-DE" dirty="0"/>
           </a:p>
         </p:txBody>
       </p:sp>
@@ -12359,10 +12233,9 @@
               <a:t>‹Nr.›</a:t>
             </a:fld>
             <a:r>
-              <a:rPr lang="de-DE" dirty="0" smtClean="0"/>
-              <a:t>/20</a:t>
+              <a:rPr lang="de-DE" dirty="0"/>
+              <a:t>/21</a:t>
             </a:r>
-            <a:endParaRPr lang="de-DE" dirty="0"/>
           </a:p>
         </p:txBody>
       </p:sp>
@@ -12764,18 +12637,17 @@
           <a:p>
             <a:pPr algn="ctr"/>
             <a:r>
-              <a:rPr lang="de-DE" b="1" dirty="0" smtClean="0"/>
+              <a:rPr lang="de-DE" b="1" dirty="0"/>
               <a:t>T-Rex </a:t>
             </a:r>
             <a:r>
-              <a:rPr lang="de-DE" b="1" dirty="0" err="1" smtClean="0"/>
+              <a:rPr lang="de-DE" b="1" dirty="0" err="1"/>
               <a:t>Endless</a:t>
             </a:r>
             <a:r>
-              <a:rPr lang="de-DE" b="1" dirty="0" smtClean="0"/>
+              <a:rPr lang="de-DE" b="1" dirty="0"/>
               <a:t> Runner</a:t>
             </a:r>
-            <a:endParaRPr lang="de-DE" b="1" dirty="0"/>
           </a:p>
         </p:txBody>
       </p:sp>
@@ -12789,13 +12661,6 @@
   <p:clrMapOvr>
     <a:masterClrMapping/>
   </p:clrMapOvr>
-  <p:timing>
-    <p:tnLst>
-      <p:par>
-        <p:cTn id="1" dur="indefinite" restart="never" nodeType="tmRoot"/>
-      </p:par>
-    </p:tnLst>
-  </p:timing>
 </p:sld>
 </file>
 
@@ -12833,10 +12698,9 @@
           <a:p>
             <a:pPr algn="ctr"/>
             <a:r>
-              <a:rPr lang="de-DE" dirty="0" smtClean="0"/>
+              <a:rPr lang="de-DE" dirty="0"/>
               <a:t>Datenbankmodell</a:t>
             </a:r>
-            <a:endParaRPr lang="de-DE" dirty="0"/>
           </a:p>
         </p:txBody>
       </p:sp>
@@ -12890,10 +12754,9 @@
               <a:t>10</a:t>
             </a:fld>
             <a:r>
-              <a:rPr lang="de-DE" smtClean="0"/>
-              <a:t>/20</a:t>
+              <a:rPr lang="de-DE" dirty="0"/>
+              <a:t>/21</a:t>
             </a:r>
-            <a:endParaRPr lang="de-DE" dirty="0"/>
           </a:p>
         </p:txBody>
       </p:sp>
@@ -12907,13 +12770,6 @@
   <p:clrMapOvr>
     <a:masterClrMapping/>
   </p:clrMapOvr>
-  <p:timing>
-    <p:tnLst>
-      <p:par>
-        <p:cTn id="1" dur="indefinite" restart="never" nodeType="tmRoot"/>
-      </p:par>
-    </p:tnLst>
-  </p:timing>
 </p:sld>
 </file>
 
@@ -12951,10 +12807,9 @@
           <a:p>
             <a:pPr algn="ctr"/>
             <a:r>
-              <a:rPr lang="de-DE" dirty="0" smtClean="0"/>
+              <a:rPr lang="de-DE" dirty="0"/>
               <a:t>Agenda</a:t>
             </a:r>
-            <a:endParaRPr lang="de-DE" dirty="0"/>
           </a:p>
         </p:txBody>
       </p:sp>
@@ -12979,10 +12834,9 @@
               <a:t>11</a:t>
             </a:fld>
             <a:r>
-              <a:rPr lang="de-DE" smtClean="0"/>
-              <a:t>/20</a:t>
+              <a:rPr lang="de-DE" dirty="0"/>
+              <a:t>/21</a:t>
             </a:r>
-            <a:endParaRPr lang="de-DE" dirty="0"/>
           </a:p>
         </p:txBody>
       </p:sp>
@@ -13025,14 +12879,11 @@
               </a:spcAft>
             </a:pPr>
             <a:r>
-              <a:rPr lang="de-DE" b="1" dirty="0" smtClean="0">
+              <a:rPr lang="de-DE" b="1" dirty="0">
                 <a:latin typeface="Arial" pitchFamily="34" charset="0"/>
               </a:rPr>
               <a:t>Einleitung</a:t>
             </a:r>
-            <a:endParaRPr lang="de-DE" b="1" dirty="0">
-              <a:latin typeface="Arial" pitchFamily="34" charset="0"/>
-            </a:endParaRPr>
           </a:p>
         </p:txBody>
       </p:sp>
@@ -13075,7 +12926,7 @@
               </a:spcAft>
             </a:pPr>
             <a:r>
-              <a:rPr lang="de-DE" b="1" dirty="0" smtClean="0">
+              <a:rPr lang="de-DE" b="1" dirty="0">
                 <a:latin typeface="Arial" pitchFamily="34" charset="0"/>
               </a:rPr>
               <a:t>Einführung in das Projekt</a:t>
@@ -13122,14 +12973,11 @@
               </a:spcAft>
             </a:pPr>
             <a:r>
-              <a:rPr lang="de-DE" b="1" dirty="0" smtClean="0">
+              <a:rPr lang="de-DE" b="1" dirty="0">
                 <a:latin typeface="Arial" pitchFamily="34" charset="0"/>
               </a:rPr>
               <a:t>Entwurf</a:t>
             </a:r>
-            <a:endParaRPr lang="de-DE" b="1" dirty="0">
-              <a:latin typeface="Arial" pitchFamily="34" charset="0"/>
-            </a:endParaRPr>
           </a:p>
         </p:txBody>
       </p:sp>
@@ -13172,14 +13020,11 @@
               </a:spcAft>
             </a:pPr>
             <a:r>
-              <a:rPr lang="de-DE" b="1" dirty="0" smtClean="0">
+              <a:rPr lang="de-DE" b="1" dirty="0">
                 <a:latin typeface="Arial" pitchFamily="34" charset="0"/>
               </a:rPr>
               <a:t>Durchführung</a:t>
             </a:r>
-            <a:endParaRPr lang="de-DE" b="1" dirty="0">
-              <a:latin typeface="Arial" pitchFamily="34" charset="0"/>
-            </a:endParaRPr>
           </a:p>
         </p:txBody>
       </p:sp>
@@ -13222,14 +13067,11 @@
               </a:spcAft>
             </a:pPr>
             <a:r>
-              <a:rPr lang="de-DE" b="1" dirty="0" smtClean="0">
+              <a:rPr lang="de-DE" b="1" dirty="0">
                 <a:latin typeface="Arial" pitchFamily="34" charset="0"/>
               </a:rPr>
               <a:t>Fazit</a:t>
             </a:r>
-            <a:endParaRPr lang="de-DE" b="1" dirty="0">
-              <a:latin typeface="Arial" pitchFamily="34" charset="0"/>
-            </a:endParaRPr>
           </a:p>
         </p:txBody>
       </p:sp>
@@ -13444,9 +13286,7 @@
             <a:avLst/>
           </a:prstGeom>
           <a:solidFill>
-            <a:schemeClr val="bg1">
-              <a:lumMod val="85000"/>
-            </a:schemeClr>
+            <a:schemeClr val="tx2"/>
           </a:solidFill>
           <a:ln w="57150">
             <a:solidFill>
@@ -13763,35 +13603,35 @@
                                       <p:cBhvr override="childStyle">
                                         <p:cTn id="6" dur="500" fill="hold"/>
                                         <p:tgtEl>
-                                          <p:spTgt spid="10"/>
+                                          <p:spTgt spid="14"/>
                                         </p:tgtEl>
                                         <p:attrNameLst>
                                           <p:attrName>style.color</p:attrName>
                                         </p:attrNameLst>
                                       </p:cBhvr>
                                       <p:to>
-                                        <a:schemeClr val="accent1"/>
+                                        <a:schemeClr val="bg2"/>
                                       </p:to>
                                     </p:animClr>
                                     <p:animClr clrSpc="rgb" dir="cw">
                                       <p:cBhvr>
                                         <p:cTn id="7" dur="500" fill="hold"/>
                                         <p:tgtEl>
-                                          <p:spTgt spid="10"/>
+                                          <p:spTgt spid="14"/>
                                         </p:tgtEl>
                                         <p:attrNameLst>
                                           <p:attrName>fillcolor</p:attrName>
                                         </p:attrNameLst>
                                       </p:cBhvr>
                                       <p:to>
-                                        <a:schemeClr val="accent1"/>
+                                        <a:schemeClr val="bg2"/>
                                       </p:to>
                                     </p:animClr>
                                     <p:set>
                                       <p:cBhvr>
                                         <p:cTn id="8" dur="500" fill="hold"/>
                                         <p:tgtEl>
-                                          <p:spTgt spid="10"/>
+                                          <p:spTgt spid="14"/>
                                         </p:tgtEl>
                                         <p:attrNameLst>
                                           <p:attrName>fill.type</p:attrName>
@@ -13805,7 +13645,81 @@
                                       <p:cBhvr>
                                         <p:cTn id="9" dur="500" fill="hold"/>
                                         <p:tgtEl>
-                                          <p:spTgt spid="10"/>
+                                          <p:spTgt spid="14"/>
+                                        </p:tgtEl>
+                                        <p:attrNameLst>
+                                          <p:attrName>fill.on</p:attrName>
+                                        </p:attrNameLst>
+                                      </p:cBhvr>
+                                      <p:to>
+                                        <p:strVal val="true"/>
+                                      </p:to>
+                                    </p:set>
+                                  </p:childTnLst>
+                                </p:cTn>
+                              </p:par>
+                            </p:childTnLst>
+                          </p:cTn>
+                        </p:par>
+                        <p:par>
+                          <p:cTn id="10" fill="hold">
+                            <p:stCondLst>
+                              <p:cond delay="500"/>
+                            </p:stCondLst>
+                            <p:childTnLst>
+                              <p:par>
+                                <p:cTn id="11" presetID="19" presetClass="emph" presetSubtype="0" fill="hold" grpId="0" nodeType="afterEffect">
+                                  <p:stCondLst>
+                                    <p:cond delay="0"/>
+                                  </p:stCondLst>
+                                  <p:childTnLst>
+                                    <p:animClr clrSpc="rgb" dir="cw">
+                                      <p:cBhvr override="childStyle">
+                                        <p:cTn id="12" dur="500" fill="hold"/>
+                                        <p:tgtEl>
+                                          <p:spTgt spid="16"/>
+                                        </p:tgtEl>
+                                        <p:attrNameLst>
+                                          <p:attrName>style.color</p:attrName>
+                                        </p:attrNameLst>
+                                      </p:cBhvr>
+                                      <p:to>
+                                        <a:schemeClr val="tx2"/>
+                                      </p:to>
+                                    </p:animClr>
+                                    <p:animClr clrSpc="rgb" dir="cw">
+                                      <p:cBhvr>
+                                        <p:cTn id="13" dur="500" fill="hold"/>
+                                        <p:tgtEl>
+                                          <p:spTgt spid="16"/>
+                                        </p:tgtEl>
+                                        <p:attrNameLst>
+                                          <p:attrName>fillcolor</p:attrName>
+                                        </p:attrNameLst>
+                                      </p:cBhvr>
+                                      <p:to>
+                                        <a:schemeClr val="tx2"/>
+                                      </p:to>
+                                    </p:animClr>
+                                    <p:set>
+                                      <p:cBhvr>
+                                        <p:cTn id="14" dur="500" fill="hold"/>
+                                        <p:tgtEl>
+                                          <p:spTgt spid="16"/>
+                                        </p:tgtEl>
+                                        <p:attrNameLst>
+                                          <p:attrName>fill.type</p:attrName>
+                                        </p:attrNameLst>
+                                      </p:cBhvr>
+                                      <p:to>
+                                        <p:strVal val="solid"/>
+                                      </p:to>
+                                    </p:set>
+                                    <p:set>
+                                      <p:cBhvr>
+                                        <p:cTn id="15" dur="500" fill="hold"/>
+                                        <p:tgtEl>
+                                          <p:spTgt spid="16"/>
                                         </p:tgtEl>
                                         <p:attrNameLst>
                                           <p:attrName>fill.on</p:attrName>
@@ -13846,7 +13760,8 @@
       </p:par>
     </p:tnLst>
     <p:bldLst>
-      <p:bldP spid="10" grpId="0" animBg="1"/>
+      <p:bldP spid="14" grpId="0" animBg="1"/>
+      <p:bldP spid="16" grpId="0" animBg="1"/>
     </p:bldLst>
   </p:timing>
 </p:sld>
@@ -13885,10 +13800,9 @@
           <a:lstStyle/>
           <a:p>
             <a:r>
-              <a:rPr lang="de-DE" dirty="0" smtClean="0"/>
+              <a:rPr lang="de-DE" dirty="0"/>
               <a:t>Durchführung</a:t>
             </a:r>
-            <a:endParaRPr lang="de-DE" dirty="0"/>
           </a:p>
         </p:txBody>
       </p:sp>
@@ -13913,10 +13827,9 @@
               <a:t>12</a:t>
             </a:fld>
             <a:r>
-              <a:rPr lang="de-DE" smtClean="0"/>
-              <a:t>/20</a:t>
+              <a:rPr lang="de-DE" dirty="0"/>
+              <a:t>/21</a:t>
             </a:r>
-            <a:endParaRPr lang="de-DE" dirty="0"/>
           </a:p>
         </p:txBody>
       </p:sp>
@@ -14042,13 +13955,6 @@
   <p:clrMapOvr>
     <a:masterClrMapping/>
   </p:clrMapOvr>
-  <p:timing>
-    <p:tnLst>
-      <p:par>
-        <p:cTn id="1" dur="indefinite" restart="never" nodeType="tmRoot"/>
-      </p:par>
-    </p:tnLst>
-  </p:timing>
 </p:sld>
 </file>
 
@@ -14086,10 +13992,9 @@
           <a:p>
             <a:pPr algn="ctr"/>
             <a:r>
-              <a:rPr lang="de-DE" dirty="0" smtClean="0"/>
+              <a:rPr lang="de-DE" dirty="0"/>
               <a:t>Entwicklungsprozess</a:t>
             </a:r>
-            <a:endParaRPr lang="de-DE" dirty="0"/>
           </a:p>
         </p:txBody>
       </p:sp>
@@ -14114,10 +14019,9 @@
               <a:t>13</a:t>
             </a:fld>
             <a:r>
-              <a:rPr lang="de-DE" smtClean="0"/>
-              <a:t>/20</a:t>
+              <a:rPr lang="de-DE" dirty="0"/>
+              <a:t>/21</a:t>
             </a:r>
-            <a:endParaRPr lang="de-DE" dirty="0"/>
           </a:p>
         </p:txBody>
       </p:sp>
@@ -14170,18 +14074,13 @@
           <a:p>
             <a:pPr algn="ctr"/>
             <a:r>
-              <a:rPr lang="de-DE" b="1" dirty="0" smtClean="0">
+              <a:rPr lang="de-DE" b="1" dirty="0">
                 <a:solidFill>
                   <a:schemeClr val="tx1"/>
                 </a:solidFill>
               </a:rPr>
               <a:t>Anforderungen</a:t>
             </a:r>
-            <a:endParaRPr lang="de-DE" b="1" dirty="0">
-              <a:solidFill>
-                <a:schemeClr val="tx1"/>
-              </a:solidFill>
-            </a:endParaRPr>
           </a:p>
         </p:txBody>
       </p:sp>
@@ -14234,18 +14133,13 @@
           <a:p>
             <a:pPr algn="ctr"/>
             <a:r>
-              <a:rPr lang="de-DE" b="1" dirty="0" smtClean="0">
+              <a:rPr lang="de-DE" b="1" dirty="0">
                 <a:solidFill>
                   <a:schemeClr val="tx1"/>
                 </a:solidFill>
               </a:rPr>
               <a:t>Analyse</a:t>
             </a:r>
-            <a:endParaRPr lang="de-DE" b="1" dirty="0">
-              <a:solidFill>
-                <a:schemeClr val="tx1"/>
-              </a:solidFill>
-            </a:endParaRPr>
           </a:p>
         </p:txBody>
       </p:sp>
@@ -14298,18 +14192,13 @@
           <a:p>
             <a:pPr algn="ctr"/>
             <a:r>
-              <a:rPr lang="de-DE" b="1" dirty="0" smtClean="0">
+              <a:rPr lang="de-DE" b="1" dirty="0">
                 <a:solidFill>
                   <a:schemeClr val="tx1"/>
                 </a:solidFill>
               </a:rPr>
               <a:t>Entwurf</a:t>
             </a:r>
-            <a:endParaRPr lang="de-DE" b="1" dirty="0">
-              <a:solidFill>
-                <a:schemeClr val="tx1"/>
-              </a:solidFill>
-            </a:endParaRPr>
           </a:p>
         </p:txBody>
       </p:sp>
@@ -14362,18 +14251,13 @@
           <a:p>
             <a:pPr algn="ctr"/>
             <a:r>
-              <a:rPr lang="de-DE" b="1" dirty="0" smtClean="0">
+              <a:rPr lang="de-DE" b="1" dirty="0">
                 <a:solidFill>
                   <a:schemeClr val="tx1"/>
                 </a:solidFill>
               </a:rPr>
               <a:t>Implementierung</a:t>
             </a:r>
-            <a:endParaRPr lang="de-DE" b="1" dirty="0">
-              <a:solidFill>
-                <a:schemeClr val="tx1"/>
-              </a:solidFill>
-            </a:endParaRPr>
           </a:p>
         </p:txBody>
       </p:sp>
@@ -14679,13 +14563,6 @@
   <p:clrMapOvr>
     <a:masterClrMapping/>
   </p:clrMapOvr>
-  <p:timing>
-    <p:tnLst>
-      <p:par>
-        <p:cTn id="1" dur="indefinite" restart="never" nodeType="tmRoot"/>
-      </p:par>
-    </p:tnLst>
-  </p:timing>
 </p:sld>
 </file>
 
@@ -14723,10 +14600,9 @@
           <a:p>
             <a:pPr algn="ctr"/>
             <a:r>
-              <a:rPr lang="de-DE" dirty="0" smtClean="0"/>
+              <a:rPr lang="de-DE" dirty="0"/>
               <a:t>Authentifizierung</a:t>
             </a:r>
-            <a:endParaRPr lang="de-DE" dirty="0"/>
           </a:p>
         </p:txBody>
       </p:sp>
@@ -14751,10 +14627,9 @@
               <a:t>14</a:t>
             </a:fld>
             <a:r>
-              <a:rPr lang="de-DE" dirty="0" smtClean="0"/>
-              <a:t>/20</a:t>
+              <a:rPr lang="de-DE" dirty="0"/>
+              <a:t>/21</a:t>
             </a:r>
-            <a:endParaRPr lang="de-DE" dirty="0"/>
           </a:p>
         </p:txBody>
       </p:sp>
@@ -14820,13 +14695,6 @@
   <p:clrMapOvr>
     <a:masterClrMapping/>
   </p:clrMapOvr>
-  <p:timing>
-    <p:tnLst>
-      <p:par>
-        <p:cTn id="1" dur="indefinite" restart="never" nodeType="tmRoot"/>
-      </p:par>
-    </p:tnLst>
-  </p:timing>
 </p:sld>
 </file>
 
@@ -14894,10 +14762,9 @@
           <a:p>
             <a:pPr algn="ctr"/>
             <a:r>
-              <a:rPr lang="de-DE" dirty="0" smtClean="0"/>
+              <a:rPr lang="de-DE" dirty="0"/>
               <a:t>Hash</a:t>
             </a:r>
-            <a:endParaRPr lang="de-DE" dirty="0"/>
           </a:p>
         </p:txBody>
       </p:sp>
@@ -14951,10 +14818,9 @@
               <a:t>15</a:t>
             </a:fld>
             <a:r>
-              <a:rPr lang="de-DE" smtClean="0"/>
-              <a:t>/20</a:t>
+              <a:rPr lang="de-DE" dirty="0"/>
+              <a:t>/21</a:t>
             </a:r>
-            <a:endParaRPr lang="de-DE" dirty="0"/>
           </a:p>
         </p:txBody>
       </p:sp>
@@ -14971,7 +14837,128 @@
   <p:timing>
     <p:tnLst>
       <p:par>
-        <p:cTn id="1" dur="indefinite" restart="never" nodeType="tmRoot"/>
+        <p:cTn id="1" dur="indefinite" restart="never" nodeType="tmRoot">
+          <p:childTnLst>
+            <p:seq concurrent="1" nextAc="seek">
+              <p:cTn id="2" dur="indefinite" nodeType="mainSeq">
+                <p:childTnLst>
+                  <p:par>
+                    <p:cTn id="3" fill="hold">
+                      <p:stCondLst>
+                        <p:cond delay="indefinite"/>
+                      </p:stCondLst>
+                      <p:childTnLst>
+                        <p:par>
+                          <p:cTn id="4" fill="hold">
+                            <p:stCondLst>
+                              <p:cond delay="0"/>
+                            </p:stCondLst>
+                            <p:childTnLst>
+                              <p:par>
+                                <p:cTn id="5" presetID="10" presetClass="exit" presetSubtype="0" fill="hold" nodeType="clickEffect">
+                                  <p:stCondLst>
+                                    <p:cond delay="0"/>
+                                  </p:stCondLst>
+                                  <p:childTnLst>
+                                    <p:animEffect transition="out" filter="fade">
+                                      <p:cBhvr>
+                                        <p:cTn id="6" dur="500"/>
+                                        <p:tgtEl>
+                                          <p:spTgt spid="5"/>
+                                        </p:tgtEl>
+                                      </p:cBhvr>
+                                    </p:animEffect>
+                                    <p:set>
+                                      <p:cBhvr>
+                                        <p:cTn id="7" dur="1" fill="hold">
+                                          <p:stCondLst>
+                                            <p:cond delay="499"/>
+                                          </p:stCondLst>
+                                        </p:cTn>
+                                        <p:tgtEl>
+                                          <p:spTgt spid="5"/>
+                                        </p:tgtEl>
+                                        <p:attrNameLst>
+                                          <p:attrName>style.visibility</p:attrName>
+                                        </p:attrNameLst>
+                                      </p:cBhvr>
+                                      <p:to>
+                                        <p:strVal val="hidden"/>
+                                      </p:to>
+                                    </p:set>
+                                  </p:childTnLst>
+                                </p:cTn>
+                              </p:par>
+                            </p:childTnLst>
+                          </p:cTn>
+                        </p:par>
+                      </p:childTnLst>
+                    </p:cTn>
+                  </p:par>
+                  <p:par>
+                    <p:cTn id="8" fill="hold">
+                      <p:stCondLst>
+                        <p:cond delay="indefinite"/>
+                      </p:stCondLst>
+                      <p:childTnLst>
+                        <p:par>
+                          <p:cTn id="9" fill="hold">
+                            <p:stCondLst>
+                              <p:cond delay="0"/>
+                            </p:stCondLst>
+                            <p:childTnLst>
+                              <p:par>
+                                <p:cTn id="10" presetID="1" presetClass="entr" presetSubtype="0" fill="hold" nodeType="clickEffect">
+                                  <p:stCondLst>
+                                    <p:cond delay="0"/>
+                                  </p:stCondLst>
+                                  <p:childTnLst>
+                                    <p:set>
+                                      <p:cBhvr>
+                                        <p:cTn id="11" dur="1" fill="hold">
+                                          <p:stCondLst>
+                                            <p:cond delay="0"/>
+                                          </p:stCondLst>
+                                        </p:cTn>
+                                        <p:tgtEl>
+                                          <p:spTgt spid="6"/>
+                                        </p:tgtEl>
+                                        <p:attrNameLst>
+                                          <p:attrName>style.visibility</p:attrName>
+                                        </p:attrNameLst>
+                                      </p:cBhvr>
+                                      <p:to>
+                                        <p:strVal val="visible"/>
+                                      </p:to>
+                                    </p:set>
+                                  </p:childTnLst>
+                                </p:cTn>
+                              </p:par>
+                            </p:childTnLst>
+                          </p:cTn>
+                        </p:par>
+                      </p:childTnLst>
+                    </p:cTn>
+                  </p:par>
+                </p:childTnLst>
+              </p:cTn>
+              <p:prevCondLst>
+                <p:cond evt="onPrev" delay="0">
+                  <p:tgtEl>
+                    <p:sldTgt/>
+                  </p:tgtEl>
+                </p:cond>
+              </p:prevCondLst>
+              <p:nextCondLst>
+                <p:cond evt="onNext" delay="0">
+                  <p:tgtEl>
+                    <p:sldTgt/>
+                  </p:tgtEl>
+                </p:cond>
+              </p:nextCondLst>
+            </p:seq>
+          </p:childTnLst>
+        </p:cTn>
       </p:par>
     </p:tnLst>
   </p:timing>
@@ -15012,10 +14999,9 @@
           <a:p>
             <a:pPr algn="ctr"/>
             <a:r>
-              <a:rPr lang="de-DE" dirty="0" smtClean="0"/>
+              <a:rPr lang="de-DE" dirty="0"/>
               <a:t>Grundsätzliche Logik</a:t>
             </a:r>
-            <a:endParaRPr lang="de-DE" dirty="0"/>
           </a:p>
         </p:txBody>
       </p:sp>
@@ -15040,10 +15026,9 @@
               <a:t>16</a:t>
             </a:fld>
             <a:r>
-              <a:rPr lang="de-DE" smtClean="0"/>
-              <a:t>/20</a:t>
+              <a:rPr lang="de-DE" dirty="0"/>
+              <a:t>/21</a:t>
             </a:r>
-            <a:endParaRPr lang="de-DE" dirty="0"/>
           </a:p>
         </p:txBody>
       </p:sp>
@@ -15079,13 +15064,6 @@
   <p:clrMapOvr>
     <a:masterClrMapping/>
   </p:clrMapOvr>
-  <p:timing>
-    <p:tnLst>
-      <p:par>
-        <p:cTn id="1" dur="indefinite" restart="never" nodeType="tmRoot"/>
-      </p:par>
-    </p:tnLst>
-  </p:timing>
 </p:sld>
 </file>
 
@@ -15123,10 +15101,9 @@
           <a:p>
             <a:pPr algn="ctr"/>
             <a:r>
-              <a:rPr lang="de-DE" dirty="0" smtClean="0"/>
+              <a:rPr lang="de-DE" dirty="0"/>
               <a:t>„Springen“ Logik</a:t>
             </a:r>
-            <a:endParaRPr lang="de-DE" dirty="0"/>
           </a:p>
         </p:txBody>
       </p:sp>
@@ -15151,10 +15128,9 @@
               <a:t>17</a:t>
             </a:fld>
             <a:r>
-              <a:rPr lang="de-DE" smtClean="0"/>
-              <a:t>/20</a:t>
+              <a:rPr lang="de-DE" dirty="0"/>
+              <a:t>/21</a:t>
             </a:r>
-            <a:endParaRPr lang="de-DE" dirty="0"/>
           </a:p>
         </p:txBody>
       </p:sp>
@@ -15279,9 +15255,132 @@
   <p:timing>
     <p:tnLst>
       <p:par>
-        <p:cTn id="1" dur="indefinite" restart="never" nodeType="tmRoot"/>
+        <p:cTn id="1" dur="indefinite" restart="never" nodeType="tmRoot">
+          <p:childTnLst>
+            <p:seq concurrent="1" nextAc="seek">
+              <p:cTn id="2" dur="indefinite" nodeType="mainSeq">
+                <p:childTnLst>
+                  <p:par>
+                    <p:cTn id="3" fill="hold">
+                      <p:stCondLst>
+                        <p:cond delay="indefinite"/>
+                      </p:stCondLst>
+                      <p:childTnLst>
+                        <p:par>
+                          <p:cTn id="4" fill="hold">
+                            <p:stCondLst>
+                              <p:cond delay="0"/>
+                            </p:stCondLst>
+                            <p:childTnLst>
+                              <p:par>
+                                <p:cTn id="5" presetID="10" presetClass="entr" presetSubtype="0" fill="hold" grpId="0" nodeType="clickEffect">
+                                  <p:stCondLst>
+                                    <p:cond delay="0"/>
+                                  </p:stCondLst>
+                                  <p:childTnLst>
+                                    <p:set>
+                                      <p:cBhvr>
+                                        <p:cTn id="6" dur="1" fill="hold">
+                                          <p:stCondLst>
+                                            <p:cond delay="0"/>
+                                          </p:stCondLst>
+                                        </p:cTn>
+                                        <p:tgtEl>
+                                          <p:spTgt spid="7"/>
+                                        </p:tgtEl>
+                                        <p:attrNameLst>
+                                          <p:attrName>style.visibility</p:attrName>
+                                        </p:attrNameLst>
+                                      </p:cBhvr>
+                                      <p:to>
+                                        <p:strVal val="visible"/>
+                                      </p:to>
+                                    </p:set>
+                                    <p:animEffect transition="in" filter="fade">
+                                      <p:cBhvr>
+                                        <p:cTn id="7" dur="500"/>
+                                        <p:tgtEl>
+                                          <p:spTgt spid="7"/>
+                                        </p:tgtEl>
+                                      </p:cBhvr>
+                                    </p:animEffect>
+                                  </p:childTnLst>
+                                </p:cTn>
+                              </p:par>
+                            </p:childTnLst>
+                          </p:cTn>
+                        </p:par>
+                        <p:par>
+                          <p:cTn id="8" fill="hold">
+                            <p:stCondLst>
+                              <p:cond delay="500"/>
+                            </p:stCondLst>
+                            <p:childTnLst>
+                              <p:par>
+                                <p:cTn id="9" presetID="10" presetClass="entr" presetSubtype="0" fill="hold" nodeType="afterEffect">
+                                  <p:stCondLst>
+                                    <p:cond delay="0"/>
+                                  </p:stCondLst>
+                                  <p:childTnLst>
+                                    <p:set>
+                                      <p:cBhvr>
+                                        <p:cTn id="10" dur="1" fill="hold">
+                                          <p:stCondLst>
+                                            <p:cond delay="0"/>
+                                          </p:stCondLst>
+                                        </p:cTn>
+                                        <p:tgtEl>
+                                          <p:spTgt spid="5"/>
+                                        </p:tgtEl>
+                                        <p:attrNameLst>
+                                          <p:attrName>style.visibility</p:attrName>
+                                        </p:attrNameLst>
+                                      </p:cBhvr>
+                                      <p:to>
+                                        <p:strVal val="visible"/>
+                                      </p:to>
+                                    </p:set>
+                                    <p:animEffect transition="in" filter="fade">
+                                      <p:cBhvr>
+                                        <p:cTn id="11" dur="500"/>
+                                        <p:tgtEl>
+                                          <p:spTgt spid="5"/>
+                                        </p:tgtEl>
+                                      </p:cBhvr>
+                                    </p:animEffect>
+                                  </p:childTnLst>
+                                </p:cTn>
+                              </p:par>
+                            </p:childTnLst>
+                          </p:cTn>
+                        </p:par>
+                      </p:childTnLst>
+                    </p:cTn>
+                  </p:par>
+                </p:childTnLst>
+              </p:cTn>
+              <p:prevCondLst>
+                <p:cond evt="onPrev" delay="0">
+                  <p:tgtEl>
+                    <p:sldTgt/>
+                  </p:tgtEl>
+                </p:cond>
+              </p:prevCondLst>
+              <p:nextCondLst>
+                <p:cond evt="onNext" delay="0">
+                  <p:tgtEl>
+                    <p:sldTgt/>
+                  </p:tgtEl>
+                </p:cond>
+              </p:nextCondLst>
+            </p:seq>
+          </p:childTnLst>
+        </p:cTn>
       </p:par>
     </p:tnLst>
+    <p:bldLst>
+      <p:bldP spid="7" grpId="0" animBg="1"/>
+    </p:bldLst>
   </p:timing>
 </p:sld>
 </file>
@@ -15320,10 +15419,9 @@
           <a:p>
             <a:pPr algn="ctr"/>
             <a:r>
-              <a:rPr lang="de-DE" dirty="0" smtClean="0"/>
+              <a:rPr lang="de-DE" dirty="0"/>
               <a:t>Erweiterungen</a:t>
             </a:r>
-            <a:endParaRPr lang="de-DE" dirty="0"/>
           </a:p>
         </p:txBody>
       </p:sp>
@@ -15348,10 +15446,9 @@
               <a:t>18</a:t>
             </a:fld>
             <a:r>
-              <a:rPr lang="de-DE" smtClean="0"/>
-              <a:t>/20</a:t>
+              <a:rPr lang="de-DE" dirty="0"/>
+              <a:t>/21</a:t>
             </a:r>
-            <a:endParaRPr lang="de-DE" dirty="0"/>
           </a:p>
         </p:txBody>
       </p:sp>
@@ -15444,7 +15541,7 @@
           <a:p>
             <a:pPr algn="ctr"/>
             <a:r>
-              <a:rPr lang="de-DE" dirty="0" err="1" smtClean="0">
+              <a:rPr lang="de-DE" dirty="0" err="1">
                 <a:solidFill>
                   <a:schemeClr val="tx1"/>
                 </a:solidFill>
@@ -15452,18 +15549,13 @@
               <a:t>Highscore</a:t>
             </a:r>
             <a:r>
-              <a:rPr lang="de-DE" dirty="0" smtClean="0">
+              <a:rPr lang="de-DE" dirty="0">
                 <a:solidFill>
                   <a:schemeClr val="tx1"/>
                 </a:solidFill>
               </a:rPr>
               <a:t> mit Speicherung in einer Datenbank</a:t>
             </a:r>
-            <a:endParaRPr lang="de-DE" dirty="0" smtClean="0">
-              <a:solidFill>
-                <a:schemeClr val="tx1"/>
-              </a:solidFill>
-            </a:endParaRPr>
           </a:p>
         </p:txBody>
       </p:sp>
@@ -15508,18 +15600,13 @@
           <a:p>
             <a:pPr algn="ctr"/>
             <a:r>
-              <a:rPr lang="de-DE" dirty="0" smtClean="0">
+              <a:rPr lang="de-DE" dirty="0">
                 <a:solidFill>
                   <a:schemeClr val="tx1"/>
                 </a:solidFill>
               </a:rPr>
               <a:t>Upgrades für erweiterte Spielfunktionen</a:t>
             </a:r>
-            <a:endParaRPr lang="de-DE" dirty="0" smtClean="0">
-              <a:solidFill>
-                <a:schemeClr val="tx1"/>
-              </a:solidFill>
-            </a:endParaRPr>
           </a:p>
         </p:txBody>
       </p:sp>
@@ -15564,18 +15651,13 @@
           <a:p>
             <a:pPr algn="ctr"/>
             <a:r>
-              <a:rPr lang="de-DE" dirty="0" smtClean="0">
+              <a:rPr lang="de-DE" dirty="0">
                 <a:solidFill>
                   <a:schemeClr val="tx1"/>
                 </a:solidFill>
               </a:rPr>
               <a:t>Erstellung und Speicherung von Nutzerprofilen</a:t>
             </a:r>
-            <a:endParaRPr lang="de-DE" dirty="0" smtClean="0">
-              <a:solidFill>
-                <a:schemeClr val="tx1"/>
-              </a:solidFill>
-            </a:endParaRPr>
           </a:p>
         </p:txBody>
       </p:sp>
@@ -15820,10 +15902,9 @@
           <a:p>
             <a:pPr algn="ctr"/>
             <a:r>
-              <a:rPr lang="de-DE" dirty="0" smtClean="0"/>
+              <a:rPr lang="de-DE" dirty="0"/>
               <a:t>Agenda</a:t>
             </a:r>
-            <a:endParaRPr lang="de-DE" dirty="0"/>
           </a:p>
         </p:txBody>
       </p:sp>
@@ -15848,10 +15929,9 @@
               <a:t>19</a:t>
             </a:fld>
             <a:r>
-              <a:rPr lang="de-DE" smtClean="0"/>
-              <a:t>/20</a:t>
+              <a:rPr lang="de-DE" dirty="0"/>
+              <a:t>/21</a:t>
             </a:r>
-            <a:endParaRPr lang="de-DE" dirty="0"/>
           </a:p>
         </p:txBody>
       </p:sp>
@@ -15894,14 +15974,11 @@
               </a:spcAft>
             </a:pPr>
             <a:r>
-              <a:rPr lang="de-DE" b="1" dirty="0" smtClean="0">
+              <a:rPr lang="de-DE" b="1" dirty="0">
                 <a:latin typeface="Arial" pitchFamily="34" charset="0"/>
               </a:rPr>
               <a:t>Einleitung</a:t>
             </a:r>
-            <a:endParaRPr lang="de-DE" b="1" dirty="0">
-              <a:latin typeface="Arial" pitchFamily="34" charset="0"/>
-            </a:endParaRPr>
           </a:p>
         </p:txBody>
       </p:sp>
@@ -15944,7 +16021,7 @@
               </a:spcAft>
             </a:pPr>
             <a:r>
-              <a:rPr lang="de-DE" b="1" dirty="0" smtClean="0">
+              <a:rPr lang="de-DE" b="1" dirty="0">
                 <a:latin typeface="Arial" pitchFamily="34" charset="0"/>
               </a:rPr>
               <a:t>Einführung in das Projekt</a:t>
@@ -15991,14 +16068,11 @@
               </a:spcAft>
             </a:pPr>
             <a:r>
-              <a:rPr lang="de-DE" b="1" dirty="0" smtClean="0">
+              <a:rPr lang="de-DE" b="1" dirty="0">
                 <a:latin typeface="Arial" pitchFamily="34" charset="0"/>
               </a:rPr>
               <a:t>Entwurf</a:t>
             </a:r>
-            <a:endParaRPr lang="de-DE" b="1" dirty="0">
-              <a:latin typeface="Arial" pitchFamily="34" charset="0"/>
-            </a:endParaRPr>
           </a:p>
         </p:txBody>
       </p:sp>
@@ -16041,14 +16115,11 @@
               </a:spcAft>
             </a:pPr>
             <a:r>
-              <a:rPr lang="de-DE" b="1" dirty="0" smtClean="0">
+              <a:rPr lang="de-DE" b="1" dirty="0">
                 <a:latin typeface="Arial" pitchFamily="34" charset="0"/>
               </a:rPr>
               <a:t>Durchführung</a:t>
             </a:r>
-            <a:endParaRPr lang="de-DE" b="1" dirty="0">
-              <a:latin typeface="Arial" pitchFamily="34" charset="0"/>
-            </a:endParaRPr>
           </a:p>
         </p:txBody>
       </p:sp>
@@ -16091,14 +16162,11 @@
               </a:spcAft>
             </a:pPr>
             <a:r>
-              <a:rPr lang="de-DE" b="1" dirty="0" smtClean="0">
+              <a:rPr lang="de-DE" b="1" dirty="0">
                 <a:latin typeface="Arial" pitchFamily="34" charset="0"/>
               </a:rPr>
               <a:t>Fazit</a:t>
             </a:r>
-            <a:endParaRPr lang="de-DE" b="1" dirty="0">
-              <a:latin typeface="Arial" pitchFamily="34" charset="0"/>
-            </a:endParaRPr>
           </a:p>
         </p:txBody>
       </p:sp>
@@ -16411,9 +16479,7 @@
             <a:avLst/>
           </a:prstGeom>
           <a:solidFill>
-            <a:schemeClr val="bg1">
-              <a:lumMod val="85000"/>
-            </a:schemeClr>
+            <a:schemeClr val="tx2"/>
           </a:solidFill>
           <a:ln w="57150">
             <a:solidFill>
@@ -16632,35 +16698,35 @@
                                       <p:cBhvr override="childStyle">
                                         <p:cTn id="6" dur="500" fill="hold"/>
                                         <p:tgtEl>
-                                          <p:spTgt spid="10"/>
+                                          <p:spTgt spid="16"/>
                                         </p:tgtEl>
                                         <p:attrNameLst>
                                           <p:attrName>style.color</p:attrName>
                                         </p:attrNameLst>
                                       </p:cBhvr>
                                       <p:to>
-                                        <a:schemeClr val="accent1"/>
+                                        <a:schemeClr val="bg2"/>
                                       </p:to>
                                     </p:animClr>
                                     <p:animClr clrSpc="rgb" dir="cw">
                                       <p:cBhvr>
                                         <p:cTn id="7" dur="500" fill="hold"/>
                                         <p:tgtEl>
-                                          <p:spTgt spid="10"/>
+                                          <p:spTgt spid="16"/>
                                         </p:tgtEl>
                                         <p:attrNameLst>
                                           <p:attrName>fillcolor</p:attrName>
                                         </p:attrNameLst>
                                       </p:cBhvr>
                                       <p:to>
-                                        <a:schemeClr val="accent1"/>
+                                        <a:schemeClr val="bg2"/>
                                       </p:to>
                                     </p:animClr>
                                     <p:set>
                                       <p:cBhvr>
                                         <p:cTn id="8" dur="500" fill="hold"/>
                                         <p:tgtEl>
-                                          <p:spTgt spid="10"/>
+                                          <p:spTgt spid="16"/>
                                         </p:tgtEl>
                                         <p:attrNameLst>
                                           <p:attrName>fill.type</p:attrName>
@@ -16674,7 +16740,81 @@
                                       <p:cBhvr>
                                         <p:cTn id="9" dur="500" fill="hold"/>
                                         <p:tgtEl>
-                                          <p:spTgt spid="10"/>
+                                          <p:spTgt spid="16"/>
+                                        </p:tgtEl>
+                                        <p:attrNameLst>
+                                          <p:attrName>fill.on</p:attrName>
+                                        </p:attrNameLst>
+                                      </p:cBhvr>
+                                      <p:to>
+                                        <p:strVal val="true"/>
+                                      </p:to>
+                                    </p:set>
+                                  </p:childTnLst>
+                                </p:cTn>
+                              </p:par>
+                            </p:childTnLst>
+                          </p:cTn>
+                        </p:par>
+                        <p:par>
+                          <p:cTn id="10" fill="hold">
+                            <p:stCondLst>
+                              <p:cond delay="500"/>
+                            </p:stCondLst>
+                            <p:childTnLst>
+                              <p:par>
+                                <p:cTn id="11" presetID="19" presetClass="emph" presetSubtype="0" fill="hold" grpId="0" nodeType="afterEffect">
+                                  <p:stCondLst>
+                                    <p:cond delay="0"/>
+                                  </p:stCondLst>
+                                  <p:childTnLst>
+                                    <p:animClr clrSpc="rgb" dir="cw">
+                                      <p:cBhvr override="childStyle">
+                                        <p:cTn id="12" dur="500" fill="hold"/>
+                                        <p:tgtEl>
+                                          <p:spTgt spid="18"/>
+                                        </p:tgtEl>
+                                        <p:attrNameLst>
+                                          <p:attrName>style.color</p:attrName>
+                                        </p:attrNameLst>
+                                      </p:cBhvr>
+                                      <p:to>
+                                        <a:schemeClr val="tx2"/>
+                                      </p:to>
+                                    </p:animClr>
+                                    <p:animClr clrSpc="rgb" dir="cw">
+                                      <p:cBhvr>
+                                        <p:cTn id="13" dur="500" fill="hold"/>
+                                        <p:tgtEl>
+                                          <p:spTgt spid="18"/>
+                                        </p:tgtEl>
+                                        <p:attrNameLst>
+                                          <p:attrName>fillcolor</p:attrName>
+                                        </p:attrNameLst>
+                                      </p:cBhvr>
+                                      <p:to>
+                                        <a:schemeClr val="tx2"/>
+                                      </p:to>
+                                    </p:animClr>
+                                    <p:set>
+                                      <p:cBhvr>
+                                        <p:cTn id="14" dur="500" fill="hold"/>
+                                        <p:tgtEl>
+                                          <p:spTgt spid="18"/>
+                                        </p:tgtEl>
+                                        <p:attrNameLst>
+                                          <p:attrName>fill.type</p:attrName>
+                                        </p:attrNameLst>
+                                      </p:cBhvr>
+                                      <p:to>
+                                        <p:strVal val="solid"/>
+                                      </p:to>
+                                    </p:set>
+                                    <p:set>
+                                      <p:cBhvr>
+                                        <p:cTn id="15" dur="500" fill="hold"/>
+                                        <p:tgtEl>
+                                          <p:spTgt spid="18"/>
                                         </p:tgtEl>
                                         <p:attrNameLst>
                                           <p:attrName>fill.on</p:attrName>
@@ -16715,7 +16855,8 @@
       </p:par>
     </p:tnLst>
     <p:bldLst>
-      <p:bldP spid="10" grpId="0" animBg="1"/>
+      <p:bldP spid="16" grpId="0" animBg="1"/>
+      <p:bldP spid="18" grpId="0" animBg="1"/>
     </p:bldLst>
   </p:timing>
 </p:sld>
@@ -16755,10 +16896,9 @@
           <a:p>
             <a:pPr algn="ctr"/>
             <a:r>
-              <a:rPr lang="de-DE" dirty="0" smtClean="0"/>
+              <a:rPr lang="de-DE" dirty="0"/>
               <a:t>Agenda</a:t>
             </a:r>
-            <a:endParaRPr lang="de-DE" dirty="0"/>
           </a:p>
         </p:txBody>
       </p:sp>
@@ -16783,10 +16923,9 @@
               <a:t>2</a:t>
             </a:fld>
             <a:r>
-              <a:rPr lang="de-DE" smtClean="0"/>
-              <a:t>/20</a:t>
+              <a:rPr lang="de-DE" dirty="0"/>
+              <a:t>/21</a:t>
             </a:r>
-            <a:endParaRPr lang="de-DE" dirty="0"/>
           </a:p>
         </p:txBody>
       </p:sp>
@@ -16829,14 +16968,11 @@
               </a:spcAft>
             </a:pPr>
             <a:r>
-              <a:rPr lang="de-DE" b="1" dirty="0" smtClean="0">
+              <a:rPr lang="de-DE" b="1" dirty="0">
                 <a:latin typeface="Arial" pitchFamily="34" charset="0"/>
               </a:rPr>
               <a:t>Einleitung</a:t>
             </a:r>
-            <a:endParaRPr lang="de-DE" b="1" dirty="0">
-              <a:latin typeface="Arial" pitchFamily="34" charset="0"/>
-            </a:endParaRPr>
           </a:p>
         </p:txBody>
       </p:sp>
@@ -16879,7 +17015,7 @@
               </a:spcAft>
             </a:pPr>
             <a:r>
-              <a:rPr lang="de-DE" b="1" dirty="0" smtClean="0">
+              <a:rPr lang="de-DE" b="1" dirty="0">
                 <a:latin typeface="Arial" pitchFamily="34" charset="0"/>
               </a:rPr>
               <a:t>Einführung in das Projekt</a:t>
@@ -16926,14 +17062,11 @@
               </a:spcAft>
             </a:pPr>
             <a:r>
-              <a:rPr lang="de-DE" b="1" dirty="0" smtClean="0">
+              <a:rPr lang="de-DE" b="1" dirty="0">
                 <a:latin typeface="Arial" pitchFamily="34" charset="0"/>
               </a:rPr>
               <a:t>Entwurf</a:t>
             </a:r>
-            <a:endParaRPr lang="de-DE" b="1" dirty="0">
-              <a:latin typeface="Arial" pitchFamily="34" charset="0"/>
-            </a:endParaRPr>
           </a:p>
         </p:txBody>
       </p:sp>
@@ -16976,14 +17109,11 @@
               </a:spcAft>
             </a:pPr>
             <a:r>
-              <a:rPr lang="de-DE" b="1" dirty="0" smtClean="0">
+              <a:rPr lang="de-DE" b="1" dirty="0">
                 <a:latin typeface="Arial" pitchFamily="34" charset="0"/>
               </a:rPr>
               <a:t>Durchführung</a:t>
             </a:r>
-            <a:endParaRPr lang="de-DE" b="1" dirty="0">
-              <a:latin typeface="Arial" pitchFamily="34" charset="0"/>
-            </a:endParaRPr>
           </a:p>
         </p:txBody>
       </p:sp>
@@ -17026,14 +17156,11 @@
               </a:spcAft>
             </a:pPr>
             <a:r>
-              <a:rPr lang="de-DE" b="1" dirty="0" smtClean="0">
+              <a:rPr lang="de-DE" b="1" dirty="0">
                 <a:latin typeface="Arial" pitchFamily="34" charset="0"/>
               </a:rPr>
               <a:t>Fazit</a:t>
             </a:r>
-            <a:endParaRPr lang="de-DE" b="1" dirty="0">
-              <a:latin typeface="Arial" pitchFamily="34" charset="0"/>
-            </a:endParaRPr>
           </a:p>
         </p:txBody>
       </p:sp>
@@ -17574,7 +17701,7 @@
                                         </p:attrNameLst>
                                       </p:cBhvr>
                                       <p:to>
-                                        <a:schemeClr val="accent1"/>
+                                        <a:schemeClr val="tx2"/>
                                       </p:to>
                                     </p:animClr>
                                     <p:animClr clrSpc="rgb" dir="cw">
@@ -17588,7 +17715,7 @@
                                         </p:attrNameLst>
                                       </p:cBhvr>
                                       <p:to>
-                                        <a:schemeClr val="accent1"/>
+                                        <a:schemeClr val="tx2"/>
                                       </p:to>
                                     </p:animClr>
                                     <p:set>
@@ -17690,10 +17817,9 @@
           <a:p>
             <a:pPr algn="ctr"/>
             <a:r>
-              <a:rPr lang="de-DE" dirty="0" smtClean="0"/>
+              <a:rPr lang="de-DE" dirty="0"/>
               <a:t>Fazit</a:t>
             </a:r>
-            <a:endParaRPr lang="de-DE" dirty="0"/>
           </a:p>
         </p:txBody>
       </p:sp>
@@ -17723,10 +17849,9 @@
               <a:t>20</a:t>
             </a:fld>
             <a:r>
-              <a:rPr lang="de-DE" smtClean="0"/>
-              <a:t>/20</a:t>
+              <a:rPr lang="de-DE" dirty="0"/>
+              <a:t>/21</a:t>
             </a:r>
-            <a:endParaRPr lang="de-DE" dirty="0"/>
           </a:p>
         </p:txBody>
       </p:sp>
@@ -17740,13 +17865,6 @@
   <p:clrMapOvr>
     <a:masterClrMapping/>
   </p:clrMapOvr>
-  <p:timing>
-    <p:tnLst>
-      <p:par>
-        <p:cTn id="1" dur="indefinite" restart="never" nodeType="tmRoot"/>
-      </p:par>
-    </p:tnLst>
-  </p:timing>
 </p:sld>
 </file>
 
@@ -17784,10 +17902,9 @@
           <a:p>
             <a:pPr algn="ctr"/>
             <a:r>
-              <a:rPr lang="de-DE" dirty="0" smtClean="0"/>
+              <a:rPr lang="de-DE" dirty="0"/>
               <a:t>Noch Fragen?</a:t>
             </a:r>
-            <a:endParaRPr lang="de-DE" dirty="0"/>
           </a:p>
         </p:txBody>
       </p:sp>
@@ -17817,10 +17934,9 @@
               <a:t>21</a:t>
             </a:fld>
             <a:r>
-              <a:rPr lang="de-DE" smtClean="0"/>
-              <a:t>/20</a:t>
+              <a:rPr lang="de-DE" dirty="0"/>
+              <a:t>/21</a:t>
             </a:r>
-            <a:endParaRPr lang="de-DE" dirty="0"/>
           </a:p>
         </p:txBody>
       </p:sp>
@@ -17834,13 +17950,6 @@
   <p:clrMapOvr>
     <a:masterClrMapping/>
   </p:clrMapOvr>
-  <p:timing>
-    <p:tnLst>
-      <p:par>
-        <p:cTn id="1" dur="indefinite" restart="never" nodeType="tmRoot"/>
-      </p:par>
-    </p:tnLst>
-  </p:timing>
 </p:sld>
 </file>
 
@@ -17878,10 +17987,9 @@
           <a:p>
             <a:pPr algn="ctr"/>
             <a:r>
-              <a:rPr lang="de-DE" dirty="0" smtClean="0"/>
+              <a:rPr lang="de-DE" dirty="0"/>
               <a:t>Der Ursprung</a:t>
             </a:r>
-            <a:endParaRPr lang="de-DE" dirty="0"/>
           </a:p>
         </p:txBody>
       </p:sp>
@@ -17906,10 +18014,9 @@
               <a:t>3</a:t>
             </a:fld>
             <a:r>
-              <a:rPr lang="de-DE" smtClean="0"/>
-              <a:t>/20</a:t>
+              <a:rPr lang="de-DE" dirty="0"/>
+              <a:t>/21</a:t>
             </a:r>
-            <a:endParaRPr lang="de-DE" dirty="0"/>
           </a:p>
         </p:txBody>
       </p:sp>
@@ -17984,7 +18091,7 @@
           <a:p>
             <a:pPr algn="ctr"/>
             <a:r>
-              <a:rPr lang="de-DE" dirty="0" err="1" smtClean="0">
+              <a:rPr lang="de-DE" dirty="0" err="1">
                 <a:solidFill>
                   <a:schemeClr val="tx1"/>
                 </a:solidFill>
@@ -17992,18 +18099,13 @@
               <a:t>Endless</a:t>
             </a:r>
             <a:r>
-              <a:rPr lang="de-DE" dirty="0" smtClean="0">
+              <a:rPr lang="de-DE" dirty="0">
                 <a:solidFill>
                   <a:schemeClr val="tx1"/>
                 </a:solidFill>
               </a:rPr>
               <a:t> Runner</a:t>
             </a:r>
-            <a:endParaRPr lang="de-DE" dirty="0" smtClean="0">
-              <a:solidFill>
-                <a:schemeClr val="tx1"/>
-              </a:solidFill>
-            </a:endParaRPr>
           </a:p>
         </p:txBody>
       </p:sp>
@@ -18049,18 +18151,13 @@
           <a:p>
             <a:pPr algn="ctr"/>
             <a:r>
-              <a:rPr lang="de-DE" dirty="0" smtClean="0">
+              <a:rPr lang="de-DE" dirty="0">
                 <a:solidFill>
                   <a:schemeClr val="tx1"/>
                 </a:solidFill>
               </a:rPr>
               <a:t>Veröffentlicht im September 2014</a:t>
             </a:r>
-            <a:endParaRPr lang="de-DE" dirty="0" smtClean="0">
-              <a:solidFill>
-                <a:schemeClr val="tx1"/>
-              </a:solidFill>
-            </a:endParaRPr>
           </a:p>
         </p:txBody>
       </p:sp>
@@ -18106,18 +18203,13 @@
           <a:p>
             <a:pPr algn="ctr"/>
             <a:r>
-              <a:rPr lang="de-DE" dirty="0" smtClean="0">
+              <a:rPr lang="de-DE" dirty="0">
                 <a:solidFill>
                   <a:schemeClr val="tx1"/>
                 </a:solidFill>
               </a:rPr>
               <a:t>Umgeschrieben im Dezember 2014</a:t>
             </a:r>
-            <a:endParaRPr lang="de-DE" dirty="0" smtClean="0">
-              <a:solidFill>
-                <a:schemeClr val="tx1"/>
-              </a:solidFill>
-            </a:endParaRPr>
           </a:p>
         </p:txBody>
       </p:sp>
@@ -18163,18 +18255,13 @@
           <a:p>
             <a:pPr algn="ctr"/>
             <a:r>
-              <a:rPr lang="de-DE" dirty="0" smtClean="0">
+              <a:rPr lang="de-DE" dirty="0">
                 <a:solidFill>
                   <a:schemeClr val="tx1"/>
                 </a:solidFill>
               </a:rPr>
               <a:t>Plattform Google Chrome</a:t>
             </a:r>
-            <a:endParaRPr lang="de-DE" dirty="0" smtClean="0">
-              <a:solidFill>
-                <a:schemeClr val="tx1"/>
-              </a:solidFill>
-            </a:endParaRPr>
           </a:p>
         </p:txBody>
       </p:sp>
@@ -18250,18 +18337,13 @@
           <a:p>
             <a:pPr algn="ctr"/>
             <a:r>
-              <a:rPr lang="de-DE" dirty="0" smtClean="0">
+              <a:rPr lang="de-DE" dirty="0">
                 <a:solidFill>
                   <a:schemeClr val="tx1"/>
                 </a:solidFill>
               </a:rPr>
               <a:t>mehr als 270 Millionen Spiele im Monat</a:t>
             </a:r>
-            <a:endParaRPr lang="de-DE" dirty="0" smtClean="0">
-              <a:solidFill>
-                <a:schemeClr val="tx1"/>
-              </a:solidFill>
-            </a:endParaRPr>
           </a:p>
         </p:txBody>
       </p:sp>
@@ -18614,10 +18696,9 @@
           <a:p>
             <a:pPr algn="ctr"/>
             <a:r>
-              <a:rPr lang="de-DE" dirty="0" smtClean="0"/>
+              <a:rPr lang="de-DE" dirty="0"/>
               <a:t>Agenda</a:t>
             </a:r>
-            <a:endParaRPr lang="de-DE" dirty="0"/>
           </a:p>
         </p:txBody>
       </p:sp>
@@ -18642,10 +18723,9 @@
               <a:t>4</a:t>
             </a:fld>
             <a:r>
-              <a:rPr lang="de-DE" smtClean="0"/>
-              <a:t>/20</a:t>
+              <a:rPr lang="de-DE" dirty="0"/>
+              <a:t>/21</a:t>
             </a:r>
-            <a:endParaRPr lang="de-DE" dirty="0"/>
           </a:p>
         </p:txBody>
       </p:sp>
@@ -18688,14 +18768,11 @@
               </a:spcAft>
             </a:pPr>
             <a:r>
-              <a:rPr lang="de-DE" b="1" dirty="0" smtClean="0">
+              <a:rPr lang="de-DE" b="1" dirty="0">
                 <a:latin typeface="Arial" pitchFamily="34" charset="0"/>
               </a:rPr>
               <a:t>Einleitung</a:t>
             </a:r>
-            <a:endParaRPr lang="de-DE" b="1" dirty="0">
-              <a:latin typeface="Arial" pitchFamily="34" charset="0"/>
-            </a:endParaRPr>
           </a:p>
         </p:txBody>
       </p:sp>
@@ -18738,7 +18815,7 @@
               </a:spcAft>
             </a:pPr>
             <a:r>
-              <a:rPr lang="de-DE" b="1" dirty="0" smtClean="0">
+              <a:rPr lang="de-DE" b="1" dirty="0">
                 <a:latin typeface="Arial" pitchFamily="34" charset="0"/>
               </a:rPr>
               <a:t>Einführung in das Projekt</a:t>
@@ -18785,14 +18862,11 @@
               </a:spcAft>
             </a:pPr>
             <a:r>
-              <a:rPr lang="de-DE" b="1" dirty="0" smtClean="0">
+              <a:rPr lang="de-DE" b="1" dirty="0">
                 <a:latin typeface="Arial" pitchFamily="34" charset="0"/>
               </a:rPr>
               <a:t>Entwurf</a:t>
             </a:r>
-            <a:endParaRPr lang="de-DE" b="1" dirty="0">
-              <a:latin typeface="Arial" pitchFamily="34" charset="0"/>
-            </a:endParaRPr>
           </a:p>
         </p:txBody>
       </p:sp>
@@ -18835,14 +18909,11 @@
               </a:spcAft>
             </a:pPr>
             <a:r>
-              <a:rPr lang="de-DE" b="1" dirty="0" smtClean="0">
+              <a:rPr lang="de-DE" b="1" dirty="0">
                 <a:latin typeface="Arial" pitchFamily="34" charset="0"/>
               </a:rPr>
               <a:t>Durchführung</a:t>
             </a:r>
-            <a:endParaRPr lang="de-DE" b="1" dirty="0">
-              <a:latin typeface="Arial" pitchFamily="34" charset="0"/>
-            </a:endParaRPr>
           </a:p>
         </p:txBody>
       </p:sp>
@@ -18885,14 +18956,11 @@
               </a:spcAft>
             </a:pPr>
             <a:r>
-              <a:rPr lang="de-DE" b="1" dirty="0" smtClean="0">
+              <a:rPr lang="de-DE" b="1" dirty="0">
                 <a:latin typeface="Arial" pitchFamily="34" charset="0"/>
               </a:rPr>
               <a:t>Fazit</a:t>
             </a:r>
-            <a:endParaRPr lang="de-DE" b="1" dirty="0">
-              <a:latin typeface="Arial" pitchFamily="34" charset="0"/>
-            </a:endParaRPr>
           </a:p>
         </p:txBody>
       </p:sp>
@@ -18911,9 +18979,7 @@
             <a:avLst/>
           </a:prstGeom>
           <a:solidFill>
-            <a:schemeClr val="bg1">
-              <a:lumMod val="85000"/>
-            </a:schemeClr>
+            <a:schemeClr val="tx2"/>
           </a:solidFill>
           <a:ln w="57150">
             <a:solidFill>
@@ -19433,7 +19499,7 @@
                                         </p:attrNameLst>
                                       </p:cBhvr>
                                       <p:to>
-                                        <a:schemeClr val="accent1"/>
+                                        <a:schemeClr val="bg2"/>
                                       </p:to>
                                     </p:animClr>
                                     <p:animClr clrSpc="rgb" dir="cw">
@@ -19447,7 +19513,7 @@
                                         </p:attrNameLst>
                                       </p:cBhvr>
                                       <p:to>
-                                        <a:schemeClr val="accent1"/>
+                                        <a:schemeClr val="bg2"/>
                                       </p:to>
                                     </p:animClr>
                                     <p:set>
@@ -19469,6 +19535,80 @@
                                         <p:cTn id="9" dur="500" fill="hold"/>
                                         <p:tgtEl>
                                           <p:spTgt spid="10"/>
+                                        </p:tgtEl>
+                                        <p:attrNameLst>
+                                          <p:attrName>fill.on</p:attrName>
+                                        </p:attrNameLst>
+                                      </p:cBhvr>
+                                      <p:to>
+                                        <p:strVal val="true"/>
+                                      </p:to>
+                                    </p:set>
+                                  </p:childTnLst>
+                                </p:cTn>
+                              </p:par>
+                            </p:childTnLst>
+                          </p:cTn>
+                        </p:par>
+                        <p:par>
+                          <p:cTn id="10" fill="hold">
+                            <p:stCondLst>
+                              <p:cond delay="500"/>
+                            </p:stCondLst>
+                            <p:childTnLst>
+                              <p:par>
+                                <p:cTn id="11" presetID="19" presetClass="emph" presetSubtype="0" fill="hold" grpId="0" nodeType="afterEffect">
+                                  <p:stCondLst>
+                                    <p:cond delay="0"/>
+                                  </p:stCondLst>
+                                  <p:childTnLst>
+                                    <p:animClr clrSpc="rgb" dir="cw">
+                                      <p:cBhvr override="childStyle">
+                                        <p:cTn id="12" dur="500" fill="hold"/>
+                                        <p:tgtEl>
+                                          <p:spTgt spid="12"/>
+                                        </p:tgtEl>
+                                        <p:attrNameLst>
+                                          <p:attrName>style.color</p:attrName>
+                                        </p:attrNameLst>
+                                      </p:cBhvr>
+                                      <p:to>
+                                        <a:schemeClr val="tx2"/>
+                                      </p:to>
+                                    </p:animClr>
+                                    <p:animClr clrSpc="rgb" dir="cw">
+                                      <p:cBhvr>
+                                        <p:cTn id="13" dur="500" fill="hold"/>
+                                        <p:tgtEl>
+                                          <p:spTgt spid="12"/>
+                                        </p:tgtEl>
+                                        <p:attrNameLst>
+                                          <p:attrName>fillcolor</p:attrName>
+                                        </p:attrNameLst>
+                                      </p:cBhvr>
+                                      <p:to>
+                                        <a:schemeClr val="tx2"/>
+                                      </p:to>
+                                    </p:animClr>
+                                    <p:set>
+                                      <p:cBhvr>
+                                        <p:cTn id="14" dur="500" fill="hold"/>
+                                        <p:tgtEl>
+                                          <p:spTgt spid="12"/>
+                                        </p:tgtEl>
+                                        <p:attrNameLst>
+                                          <p:attrName>fill.type</p:attrName>
+                                        </p:attrNameLst>
+                                      </p:cBhvr>
+                                      <p:to>
+                                        <p:strVal val="solid"/>
+                                      </p:to>
+                                    </p:set>
+                                    <p:set>
+                                      <p:cBhvr>
+                                        <p:cTn id="15" dur="500" fill="hold"/>
+                                        <p:tgtEl>
+                                          <p:spTgt spid="12"/>
                                         </p:tgtEl>
                                         <p:attrNameLst>
                                           <p:attrName>fill.on</p:attrName>
@@ -19510,6 +19650,7 @@
     </p:tnLst>
     <p:bldLst>
       <p:bldP spid="10" grpId="0" animBg="1"/>
+      <p:bldP spid="12" grpId="0" animBg="1"/>
     </p:bldLst>
   </p:timing>
 </p:sld>
@@ -19549,10 +19690,9 @@
           <a:p>
             <a:pPr algn="ctr"/>
             <a:r>
-              <a:rPr lang="de-DE" dirty="0" smtClean="0"/>
+              <a:rPr lang="de-DE" dirty="0"/>
               <a:t>Projektziele</a:t>
             </a:r>
-            <a:endParaRPr lang="de-DE" dirty="0"/>
           </a:p>
         </p:txBody>
       </p:sp>
@@ -19577,10 +19717,9 @@
               <a:t>5</a:t>
             </a:fld>
             <a:r>
-              <a:rPr lang="de-DE" smtClean="0"/>
-              <a:t>/20</a:t>
+              <a:rPr lang="de-DE" dirty="0"/>
+              <a:t>/21</a:t>
             </a:r>
-            <a:endParaRPr lang="de-DE" dirty="0"/>
           </a:p>
         </p:txBody>
       </p:sp>
@@ -19828,18 +19967,13 @@
               <a:buChar char="n"/>
             </a:pPr>
             <a:r>
-              <a:rPr lang="de-DE" sz="2000" dirty="0" smtClean="0">
+              <a:rPr lang="de-DE" sz="2000" dirty="0">
                 <a:solidFill>
                   <a:schemeClr val="tx1"/>
                 </a:solidFill>
               </a:rPr>
               <a:t>Plattformunabhängige Applikation</a:t>
             </a:r>
-            <a:endParaRPr lang="de-DE" sz="2000" dirty="0" smtClean="0">
-              <a:solidFill>
-                <a:schemeClr val="tx1"/>
-              </a:solidFill>
-            </a:endParaRPr>
           </a:p>
           <a:p>
             <a:pPr marL="342900" indent="-342900">
@@ -19858,18 +19992,13 @@
               <a:buChar char="n"/>
             </a:pPr>
             <a:r>
-              <a:rPr lang="de-DE" sz="2000" dirty="0" smtClean="0">
+              <a:rPr lang="de-DE" sz="2000" dirty="0">
                 <a:solidFill>
                   <a:schemeClr val="tx1"/>
                 </a:solidFill>
               </a:rPr>
               <a:t>Beibehalten grundsätzlicher Mechaniken und Eigenschaften</a:t>
             </a:r>
-            <a:endParaRPr lang="de-DE" sz="2000" dirty="0" smtClean="0">
-              <a:solidFill>
-                <a:schemeClr val="tx1"/>
-              </a:solidFill>
-            </a:endParaRPr>
           </a:p>
           <a:p>
             <a:pPr marL="342900" indent="-342900">
@@ -19888,18 +20017,13 @@
               <a:buChar char="n"/>
             </a:pPr>
             <a:r>
-              <a:rPr lang="de-DE" sz="2000" dirty="0" smtClean="0">
+              <a:rPr lang="de-DE" sz="2000" dirty="0">
                 <a:solidFill>
                   <a:schemeClr val="tx1"/>
                 </a:solidFill>
               </a:rPr>
               <a:t>Anbindung an eine Access Datenbank</a:t>
             </a:r>
-            <a:endParaRPr lang="de-DE" sz="2000" dirty="0" smtClean="0">
-              <a:solidFill>
-                <a:schemeClr val="tx1"/>
-              </a:solidFill>
-            </a:endParaRPr>
           </a:p>
           <a:p>
             <a:pPr marL="342900" indent="-342900">
@@ -19915,7 +20039,7 @@
               <a:buFont typeface="Wingdings" pitchFamily="2" charset="2"/>
               <a:buChar char="n"/>
             </a:pPr>
-            <a:endParaRPr lang="de-DE" sz="1800" dirty="0" smtClean="0">
+            <a:endParaRPr lang="de-DE" sz="1800" dirty="0">
               <a:solidFill>
                 <a:schemeClr val="tx1"/>
               </a:solidFill>
@@ -19974,14 +20098,13 @@
               </a:buClr>
             </a:pPr>
             <a:r>
-              <a:rPr lang="de-DE" sz="2000" dirty="0" err="1" smtClean="0"/>
+              <a:rPr lang="de-DE" sz="2000" dirty="0" err="1"/>
               <a:t>Endless</a:t>
             </a:r>
             <a:r>
-              <a:rPr lang="de-DE" sz="2000" dirty="0" smtClean="0"/>
+              <a:rPr lang="de-DE" sz="2000" dirty="0"/>
               <a:t> Runner angelehnt an der Chrome Version mit eigenen Erweiterungen</a:t>
             </a:r>
-            <a:endParaRPr lang="de-DE" sz="2000" dirty="0"/>
           </a:p>
         </p:txBody>
       </p:sp>
@@ -20670,10 +20793,9 @@
           <a:p>
             <a:pPr algn="ctr"/>
             <a:r>
-              <a:rPr lang="de-DE" dirty="0" smtClean="0"/>
+              <a:rPr lang="de-DE" dirty="0"/>
               <a:t>Projektkosten</a:t>
             </a:r>
-            <a:endParaRPr lang="de-DE" dirty="0"/>
           </a:p>
         </p:txBody>
       </p:sp>
@@ -20698,10 +20820,9 @@
               <a:t>6</a:t>
             </a:fld>
             <a:r>
-              <a:rPr lang="de-DE" smtClean="0"/>
-              <a:t>/20</a:t>
+              <a:rPr lang="de-DE" dirty="0"/>
+              <a:t>/21</a:t>
             </a:r>
-            <a:endParaRPr lang="de-DE" dirty="0"/>
           </a:p>
         </p:txBody>
       </p:sp>
@@ -20766,10 +20887,9 @@
                     <a:lstStyle/>
                     <a:p>
                       <a:r>
-                        <a:rPr lang="de-DE" sz="2000" dirty="0" smtClean="0"/>
+                        <a:rPr lang="de-DE" sz="2000" dirty="0"/>
                         <a:t>Mitarbeiter</a:t>
                       </a:r>
-                      <a:endParaRPr lang="de-DE" sz="2000" dirty="0"/>
                     </a:p>
                   </a:txBody>
                   <a:tcPr>
@@ -20784,11 +20904,11 @@
                     <a:lstStyle/>
                     <a:p>
                       <a:r>
-                        <a:rPr lang="de-DE" sz="2000" dirty="0" smtClean="0"/>
+                        <a:rPr lang="de-DE" sz="2000" dirty="0"/>
                         <a:t>Stundensatz</a:t>
                       </a:r>
                       <a:r>
-                        <a:rPr lang="de-DE" sz="2000" baseline="0" dirty="0" smtClean="0"/>
+                        <a:rPr lang="de-DE" sz="2000" baseline="0" dirty="0"/>
                         <a:t> in €</a:t>
                       </a:r>
                       <a:endParaRPr lang="de-DE" sz="2000" dirty="0"/>
@@ -20806,10 +20926,9 @@
                     <a:lstStyle/>
                     <a:p>
                       <a:r>
-                        <a:rPr lang="de-DE" sz="2000" dirty="0" smtClean="0"/>
+                        <a:rPr lang="de-DE" sz="2000" dirty="0"/>
                         <a:t>Anzahl Stunden</a:t>
                       </a:r>
-                      <a:endParaRPr lang="de-DE" sz="2000" dirty="0"/>
                     </a:p>
                   </a:txBody>
                   <a:tcPr>
@@ -20824,10 +20943,9 @@
                     <a:lstStyle/>
                     <a:p>
                       <a:r>
-                        <a:rPr lang="de-DE" sz="2000" dirty="0" smtClean="0"/>
+                        <a:rPr lang="de-DE" sz="2000" dirty="0"/>
                         <a:t>Summe in €</a:t>
                       </a:r>
-                      <a:endParaRPr lang="de-DE" sz="2000" dirty="0"/>
                     </a:p>
                   </a:txBody>
                   <a:tcPr>
@@ -20849,10 +20967,9 @@
                     <a:lstStyle/>
                     <a:p>
                       <a:r>
-                        <a:rPr lang="de-DE" sz="2000" dirty="0" smtClean="0"/>
+                        <a:rPr lang="de-DE" sz="2000" dirty="0"/>
                         <a:t>Entwickler</a:t>
                       </a:r>
-                      <a:endParaRPr lang="de-DE" sz="2000" dirty="0"/>
                     </a:p>
                   </a:txBody>
                   <a:tcPr/>
@@ -20863,10 +20980,9 @@
                     <a:lstStyle/>
                     <a:p>
                       <a:r>
-                        <a:rPr lang="de-DE" sz="2000" dirty="0" smtClean="0"/>
+                        <a:rPr lang="de-DE" sz="2000" dirty="0"/>
                         <a:t>80</a:t>
                       </a:r>
-                      <a:endParaRPr lang="de-DE" sz="2000" dirty="0"/>
                     </a:p>
                   </a:txBody>
                   <a:tcPr/>
@@ -20877,10 +20993,9 @@
                     <a:lstStyle/>
                     <a:p>
                       <a:r>
-                        <a:rPr lang="de-DE" sz="2000" dirty="0" smtClean="0"/>
+                        <a:rPr lang="de-DE" sz="2000" dirty="0"/>
                         <a:t>20,25</a:t>
                       </a:r>
-                      <a:endParaRPr lang="de-DE" sz="2000" dirty="0"/>
                     </a:p>
                   </a:txBody>
                   <a:tcPr/>
@@ -20891,10 +21006,9 @@
                     <a:lstStyle/>
                     <a:p>
                       <a:r>
-                        <a:rPr lang="de-DE" sz="2000" dirty="0" smtClean="0"/>
+                        <a:rPr lang="de-DE" sz="2000" dirty="0"/>
                         <a:t>1620</a:t>
                       </a:r>
-                      <a:endParaRPr lang="de-DE" sz="2000" dirty="0"/>
                     </a:p>
                   </a:txBody>
                   <a:tcPr/>
@@ -20912,10 +21026,9 @@
                     <a:lstStyle/>
                     <a:p>
                       <a:r>
-                        <a:rPr lang="de-DE" sz="2000" dirty="0" smtClean="0"/>
+                        <a:rPr lang="de-DE" sz="2000" dirty="0"/>
                         <a:t>Entwickler</a:t>
                       </a:r>
-                      <a:endParaRPr lang="de-DE" sz="2000" dirty="0"/>
                     </a:p>
                   </a:txBody>
                   <a:tcPr/>
@@ -20926,10 +21039,9 @@
                     <a:lstStyle/>
                     <a:p>
                       <a:r>
-                        <a:rPr lang="de-DE" sz="2000" dirty="0" smtClean="0"/>
+                        <a:rPr lang="de-DE" sz="2000" dirty="0"/>
                         <a:t>80</a:t>
                       </a:r>
-                      <a:endParaRPr lang="de-DE" sz="2000" dirty="0"/>
                     </a:p>
                   </a:txBody>
                   <a:tcPr/>
@@ -20940,10 +21052,9 @@
                     <a:lstStyle/>
                     <a:p>
                       <a:r>
-                        <a:rPr lang="de-DE" sz="2000" dirty="0" smtClean="0"/>
+                        <a:rPr lang="de-DE" sz="2000" dirty="0"/>
                         <a:t>20,25</a:t>
                       </a:r>
-                      <a:endParaRPr lang="de-DE" sz="2000" dirty="0"/>
                     </a:p>
                   </a:txBody>
                   <a:tcPr/>
@@ -20954,10 +21065,9 @@
                     <a:lstStyle/>
                     <a:p>
                       <a:r>
-                        <a:rPr lang="de-DE" sz="2000" dirty="0" smtClean="0"/>
+                        <a:rPr lang="de-DE" sz="2000" dirty="0"/>
                         <a:t>1620</a:t>
                       </a:r>
-                      <a:endParaRPr lang="de-DE" sz="2000" dirty="0"/>
                     </a:p>
                   </a:txBody>
                   <a:tcPr/>
@@ -21042,10 +21152,9 @@
                     <a:lstStyle/>
                     <a:p>
                       <a:r>
-                        <a:rPr lang="de-DE" sz="2000" b="1" dirty="0" smtClean="0"/>
+                        <a:rPr lang="de-DE" sz="2000" b="1" dirty="0"/>
                         <a:t>Gesamt:</a:t>
                       </a:r>
-                      <a:endParaRPr lang="de-DE" sz="2000" b="1" dirty="0"/>
                     </a:p>
                   </a:txBody>
                   <a:tcPr/>
@@ -21056,10 +21165,9 @@
                     <a:lstStyle/>
                     <a:p>
                       <a:r>
-                        <a:rPr lang="de-DE" sz="2000" b="1" u="sng" dirty="0" smtClean="0"/>
+                        <a:rPr lang="de-DE" sz="2000" b="1" u="sng" dirty="0"/>
                         <a:t>3240</a:t>
                       </a:r>
-                      <a:endParaRPr lang="de-DE" sz="2000" b="1" u="sng" dirty="0"/>
                     </a:p>
                   </a:txBody>
                   <a:tcPr/>
@@ -21184,23 +21292,14 @@
                 <a:rPr lang="de-DE" sz="1200" b="1" kern="1200" dirty="0">
                   <a:latin typeface="Arial Black" panose="020B0A04020102020204" pitchFamily="34" charset="0"/>
                 </a:rPr>
-                <a:t>  </a:t>
+                <a:t>   </a:t>
               </a:r>
               <a:r>
-                <a:rPr lang="de-DE" sz="1200" b="1" kern="1200" dirty="0" smtClean="0">
-                  <a:latin typeface="Arial Black" panose="020B0A04020102020204" pitchFamily="34" charset="0"/>
-                </a:rPr>
-                <a:t> </a:t>
-              </a:r>
-              <a:r>
-                <a:rPr lang="de-DE" sz="2000" b="1" kern="1200" dirty="0" smtClean="0">
+                <a:rPr lang="de-DE" sz="2000" b="1" kern="1200" dirty="0">
                   <a:latin typeface="Arial Black" panose="020B0A04020102020204" pitchFamily="34" charset="0"/>
                 </a:rPr>
                 <a:t>Gesamtkosten: 3240€</a:t>
               </a:r>
-              <a:endParaRPr lang="de-DE" sz="2000" b="1" kern="1200" dirty="0">
-                <a:latin typeface="Arial Black" panose="020B0A04020102020204" pitchFamily="34" charset="0"/>
-              </a:endParaRPr>
             </a:p>
             <a:p>
               <a:pPr lvl="0" algn="l" defTabSz="533400">
@@ -21218,17 +21317,8 @@
                 <a:rPr lang="de-DE" sz="2000" b="1" kern="1200" dirty="0">
                   <a:latin typeface="Arial Black" panose="020B0A04020102020204" pitchFamily="34" charset="0"/>
                 </a:rPr>
-                <a:t>  </a:t>
+                <a:t>  Umsatz pro verkaufte Einheit: 5€</a:t>
               </a:r>
-              <a:r>
-                <a:rPr lang="de-DE" sz="2000" b="1" kern="1200" dirty="0" smtClean="0">
-                  <a:latin typeface="Arial Black" panose="020B0A04020102020204" pitchFamily="34" charset="0"/>
-                </a:rPr>
-                <a:t>Umsatz pro verkaufte Einheit: 5€</a:t>
-              </a:r>
-              <a:endParaRPr lang="de-DE" sz="2000" b="1" kern="1200" dirty="0">
-                <a:latin typeface="Arial Black" panose="020B0A04020102020204" pitchFamily="34" charset="0"/>
-              </a:endParaRPr>
             </a:p>
             <a:p>
               <a:pPr lvl="0" algn="l" defTabSz="533400">
@@ -21246,17 +21336,8 @@
                 <a:rPr lang="de-DE" sz="2000" b="1" kern="1200" dirty="0">
                   <a:latin typeface="Arial Black" panose="020B0A04020102020204" pitchFamily="34" charset="0"/>
                 </a:rPr>
-                <a:t>  </a:t>
+                <a:t>  Break-Even-Point: 648 Stück</a:t>
               </a:r>
-              <a:r>
-                <a:rPr lang="de-DE" sz="2000" b="1" kern="1200" dirty="0" smtClean="0">
-                  <a:latin typeface="Arial Black" panose="020B0A04020102020204" pitchFamily="34" charset="0"/>
-                </a:rPr>
-                <a:t>Break-Even-Point: 648 Stück</a:t>
-              </a:r>
-              <a:endParaRPr lang="de-DE" sz="2000" b="1" kern="1200" dirty="0">
-                <a:latin typeface="Arial Black" panose="020B0A04020102020204" pitchFamily="34" charset="0"/>
-              </a:endParaRPr>
             </a:p>
           </p:txBody>
         </p:sp>
@@ -21419,76 +21500,6 @@
                                   </p:childTnLst>
                                 </p:cTn>
                               </p:par>
-                              <p:par>
-                                <p:cTn id="11" presetID="10" presetClass="exit" presetSubtype="0" fill="hold" nodeType="withEffect">
-                                  <p:stCondLst>
-                                    <p:cond delay="0"/>
-                                  </p:stCondLst>
-                                  <p:childTnLst>
-                                    <p:animEffect transition="out" filter="fade">
-                                      <p:cBhvr>
-                                        <p:cTn id="12" dur="500"/>
-                                        <p:tgtEl>
-                                          <p:spTgt spid="8"/>
-                                        </p:tgtEl>
-                                      </p:cBhvr>
-                                    </p:animEffect>
-                                    <p:set>
-                                      <p:cBhvr>
-                                        <p:cTn id="13" dur="1" fill="hold">
-                                          <p:stCondLst>
-                                            <p:cond delay="499"/>
-                                          </p:stCondLst>
-                                        </p:cTn>
-                                        <p:tgtEl>
-                                          <p:spTgt spid="8"/>
-                                        </p:tgtEl>
-                                        <p:attrNameLst>
-                                          <p:attrName>style.visibility</p:attrName>
-                                        </p:attrNameLst>
-                                      </p:cBhvr>
-                                      <p:to>
-                                        <p:strVal val="hidden"/>
-                                      </p:to>
-                                    </p:set>
-                                  </p:childTnLst>
-                                </p:cTn>
-                              </p:par>
-                              <p:par>
-                                <p:cTn id="14" presetID="10" presetClass="exit" presetSubtype="0" fill="hold" nodeType="withEffect">
-                                  <p:stCondLst>
-                                    <p:cond delay="0"/>
-                                  </p:stCondLst>
-                                  <p:childTnLst>
-                                    <p:animEffect transition="out" filter="fade">
-                                      <p:cBhvr>
-                                        <p:cTn id="15" dur="500"/>
-                                        <p:tgtEl>
-                                          <p:spTgt spid="5"/>
-                                        </p:tgtEl>
-                                      </p:cBhvr>
-                                    </p:animEffect>
-                                    <p:set>
-                                      <p:cBhvr>
-                                        <p:cTn id="16" dur="1" fill="hold">
-                                          <p:stCondLst>
-                                            <p:cond delay="499"/>
-                                          </p:stCondLst>
-                                        </p:cTn>
-                                        <p:tgtEl>
-                                          <p:spTgt spid="5"/>
-                                        </p:tgtEl>
-                                        <p:attrNameLst>
-                                          <p:attrName>style.visibility</p:attrName>
-                                        </p:attrNameLst>
-                                      </p:cBhvr>
-                                      <p:to>
-                                        <p:strVal val="hidden"/>
-                                      </p:to>
-                                    </p:set>
-                                  </p:childTnLst>
-                                </p:cTn>
-                              </p:par>
                             </p:childTnLst>
                           </p:cTn>
                         </p:par>
@@ -21554,10 +21565,9 @@
           <a:p>
             <a:pPr algn="ctr"/>
             <a:r>
-              <a:rPr lang="de-DE" dirty="0" smtClean="0"/>
+              <a:rPr lang="de-DE" dirty="0"/>
               <a:t>Agenda</a:t>
             </a:r>
-            <a:endParaRPr lang="de-DE" dirty="0"/>
           </a:p>
         </p:txBody>
       </p:sp>
@@ -21582,10 +21592,9 @@
               <a:t>7</a:t>
             </a:fld>
             <a:r>
-              <a:rPr lang="de-DE" smtClean="0"/>
-              <a:t>/20</a:t>
+              <a:rPr lang="de-DE" dirty="0"/>
+              <a:t>/21</a:t>
             </a:r>
-            <a:endParaRPr lang="de-DE" dirty="0"/>
           </a:p>
         </p:txBody>
       </p:sp>
@@ -21628,14 +21637,11 @@
               </a:spcAft>
             </a:pPr>
             <a:r>
-              <a:rPr lang="de-DE" b="1" dirty="0" smtClean="0">
+              <a:rPr lang="de-DE" b="1" dirty="0">
                 <a:latin typeface="Arial" pitchFamily="34" charset="0"/>
               </a:rPr>
               <a:t>Einleitung</a:t>
             </a:r>
-            <a:endParaRPr lang="de-DE" b="1" dirty="0">
-              <a:latin typeface="Arial" pitchFamily="34" charset="0"/>
-            </a:endParaRPr>
           </a:p>
         </p:txBody>
       </p:sp>
@@ -21678,7 +21684,7 @@
               </a:spcAft>
             </a:pPr>
             <a:r>
-              <a:rPr lang="de-DE" b="1" dirty="0" smtClean="0">
+              <a:rPr lang="de-DE" b="1" dirty="0">
                 <a:latin typeface="Arial" pitchFamily="34" charset="0"/>
               </a:rPr>
               <a:t>Einführung in das Projekt</a:t>
@@ -21725,14 +21731,11 @@
               </a:spcAft>
             </a:pPr>
             <a:r>
-              <a:rPr lang="de-DE" b="1" dirty="0" smtClean="0">
+              <a:rPr lang="de-DE" b="1" dirty="0">
                 <a:latin typeface="Arial" pitchFamily="34" charset="0"/>
               </a:rPr>
               <a:t>Entwurf</a:t>
             </a:r>
-            <a:endParaRPr lang="de-DE" b="1" dirty="0">
-              <a:latin typeface="Arial" pitchFamily="34" charset="0"/>
-            </a:endParaRPr>
           </a:p>
         </p:txBody>
       </p:sp>
@@ -21775,14 +21778,11 @@
               </a:spcAft>
             </a:pPr>
             <a:r>
-              <a:rPr lang="de-DE" b="1" dirty="0" smtClean="0">
+              <a:rPr lang="de-DE" b="1" dirty="0">
                 <a:latin typeface="Arial" pitchFamily="34" charset="0"/>
               </a:rPr>
               <a:t>Durchführung</a:t>
             </a:r>
-            <a:endParaRPr lang="de-DE" b="1" dirty="0">
-              <a:latin typeface="Arial" pitchFamily="34" charset="0"/>
-            </a:endParaRPr>
           </a:p>
         </p:txBody>
       </p:sp>
@@ -21825,14 +21825,11 @@
               </a:spcAft>
             </a:pPr>
             <a:r>
-              <a:rPr lang="de-DE" b="1" dirty="0" smtClean="0">
+              <a:rPr lang="de-DE" b="1" dirty="0">
                 <a:latin typeface="Arial" pitchFamily="34" charset="0"/>
               </a:rPr>
               <a:t>Fazit</a:t>
             </a:r>
-            <a:endParaRPr lang="de-DE" b="1" dirty="0">
-              <a:latin typeface="Arial" pitchFamily="34" charset="0"/>
-            </a:endParaRPr>
           </a:p>
         </p:txBody>
       </p:sp>
@@ -21949,9 +21946,7 @@
             <a:avLst/>
           </a:prstGeom>
           <a:solidFill>
-            <a:schemeClr val="bg1">
-              <a:lumMod val="85000"/>
-            </a:schemeClr>
+            <a:schemeClr val="tx2"/>
           </a:solidFill>
           <a:ln w="57150">
             <a:solidFill>
@@ -22366,35 +22361,35 @@
                                       <p:cBhvr override="childStyle">
                                         <p:cTn id="6" dur="500" fill="hold"/>
                                         <p:tgtEl>
-                                          <p:spTgt spid="10"/>
+                                          <p:spTgt spid="12"/>
                                         </p:tgtEl>
                                         <p:attrNameLst>
                                           <p:attrName>style.color</p:attrName>
                                         </p:attrNameLst>
                                       </p:cBhvr>
                                       <p:to>
-                                        <a:schemeClr val="accent1"/>
+                                        <a:schemeClr val="bg2"/>
                                       </p:to>
                                     </p:animClr>
                                     <p:animClr clrSpc="rgb" dir="cw">
                                       <p:cBhvr>
                                         <p:cTn id="7" dur="500" fill="hold"/>
                                         <p:tgtEl>
-                                          <p:spTgt spid="10"/>
+                                          <p:spTgt spid="12"/>
                                         </p:tgtEl>
                                         <p:attrNameLst>
                                           <p:attrName>fillcolor</p:attrName>
                                         </p:attrNameLst>
                                       </p:cBhvr>
                                       <p:to>
-                                        <a:schemeClr val="accent1"/>
+                                        <a:schemeClr val="bg2"/>
                                       </p:to>
                                     </p:animClr>
                                     <p:set>
                                       <p:cBhvr>
                                         <p:cTn id="8" dur="500" fill="hold"/>
                                         <p:tgtEl>
-                                          <p:spTgt spid="10"/>
+                                          <p:spTgt spid="12"/>
                                         </p:tgtEl>
                                         <p:attrNameLst>
                                           <p:attrName>fill.type</p:attrName>
@@ -22408,7 +22403,81 @@
                                       <p:cBhvr>
                                         <p:cTn id="9" dur="500" fill="hold"/>
                                         <p:tgtEl>
-                                          <p:spTgt spid="10"/>
+                                          <p:spTgt spid="12"/>
+                                        </p:tgtEl>
+                                        <p:attrNameLst>
+                                          <p:attrName>fill.on</p:attrName>
+                                        </p:attrNameLst>
+                                      </p:cBhvr>
+                                      <p:to>
+                                        <p:strVal val="true"/>
+                                      </p:to>
+                                    </p:set>
+                                  </p:childTnLst>
+                                </p:cTn>
+                              </p:par>
+                            </p:childTnLst>
+                          </p:cTn>
+                        </p:par>
+                        <p:par>
+                          <p:cTn id="10" fill="hold">
+                            <p:stCondLst>
+                              <p:cond delay="500"/>
+                            </p:stCondLst>
+                            <p:childTnLst>
+                              <p:par>
+                                <p:cTn id="11" presetID="19" presetClass="emph" presetSubtype="0" fill="hold" grpId="0" nodeType="afterEffect">
+                                  <p:stCondLst>
+                                    <p:cond delay="0"/>
+                                  </p:stCondLst>
+                                  <p:childTnLst>
+                                    <p:animClr clrSpc="rgb" dir="cw">
+                                      <p:cBhvr override="childStyle">
+                                        <p:cTn id="12" dur="500" fill="hold"/>
+                                        <p:tgtEl>
+                                          <p:spTgt spid="14"/>
+                                        </p:tgtEl>
+                                        <p:attrNameLst>
+                                          <p:attrName>style.color</p:attrName>
+                                        </p:attrNameLst>
+                                      </p:cBhvr>
+                                      <p:to>
+                                        <a:schemeClr val="tx2"/>
+                                      </p:to>
+                                    </p:animClr>
+                                    <p:animClr clrSpc="rgb" dir="cw">
+                                      <p:cBhvr>
+                                        <p:cTn id="13" dur="500" fill="hold"/>
+                                        <p:tgtEl>
+                                          <p:spTgt spid="14"/>
+                                        </p:tgtEl>
+                                        <p:attrNameLst>
+                                          <p:attrName>fillcolor</p:attrName>
+                                        </p:attrNameLst>
+                                      </p:cBhvr>
+                                      <p:to>
+                                        <a:schemeClr val="tx2"/>
+                                      </p:to>
+                                    </p:animClr>
+                                    <p:set>
+                                      <p:cBhvr>
+                                        <p:cTn id="14" dur="500" fill="hold"/>
+                                        <p:tgtEl>
+                                          <p:spTgt spid="14"/>
+                                        </p:tgtEl>
+                                        <p:attrNameLst>
+                                          <p:attrName>fill.type</p:attrName>
+                                        </p:attrNameLst>
+                                      </p:cBhvr>
+                                      <p:to>
+                                        <p:strVal val="solid"/>
+                                      </p:to>
+                                    </p:set>
+                                    <p:set>
+                                      <p:cBhvr>
+                                        <p:cTn id="15" dur="500" fill="hold"/>
+                                        <p:tgtEl>
+                                          <p:spTgt spid="14"/>
                                         </p:tgtEl>
                                         <p:attrNameLst>
                                           <p:attrName>fill.on</p:attrName>
@@ -22449,7 +22518,8 @@
       </p:par>
     </p:tnLst>
     <p:bldLst>
-      <p:bldP spid="10" grpId="0" animBg="1"/>
+      <p:bldP spid="12" grpId="0" animBg="1"/>
+      <p:bldP spid="14" grpId="0" animBg="1"/>
     </p:bldLst>
   </p:timing>
 </p:sld>
@@ -22489,10 +22559,9 @@
           <a:p>
             <a:pPr algn="ctr"/>
             <a:r>
-              <a:rPr lang="de-DE" dirty="0" smtClean="0"/>
+              <a:rPr lang="de-DE" dirty="0"/>
               <a:t>Ist Zustand</a:t>
             </a:r>
-            <a:endParaRPr lang="de-DE" dirty="0"/>
           </a:p>
         </p:txBody>
       </p:sp>
@@ -22517,10 +22586,9 @@
               <a:t>8</a:t>
             </a:fld>
             <a:r>
-              <a:rPr lang="de-DE" smtClean="0"/>
-              <a:t>/20</a:t>
+              <a:rPr lang="de-DE" dirty="0"/>
+              <a:t>/21</a:t>
             </a:r>
-            <a:endParaRPr lang="de-DE" dirty="0"/>
           </a:p>
         </p:txBody>
       </p:sp>
@@ -22683,7 +22751,7 @@
           <a:p>
             <a:pPr algn="ctr"/>
             <a:r>
-              <a:rPr lang="de-DE" sz="1600" b="1" dirty="0" smtClean="0">
+              <a:rPr lang="de-DE" sz="1600" b="1" dirty="0">
                 <a:solidFill>
                   <a:schemeClr val="bg1"/>
                 </a:solidFill>
@@ -22691,7 +22759,7 @@
               <a:t>Aktueller Punktestand + </a:t>
             </a:r>
             <a:r>
-              <a:rPr lang="de-DE" sz="1600" b="1" dirty="0" err="1" smtClean="0">
+              <a:rPr lang="de-DE" sz="1600" b="1" dirty="0" err="1">
                 <a:solidFill>
                   <a:schemeClr val="bg1"/>
                 </a:solidFill>
@@ -22787,18 +22855,13 @@
           <a:p>
             <a:pPr algn="ctr"/>
             <a:r>
-              <a:rPr lang="de-DE" sz="1600" b="1" dirty="0" smtClean="0">
+              <a:rPr lang="de-DE" sz="1600" b="1" dirty="0">
                 <a:solidFill>
                   <a:schemeClr val="bg1"/>
                 </a:solidFill>
               </a:rPr>
               <a:t>Spielfigur</a:t>
             </a:r>
-            <a:endParaRPr lang="de-DE" sz="1600" b="1" dirty="0">
-              <a:solidFill>
-                <a:schemeClr val="bg1"/>
-              </a:solidFill>
-            </a:endParaRPr>
           </a:p>
         </p:txBody>
       </p:sp>
@@ -22883,18 +22946,13 @@
           <a:p>
             <a:pPr algn="ctr"/>
             <a:r>
-              <a:rPr lang="de-DE" sz="1600" b="1" dirty="0" smtClean="0">
+              <a:rPr lang="de-DE" sz="1600" b="1" dirty="0">
                 <a:solidFill>
                   <a:schemeClr val="bg1"/>
                 </a:solidFill>
               </a:rPr>
               <a:t>Hindernisse/Gegner</a:t>
             </a:r>
-            <a:endParaRPr lang="de-DE" sz="1600" b="1" dirty="0">
-              <a:solidFill>
-                <a:schemeClr val="bg1"/>
-              </a:solidFill>
-            </a:endParaRPr>
           </a:p>
         </p:txBody>
       </p:sp>
@@ -23408,10 +23466,9 @@
           <a:lstStyle/>
           <a:p>
             <a:r>
-              <a:rPr lang="de-DE" dirty="0" smtClean="0"/>
+              <a:rPr lang="de-DE" dirty="0"/>
               <a:t>Soll Zustand</a:t>
             </a:r>
-            <a:endParaRPr lang="de-DE" dirty="0"/>
           </a:p>
         </p:txBody>
       </p:sp>
@@ -23436,10 +23493,9 @@
               <a:t>9</a:t>
             </a:fld>
             <a:r>
-              <a:rPr lang="de-DE" smtClean="0"/>
-              <a:t>/20</a:t>
+              <a:rPr lang="de-DE" dirty="0"/>
+              <a:t>/21</a:t>
             </a:r>
-            <a:endParaRPr lang="de-DE" dirty="0"/>
           </a:p>
         </p:txBody>
       </p:sp>
@@ -23602,18 +23658,13 @@
           <a:p>
             <a:pPr algn="ctr"/>
             <a:r>
-              <a:rPr lang="de-DE" sz="1600" b="1" dirty="0" smtClean="0">
+              <a:rPr lang="de-DE" sz="1600" b="1" dirty="0">
                 <a:solidFill>
                   <a:schemeClr val="bg1"/>
                 </a:solidFill>
               </a:rPr>
               <a:t>Spielfigur</a:t>
             </a:r>
-            <a:endParaRPr lang="de-DE" sz="1600" b="1" dirty="0">
-              <a:solidFill>
-                <a:schemeClr val="bg1"/>
-              </a:solidFill>
-            </a:endParaRPr>
           </a:p>
         </p:txBody>
       </p:sp>
@@ -23698,7 +23749,7 @@
           <a:p>
             <a:pPr algn="ctr"/>
             <a:r>
-              <a:rPr lang="de-DE" sz="1600" b="1" dirty="0" smtClean="0">
+              <a:rPr lang="de-DE" sz="1600" b="1" dirty="0">
                 <a:solidFill>
                   <a:schemeClr val="bg1"/>
                 </a:solidFill>
@@ -23706,20 +23757,12 @@
               <a:t>Aktueller Punktestand + </a:t>
             </a:r>
             <a:r>
-              <a:rPr lang="de-DE" sz="1600" b="1" dirty="0" err="1" smtClean="0">
+              <a:rPr lang="de-DE" sz="1600" b="1" dirty="0" err="1">
                 <a:solidFill>
                   <a:schemeClr val="bg1"/>
                 </a:solidFill>
               </a:rPr>
               <a:t>Highscore</a:t>
-            </a:r>
-            <a:r>
-              <a:rPr lang="de-DE" sz="1600" b="1" dirty="0">
-                <a:solidFill>
-                  <a:schemeClr val="bg1"/>
-                </a:solidFill>
-              </a:rPr>
-              <a:t/>
             </a:r>
             <a:br>
               <a:rPr lang="de-DE" sz="1600" b="1" dirty="0">
@@ -23729,31 +23772,28 @@
               </a:rPr>
             </a:br>
             <a:r>
-              <a:rPr lang="de-DE" sz="1600" b="1" dirty="0" smtClean="0">
+              <a:rPr lang="de-DE" sz="1600" b="1" dirty="0">
                 <a:solidFill>
                   <a:schemeClr val="bg1"/>
                 </a:solidFill>
               </a:rPr>
               <a:t>+ Geld</a:t>
             </a:r>
-            <a:endParaRPr lang="de-DE" sz="1600" b="1" dirty="0">
-              <a:solidFill>
-                <a:schemeClr val="bg1"/>
-              </a:solidFill>
-            </a:endParaRPr>
           </a:p>
         </p:txBody>
       </p:sp>
       <p:cxnSp>
         <p:nvCxnSpPr>
           <p:cNvPr id="14" name="Gerade Verbindung 3"/>
-          <p:cNvCxnSpPr/>
+          <p:cNvCxnSpPr>
+            <a:cxnSpLocks/>
+          </p:cNvCxnSpPr>
           <p:nvPr/>
         </p:nvCxnSpPr>
         <p:spPr>
-          <a:xfrm flipV="1">
-            <a:off x="5626100" y="1860550"/>
-            <a:ext cx="3136900" cy="222250"/>
+          <a:xfrm>
+            <a:off x="5588000" y="2141538"/>
+            <a:ext cx="3142412" cy="32962"/>
           </a:xfrm>
           <a:prstGeom prst="line">
             <a:avLst/>
@@ -23787,7 +23827,7 @@
         </p:nvSpPr>
         <p:spPr>
           <a:xfrm>
-            <a:off x="8859088" y="914758"/>
+            <a:off x="8826500" y="1228708"/>
             <a:ext cx="1847012" cy="1745412"/>
           </a:xfrm>
           <a:prstGeom prst="ellipse">
@@ -23825,18 +23865,13 @@
           <a:p>
             <a:pPr algn="ctr"/>
             <a:r>
-              <a:rPr lang="de-DE" sz="1600" b="1" dirty="0" smtClean="0">
+              <a:rPr lang="de-DE" sz="1600" b="1" dirty="0">
                 <a:solidFill>
                   <a:schemeClr val="bg1"/>
                 </a:solidFill>
               </a:rPr>
               <a:t>Lebensanzeige</a:t>
             </a:r>
-            <a:endParaRPr lang="de-DE" sz="1600" b="1" dirty="0">
-              <a:solidFill>
-                <a:schemeClr val="bg1"/>
-              </a:solidFill>
-            </a:endParaRPr>
           </a:p>
         </p:txBody>
       </p:sp>
@@ -23921,18 +23956,13 @@
           <a:p>
             <a:pPr algn="ctr"/>
             <a:r>
-              <a:rPr lang="de-DE" sz="1600" b="1" dirty="0" smtClean="0">
+              <a:rPr lang="de-DE" sz="1600" b="1" dirty="0">
                 <a:solidFill>
                   <a:schemeClr val="bg1"/>
                 </a:solidFill>
               </a:rPr>
               <a:t>Hindernisse/Gegner und Münzen</a:t>
             </a:r>
-            <a:endParaRPr lang="de-DE" sz="1600" b="1" dirty="0">
-              <a:solidFill>
-                <a:schemeClr val="bg1"/>
-              </a:solidFill>
-            </a:endParaRPr>
           </a:p>
         </p:txBody>
       </p:sp>
